--- a/doc/基于Spring Boot + Vue的沈阳音乐节管理系统设计与实现.pptx
+++ b/doc/基于Spring Boot + Vue的沈阳音乐节管理系统设计与实现.pptx
@@ -26,38 +26,37 @@
     <p:sldId id="271" r:id="rId19"/>
     <p:sldId id="272" r:id="rId20"/>
     <p:sldId id="273" r:id="rId21"/>
-    <p:sldId id="274" r:id="rId22"/>
-    <p:sldId id="275" r:id="rId23"/>
-    <p:sldId id="276" r:id="rId24"/>
-    <p:sldId id="277" r:id="rId25"/>
-    <p:sldId id="278" r:id="rId26"/>
-    <p:sldId id="279" r:id="rId27"/>
+    <p:sldId id="275" r:id="rId22"/>
+    <p:sldId id="276" r:id="rId23"/>
+    <p:sldId id="277" r:id="rId24"/>
+    <p:sldId id="278" r:id="rId25"/>
+    <p:sldId id="279" r:id="rId26"/>
   </p:sldIdLst>
   <p:sldSz cx="16256000" cy="9144000"/>
   <p:notesSz cx="9144000" cy="16256000"/>
   <p:embeddedFontLst>
     <p:embeddedFont>
       <p:font typeface="阿里妈妈数黑体" pitchFamily="34" charset="-122"/>
+      <p:bold r:id="rId30"/>
+    </p:embeddedFont>
+    <p:embeddedFont>
+      <p:font typeface="阿里妈妈数黑体" pitchFamily="34" charset="-120"/>
       <p:bold r:id="rId31"/>
     </p:embeddedFont>
     <p:embeddedFont>
-      <p:font typeface="阿里妈妈数黑体" pitchFamily="34" charset="-120"/>
-      <p:bold r:id="rId32"/>
+      <p:font typeface="MiSans" pitchFamily="34" charset="-122"/>
+      <p:regular r:id="rId32"/>
     </p:embeddedFont>
     <p:embeddedFont>
-      <p:font typeface="MiSans" pitchFamily="34" charset="-122"/>
+      <p:font typeface="MiSans" pitchFamily="34" charset="-120"/>
       <p:regular r:id="rId33"/>
     </p:embeddedFont>
     <p:embeddedFont>
-      <p:font typeface="MiSans" pitchFamily="34" charset="-120"/>
+      <p:font typeface="Calibri" panose="020F0502020204030204" charset="0"/>
       <p:regular r:id="rId34"/>
-    </p:embeddedFont>
-    <p:embeddedFont>
-      <p:font typeface="Calibri" panose="020F0502020204030204" charset="0"/>
-      <p:regular r:id="rId35"/>
-      <p:bold r:id="rId36"/>
-      <p:italic r:id="rId37"/>
-      <p:boldItalic r:id="rId38"/>
+      <p:bold r:id="rId35"/>
+      <p:italic r:id="rId36"/>
+      <p:boldItalic r:id="rId37"/>
     </p:embeddedFont>
   </p:embeddedFontLst>
   <p:defaultTextStyle>
@@ -1673,84 +1672,6 @@
 </file>
 
 <file path=ppt/notesSlides/notesSlide23.xml><?xml version="1.0" encoding="utf-8"?>
-<p:notes xmlns:a="http://schemas.openxmlformats.org/drawingml/2006/main" xmlns:r="http://schemas.openxmlformats.org/officeDocument/2006/relationships" xmlns:p="http://schemas.openxmlformats.org/presentationml/2006/main">
-  <p:cSld>
-    <p:spTree>
-      <p:nvGrpSpPr>
-        <p:cNvPr id="1" name=""/>
-        <p:cNvGrpSpPr/>
-        <p:nvPr/>
-      </p:nvGrpSpPr>
-      <p:grpSpPr>
-        <a:xfrm>
-          <a:off x="0" y="0"/>
-          <a:ext cx="0" cy="0"/>
-          <a:chOff x="0" y="0"/>
-          <a:chExt cx="0" cy="0"/>
-        </a:xfrm>
-      </p:grpSpPr>
-      <p:sp>
-        <p:nvSpPr>
-          <p:cNvPr id="2" name="Slide Image Placeholder 1"/>
-          <p:cNvSpPr>
-            <a:spLocks noGrp="1" noRot="1" noChangeAspect="1"/>
-          </p:cNvSpPr>
-          <p:nvPr>
-            <p:ph type="sldImg"/>
-          </p:nvPr>
-        </p:nvSpPr>
-        <p:spPr/>
-      </p:sp>
-      <p:sp>
-        <p:nvSpPr>
-          <p:cNvPr id="3" name="Notes Placeholder 2"/>
-          <p:cNvSpPr>
-            <a:spLocks noGrp="1"/>
-          </p:cNvSpPr>
-          <p:nvPr>
-            <p:ph type="body" idx="1"/>
-          </p:nvPr>
-        </p:nvSpPr>
-        <p:spPr/>
-        <p:txBody>
-          <a:bodyPr/>
-          <a:lstStyle/>
-          <a:p>
-            <a:endParaRPr lang="en-US" dirty="0"/>
-          </a:p>
-        </p:txBody>
-      </p:sp>
-      <p:sp>
-        <p:nvSpPr>
-          <p:cNvPr id="4" name="Slide Number Placeholder 3"/>
-          <p:cNvSpPr>
-            <a:spLocks noGrp="1"/>
-          </p:cNvSpPr>
-          <p:nvPr>
-            <p:ph type="sldNum" sz="quarter" idx="10"/>
-          </p:nvPr>
-        </p:nvSpPr>
-        <p:spPr/>
-        <p:txBody>
-          <a:bodyPr/>
-          <a:lstStyle/>
-          <a:p>
-            <a:fld id="{F7021451-1387-4CA6-816F-3879F97B5CBC}" type="slidenum">
-              <a:rPr lang="en-US"/>
-            </a:fld>
-            <a:endParaRPr lang="en-US"/>
-          </a:p>
-        </p:txBody>
-      </p:sp>
-    </p:spTree>
-  </p:cSld>
-  <p:clrMapOvr>
-    <a:masterClrMapping/>
-  </p:clrMapOvr>
-</p:notes>
-</file>
-
-<file path=ppt/notesSlides/notesSlide24.xml><?xml version="1.0" encoding="utf-8"?>
 <p:notes xmlns:a="http://schemas.openxmlformats.org/drawingml/2006/main" xmlns:r="http://schemas.openxmlformats.org/officeDocument/2006/relationships" xmlns:p="http://schemas.openxmlformats.org/presentationml/2006/main">
   <p:cSld>
     <p:spTree>
@@ -10186,6 +10107,28 @@
           </a:p>
         </p:txBody>
       </p:sp>
+      <p:pic>
+        <p:nvPicPr>
+          <p:cNvPr id="101" name="图片 100"/>
+          <p:cNvPicPr/>
+          <p:nvPr/>
+        </p:nvPicPr>
+        <p:blipFill>
+          <a:blip r:embed="rId1"/>
+          <a:stretch>
+            <a:fillRect/>
+          </a:stretch>
+        </p:blipFill>
+        <p:spPr>
+          <a:xfrm>
+            <a:off x="4084320" y="200660"/>
+            <a:ext cx="3712845" cy="1289050"/>
+          </a:xfrm>
+          <a:prstGeom prst="rect">
+            <a:avLst/>
+          </a:prstGeom>
+        </p:spPr>
+      </p:pic>
     </p:spTree>
   </p:cSld>
   <p:clrMapOvr>
@@ -11770,79 +11713,6 @@
       </p:sp>
       <p:sp>
         <p:nvSpPr>
-          <p:cNvPr id="21" name="Shape 19"/>
-          <p:cNvSpPr/>
-          <p:nvPr/>
-        </p:nvSpPr>
-        <p:spPr>
-          <a:xfrm>
-            <a:off x="849313" y="5105400"/>
-            <a:ext cx="155575" cy="177800"/>
-          </a:xfrm>
-          <a:custGeom>
-            <a:avLst/>
-            <a:gdLst/>
-            <a:ahLst/>
-            <a:cxnLst/>
-            <a:rect l="l" t="t" r="r" b="b"/>
-            <a:pathLst>
-              <a:path w="155575" h="177800">
-                <a:moveTo>
-                  <a:pt x="150991" y="24343"/>
-                </a:moveTo>
-                <a:cubicBezTo>
-                  <a:pt x="155957" y="27955"/>
-                  <a:pt x="157068" y="34900"/>
-                  <a:pt x="153457" y="39866"/>
-                </a:cubicBezTo>
-                <a:lnTo>
-                  <a:pt x="64557" y="162104"/>
-                </a:lnTo>
-                <a:cubicBezTo>
-                  <a:pt x="62647" y="164743"/>
-                  <a:pt x="59695" y="166375"/>
-                  <a:pt x="56431" y="166653"/>
-                </a:cubicBezTo>
-                <a:cubicBezTo>
-                  <a:pt x="53166" y="166931"/>
-                  <a:pt x="50006" y="165715"/>
-                  <a:pt x="47714" y="163423"/>
-                </a:cubicBezTo>
-                <a:lnTo>
-                  <a:pt x="3264" y="118973"/>
-                </a:lnTo>
-                <a:cubicBezTo>
-                  <a:pt x="-1077" y="114632"/>
-                  <a:pt x="-1077" y="107583"/>
-                  <a:pt x="3264" y="103242"/>
-                </a:cubicBezTo>
-                <a:cubicBezTo>
-                  <a:pt x="7605" y="98901"/>
-                  <a:pt x="14655" y="98901"/>
-                  <a:pt x="18995" y="103242"/>
-                </a:cubicBezTo>
-                <a:lnTo>
-                  <a:pt x="54243" y="138490"/>
-                </a:lnTo>
-                <a:lnTo>
-                  <a:pt x="135503" y="26774"/>
-                </a:lnTo>
-                <a:cubicBezTo>
-                  <a:pt x="139115" y="21808"/>
-                  <a:pt x="146060" y="20697"/>
-                  <a:pt x="151026" y="24309"/>
-                </a:cubicBezTo>
-                <a:close/>
-              </a:path>
-            </a:pathLst>
-          </a:custGeom>
-          <a:solidFill>
-            <a:srgbClr val="8D99AE"/>
-          </a:solidFill>
-        </p:spPr>
-      </p:sp>
-      <p:sp>
-        <p:nvSpPr>
           <p:cNvPr id="22" name="Text 20"/>
           <p:cNvSpPr/>
           <p:nvPr/>
@@ -11866,17 +11736,6 @@
                 <a:spcPct val="120000"/>
               </a:lnSpc>
             </a:pPr>
-            <a:r>
-              <a:rPr lang="en-US" sz="1400" dirty="0">
-                <a:solidFill>
-                  <a:srgbClr val="F0F2F5"/>
-                </a:solidFill>
-                <a:latin typeface="MiSans" pitchFamily="34" charset="-122"/>
-                <a:ea typeface="MiSans" pitchFamily="34" charset="-122"/>
-                <a:cs typeface="MiSans" pitchFamily="34" charset="-120"/>
-              </a:rPr>
-              <a:t>Redis 6.0 缓存优化</a:t>
-            </a:r>
             <a:endParaRPr lang="en-US" sz="1600" dirty="0"/>
           </a:p>
         </p:txBody>
@@ -12497,112 +12356,7 @@
                 <a:ea typeface="MiSans" pitchFamily="34" charset="-122"/>
                 <a:cs typeface="MiSans" pitchFamily="34" charset="-120"/>
               </a:rPr>
-              <a:t>集成Swagger、Lombok等工具，提升开发效率。</a:t>
-            </a:r>
-            <a:endParaRPr lang="en-US" sz="1600" dirty="0"/>
-          </a:p>
-        </p:txBody>
-      </p:sp>
-      <p:sp>
-        <p:nvSpPr>
-          <p:cNvPr id="33" name="Shape 31"/>
-          <p:cNvSpPr/>
-          <p:nvPr/>
-        </p:nvSpPr>
-        <p:spPr>
-          <a:xfrm>
-            <a:off x="8559800" y="2921000"/>
-            <a:ext cx="2324100" cy="457200"/>
-          </a:xfrm>
-          <a:custGeom>
-            <a:avLst/>
-            <a:gdLst/>
-            <a:ahLst/>
-            <a:cxnLst/>
-            <a:rect l="l" t="t" r="r" b="b"/>
-            <a:pathLst>
-              <a:path w="2324100" h="457200">
-                <a:moveTo>
-                  <a:pt x="50799" y="0"/>
-                </a:moveTo>
-                <a:lnTo>
-                  <a:pt x="2273301" y="0"/>
-                </a:lnTo>
-                <a:cubicBezTo>
-                  <a:pt x="2301356" y="0"/>
-                  <a:pt x="2324100" y="22744"/>
-                  <a:pt x="2324100" y="50799"/>
-                </a:cubicBezTo>
-                <a:lnTo>
-                  <a:pt x="2324100" y="406401"/>
-                </a:lnTo>
-                <a:cubicBezTo>
-                  <a:pt x="2324100" y="434456"/>
-                  <a:pt x="2301356" y="457200"/>
-                  <a:pt x="2273301" y="457200"/>
-                </a:cubicBezTo>
-                <a:lnTo>
-                  <a:pt x="50799" y="457200"/>
-                </a:lnTo>
-                <a:cubicBezTo>
-                  <a:pt x="22744" y="457200"/>
-                  <a:pt x="0" y="434456"/>
-                  <a:pt x="0" y="406401"/>
-                </a:cubicBezTo>
-                <a:lnTo>
-                  <a:pt x="0" y="50799"/>
-                </a:lnTo>
-                <a:cubicBezTo>
-                  <a:pt x="0" y="22762"/>
-                  <a:pt x="22762" y="0"/>
-                  <a:pt x="50799" y="0"/>
-                </a:cubicBezTo>
-                <a:close/>
-              </a:path>
-            </a:pathLst>
-          </a:custGeom>
-          <a:solidFill>
-            <a:srgbClr val="5F7A8D">
-              <a:alpha val="10196"/>
-            </a:srgbClr>
-          </a:solidFill>
-        </p:spPr>
-      </p:sp>
-      <p:sp>
-        <p:nvSpPr>
-          <p:cNvPr id="34" name="Text 32"/>
-          <p:cNvSpPr/>
-          <p:nvPr/>
-        </p:nvSpPr>
-        <p:spPr>
-          <a:xfrm>
-            <a:off x="8616950" y="3022600"/>
-            <a:ext cx="2209800" cy="254000"/>
-          </a:xfrm>
-          <a:prstGeom prst="rect">
-            <a:avLst/>
-          </a:prstGeom>
-          <a:noFill/>
-        </p:spPr>
-        <p:txBody>
-          <a:bodyPr wrap="square" lIns="0" tIns="0" rIns="0" bIns="0" rtlCol="0" anchor="ctr"/>
-          <a:lstStyle/>
-          <a:p>
-            <a:pPr algn="ctr">
-              <a:lnSpc>
-                <a:spcPct val="120000"/>
-              </a:lnSpc>
-            </a:pPr>
-            <a:r>
-              <a:rPr lang="en-US" sz="1400" dirty="0">
-                <a:solidFill>
-                  <a:srgbClr val="F0F2F5"/>
-                </a:solidFill>
-                <a:latin typeface="MiSans" pitchFamily="34" charset="-122"/>
-                <a:ea typeface="MiSans" pitchFamily="34" charset="-122"/>
-                <a:cs typeface="MiSans" pitchFamily="34" charset="-120"/>
-              </a:rPr>
-              <a:t>Swagger</a:t>
+              <a:t>集成Lombok等工具，提升开发效率。</a:t>
             </a:r>
             <a:endParaRPr lang="en-US" sz="1600" dirty="0"/>
           </a:p>
@@ -12708,111 +12462,6 @@
                 <a:cs typeface="MiSans" pitchFamily="34" charset="-120"/>
               </a:rPr>
               <a:t>Lombok</a:t>
-            </a:r>
-            <a:endParaRPr lang="en-US" sz="1600" dirty="0"/>
-          </a:p>
-        </p:txBody>
-      </p:sp>
-      <p:sp>
-        <p:nvSpPr>
-          <p:cNvPr id="37" name="Shape 35"/>
-          <p:cNvSpPr/>
-          <p:nvPr/>
-        </p:nvSpPr>
-        <p:spPr>
-          <a:xfrm>
-            <a:off x="13419534" y="2921000"/>
-            <a:ext cx="2324100" cy="457200"/>
-          </a:xfrm>
-          <a:custGeom>
-            <a:avLst/>
-            <a:gdLst/>
-            <a:ahLst/>
-            <a:cxnLst/>
-            <a:rect l="l" t="t" r="r" b="b"/>
-            <a:pathLst>
-              <a:path w="2324100" h="457200">
-                <a:moveTo>
-                  <a:pt x="50799" y="0"/>
-                </a:moveTo>
-                <a:lnTo>
-                  <a:pt x="2273301" y="0"/>
-                </a:lnTo>
-                <a:cubicBezTo>
-                  <a:pt x="2301356" y="0"/>
-                  <a:pt x="2324100" y="22744"/>
-                  <a:pt x="2324100" y="50799"/>
-                </a:cubicBezTo>
-                <a:lnTo>
-                  <a:pt x="2324100" y="406401"/>
-                </a:lnTo>
-                <a:cubicBezTo>
-                  <a:pt x="2324100" y="434456"/>
-                  <a:pt x="2301356" y="457200"/>
-                  <a:pt x="2273301" y="457200"/>
-                </a:cubicBezTo>
-                <a:lnTo>
-                  <a:pt x="50799" y="457200"/>
-                </a:lnTo>
-                <a:cubicBezTo>
-                  <a:pt x="22744" y="457200"/>
-                  <a:pt x="0" y="434456"/>
-                  <a:pt x="0" y="406401"/>
-                </a:cubicBezTo>
-                <a:lnTo>
-                  <a:pt x="0" y="50799"/>
-                </a:lnTo>
-                <a:cubicBezTo>
-                  <a:pt x="0" y="22762"/>
-                  <a:pt x="22762" y="0"/>
-                  <a:pt x="50799" y="0"/>
-                </a:cubicBezTo>
-                <a:close/>
-              </a:path>
-            </a:pathLst>
-          </a:custGeom>
-          <a:solidFill>
-            <a:srgbClr val="5F7A8D">
-              <a:alpha val="10196"/>
-            </a:srgbClr>
-          </a:solidFill>
-        </p:spPr>
-      </p:sp>
-      <p:sp>
-        <p:nvSpPr>
-          <p:cNvPr id="38" name="Text 36"/>
-          <p:cNvSpPr/>
-          <p:nvPr/>
-        </p:nvSpPr>
-        <p:spPr>
-          <a:xfrm>
-            <a:off x="13476684" y="3022600"/>
-            <a:ext cx="2209800" cy="254000"/>
-          </a:xfrm>
-          <a:prstGeom prst="rect">
-            <a:avLst/>
-          </a:prstGeom>
-          <a:noFill/>
-        </p:spPr>
-        <p:txBody>
-          <a:bodyPr wrap="square" lIns="0" tIns="0" rIns="0" bIns="0" rtlCol="0" anchor="ctr"/>
-          <a:lstStyle/>
-          <a:p>
-            <a:pPr algn="ctr">
-              <a:lnSpc>
-                <a:spcPct val="120000"/>
-              </a:lnSpc>
-            </a:pPr>
-            <a:r>
-              <a:rPr lang="en-US" sz="1400" dirty="0">
-                <a:solidFill>
-                  <a:srgbClr val="F0F2F5"/>
-                </a:solidFill>
-                <a:latin typeface="MiSans" pitchFamily="34" charset="-122"/>
-                <a:ea typeface="MiSans" pitchFamily="34" charset="-122"/>
-                <a:cs typeface="MiSans" pitchFamily="34" charset="-120"/>
-              </a:rPr>
-              <a:t>JUnit5</a:t>
             </a:r>
             <a:endParaRPr lang="en-US" sz="1600" dirty="0"/>
           </a:p>
@@ -21733,6 +21382,28 @@
           </a:p>
         </p:txBody>
       </p:sp>
+      <p:pic>
+        <p:nvPicPr>
+          <p:cNvPr id="64" name="图片 63"/>
+          <p:cNvPicPr/>
+          <p:nvPr/>
+        </p:nvPicPr>
+        <p:blipFill>
+          <a:blip r:embed="rId1"/>
+          <a:stretch>
+            <a:fillRect/>
+          </a:stretch>
+        </p:blipFill>
+        <p:spPr>
+          <a:xfrm>
+            <a:off x="10869930" y="6994525"/>
+            <a:ext cx="4871720" cy="2148840"/>
+          </a:xfrm>
+          <a:prstGeom prst="rect">
+            <a:avLst/>
+          </a:prstGeom>
+        </p:spPr>
+      </p:pic>
     </p:spTree>
   </p:cSld>
   <p:clrMapOvr>
@@ -23481,5700 +23152,6 @@
           <a:chExt cx="0" cy="0"/>
         </a:xfrm>
       </p:grpSpPr>
-      <p:sp>
-        <p:nvSpPr>
-          <p:cNvPr id="2" name="Text 0"/>
-          <p:cNvSpPr/>
-          <p:nvPr/>
-        </p:nvSpPr>
-        <p:spPr>
-          <a:xfrm>
-            <a:off x="508000" y="508000"/>
-            <a:ext cx="15341600" cy="304800"/>
-          </a:xfrm>
-          <a:prstGeom prst="rect">
-            <a:avLst/>
-          </a:prstGeom>
-          <a:noFill/>
-        </p:spPr>
-        <p:txBody>
-          <a:bodyPr wrap="square" lIns="0" tIns="0" rIns="0" bIns="0" rtlCol="0" anchor="ctr"/>
-          <a:lstStyle/>
-          <a:p>
-            <a:pPr>
-              <a:lnSpc>
-                <a:spcPct val="130000"/>
-              </a:lnSpc>
-            </a:pPr>
-            <a:r>
-              <a:rPr lang="en-US" sz="1600" b="1" kern="0" spc="80" dirty="0">
-                <a:solidFill>
-                  <a:srgbClr val="E07A5F"/>
-                </a:solidFill>
-                <a:latin typeface="阿里妈妈数黑体" pitchFamily="34" charset="-122"/>
-                <a:ea typeface="阿里妈妈数黑体" pitchFamily="34" charset="-122"/>
-                <a:cs typeface="阿里妈妈数黑体" pitchFamily="34" charset="-120"/>
-              </a:rPr>
-              <a:t>IMMERSIVE CULTURAL EXPERIENCE</a:t>
-            </a:r>
-            <a:endParaRPr lang="en-US" sz="1600" dirty="0"/>
-          </a:p>
-        </p:txBody>
-      </p:sp>
-      <p:sp>
-        <p:nvSpPr>
-          <p:cNvPr id="3" name="Text 1"/>
-          <p:cNvSpPr/>
-          <p:nvPr/>
-        </p:nvSpPr>
-        <p:spPr>
-          <a:xfrm>
-            <a:off x="508000" y="914400"/>
-            <a:ext cx="15468600" cy="508000"/>
-          </a:xfrm>
-          <a:prstGeom prst="rect">
-            <a:avLst/>
-          </a:prstGeom>
-          <a:noFill/>
-        </p:spPr>
-        <p:txBody>
-          <a:bodyPr wrap="square" lIns="0" tIns="0" rIns="0" bIns="0" rtlCol="0" anchor="ctr"/>
-          <a:lstStyle/>
-          <a:p>
-            <a:pPr>
-              <a:lnSpc>
-                <a:spcPct val="90000"/>
-              </a:lnSpc>
-            </a:pPr>
-            <a:r>
-              <a:rPr lang="en-US" sz="3600" b="1" dirty="0">
-                <a:solidFill>
-                  <a:srgbClr val="F0F2F5"/>
-                </a:solidFill>
-                <a:latin typeface="阿里妈妈数黑体" pitchFamily="34" charset="-122"/>
-                <a:ea typeface="阿里妈妈数黑体" pitchFamily="34" charset="-122"/>
-                <a:cs typeface="阿里妈妈数黑体" pitchFamily="34" charset="-120"/>
-              </a:rPr>
-              <a:t>沉浸式文化体验:地图打卡与积分体系</a:t>
-            </a:r>
-            <a:endParaRPr lang="en-US" sz="1600" dirty="0"/>
-          </a:p>
-        </p:txBody>
-      </p:sp>
-      <p:sp>
-        <p:nvSpPr>
-          <p:cNvPr id="4" name="Shape 2"/>
-          <p:cNvSpPr/>
-          <p:nvPr/>
-        </p:nvSpPr>
-        <p:spPr>
-          <a:xfrm>
-            <a:off x="508000" y="1574800"/>
-            <a:ext cx="1219200" cy="50800"/>
-          </a:xfrm>
-          <a:custGeom>
-            <a:avLst/>
-            <a:gdLst/>
-            <a:ahLst/>
-            <a:cxnLst/>
-            <a:rect l="l" t="t" r="r" b="b"/>
-            <a:pathLst>
-              <a:path w="1219200" h="50800">
-                <a:moveTo>
-                  <a:pt x="0" y="0"/>
-                </a:moveTo>
-                <a:lnTo>
-                  <a:pt x="1219200" y="0"/>
-                </a:lnTo>
-                <a:lnTo>
-                  <a:pt x="1219200" y="50800"/>
-                </a:lnTo>
-                <a:lnTo>
-                  <a:pt x="0" y="50800"/>
-                </a:lnTo>
-                <a:lnTo>
-                  <a:pt x="0" y="0"/>
-                </a:lnTo>
-                <a:close/>
-              </a:path>
-            </a:pathLst>
-          </a:custGeom>
-          <a:solidFill>
-            <a:srgbClr val="E07A5F"/>
-          </a:solidFill>
-        </p:spPr>
-      </p:sp>
-      <p:sp>
-        <p:nvSpPr>
-          <p:cNvPr id="5" name="Shape 3"/>
-          <p:cNvSpPr/>
-          <p:nvPr/>
-        </p:nvSpPr>
-        <p:spPr>
-          <a:xfrm>
-            <a:off x="514350" y="1885950"/>
-            <a:ext cx="4927600" cy="3873500"/>
-          </a:xfrm>
-          <a:custGeom>
-            <a:avLst/>
-            <a:gdLst/>
-            <a:ahLst/>
-            <a:cxnLst/>
-            <a:rect l="l" t="t" r="r" b="b"/>
-            <a:pathLst>
-              <a:path w="4927600" h="3873500">
-                <a:moveTo>
-                  <a:pt x="101602" y="0"/>
-                </a:moveTo>
-                <a:lnTo>
-                  <a:pt x="4825998" y="0"/>
-                </a:lnTo>
-                <a:cubicBezTo>
-                  <a:pt x="4882111" y="0"/>
-                  <a:pt x="4927600" y="45489"/>
-                  <a:pt x="4927600" y="101602"/>
-                </a:cubicBezTo>
-                <a:lnTo>
-                  <a:pt x="4927600" y="3771898"/>
-                </a:lnTo>
-                <a:cubicBezTo>
-                  <a:pt x="4927600" y="3828011"/>
-                  <a:pt x="4882111" y="3873500"/>
-                  <a:pt x="4825998" y="3873500"/>
-                </a:cubicBezTo>
-                <a:lnTo>
-                  <a:pt x="101602" y="3873500"/>
-                </a:lnTo>
-                <a:cubicBezTo>
-                  <a:pt x="45489" y="3873500"/>
-                  <a:pt x="0" y="3828011"/>
-                  <a:pt x="0" y="3771898"/>
-                </a:cubicBezTo>
-                <a:lnTo>
-                  <a:pt x="0" y="101602"/>
-                </a:lnTo>
-                <a:cubicBezTo>
-                  <a:pt x="0" y="45526"/>
-                  <a:pt x="45526" y="0"/>
-                  <a:pt x="101602" y="0"/>
-                </a:cubicBezTo>
-                <a:close/>
-              </a:path>
-            </a:pathLst>
-          </a:custGeom>
-          <a:solidFill>
-            <a:srgbClr val="5F7A8D">
-              <a:alpha val="10196"/>
-            </a:srgbClr>
-          </a:solidFill>
-          <a:ln w="12700">
-            <a:solidFill>
-              <a:srgbClr val="5F7A8D">
-                <a:alpha val="30196"/>
-              </a:srgbClr>
-            </a:solidFill>
-            <a:prstDash val="solid"/>
-          </a:ln>
-        </p:spPr>
-      </p:sp>
-      <p:sp>
-        <p:nvSpPr>
-          <p:cNvPr id="6" name="Shape 4"/>
-          <p:cNvSpPr/>
-          <p:nvPr/>
-        </p:nvSpPr>
-        <p:spPr>
-          <a:xfrm>
-            <a:off x="723900" y="2120900"/>
-            <a:ext cx="381000" cy="304800"/>
-          </a:xfrm>
-          <a:custGeom>
-            <a:avLst/>
-            <a:gdLst/>
-            <a:ahLst/>
-            <a:cxnLst/>
-            <a:rect l="l" t="t" r="r" b="b"/>
-            <a:pathLst>
-              <a:path w="381000" h="304800">
-                <a:moveTo>
-                  <a:pt x="342900" y="28575"/>
-                </a:moveTo>
-                <a:cubicBezTo>
-                  <a:pt x="342900" y="21967"/>
-                  <a:pt x="339507" y="15835"/>
-                  <a:pt x="333851" y="12383"/>
-                </a:cubicBezTo>
-                <a:cubicBezTo>
-                  <a:pt x="328196" y="8930"/>
-                  <a:pt x="321231" y="8573"/>
-                  <a:pt x="315337" y="11549"/>
-                </a:cubicBezTo>
-                <a:lnTo>
-                  <a:pt x="246162" y="46137"/>
-                </a:lnTo>
-                <a:lnTo>
-                  <a:pt x="139363" y="10478"/>
-                </a:lnTo>
-                <a:cubicBezTo>
-                  <a:pt x="134541" y="8870"/>
-                  <a:pt x="129361" y="9227"/>
-                  <a:pt x="124837" y="11490"/>
-                </a:cubicBezTo>
-                <a:lnTo>
-                  <a:pt x="48637" y="49590"/>
-                </a:lnTo>
-                <a:cubicBezTo>
-                  <a:pt x="42148" y="52864"/>
-                  <a:pt x="38100" y="59472"/>
-                  <a:pt x="38100" y="66675"/>
-                </a:cubicBezTo>
-                <a:lnTo>
-                  <a:pt x="38100" y="276225"/>
-                </a:lnTo>
-                <a:cubicBezTo>
-                  <a:pt x="38100" y="282833"/>
-                  <a:pt x="41493" y="288965"/>
-                  <a:pt x="47149" y="292418"/>
-                </a:cubicBezTo>
-                <a:cubicBezTo>
-                  <a:pt x="52804" y="295870"/>
-                  <a:pt x="59769" y="296227"/>
-                  <a:pt x="65663" y="293251"/>
-                </a:cubicBezTo>
-                <a:lnTo>
-                  <a:pt x="134779" y="258663"/>
-                </a:lnTo>
-                <a:lnTo>
-                  <a:pt x="237946" y="293072"/>
-                </a:lnTo>
-                <a:cubicBezTo>
-                  <a:pt x="235387" y="289262"/>
-                  <a:pt x="232886" y="285274"/>
-                  <a:pt x="230445" y="281226"/>
-                </a:cubicBezTo>
-                <a:cubicBezTo>
-                  <a:pt x="223897" y="270331"/>
-                  <a:pt x="217408" y="257830"/>
-                  <a:pt x="212586" y="244435"/>
-                </a:cubicBezTo>
-                <a:lnTo>
-                  <a:pt x="152340" y="224373"/>
-                </a:lnTo>
-                <a:lnTo>
-                  <a:pt x="152340" y="55007"/>
-                </a:lnTo>
-                <a:lnTo>
-                  <a:pt x="228540" y="80427"/>
-                </a:lnTo>
-                <a:lnTo>
-                  <a:pt x="228540" y="139541"/>
-                </a:lnTo>
-                <a:cubicBezTo>
-                  <a:pt x="246995" y="118229"/>
-                  <a:pt x="274380" y="104775"/>
-                  <a:pt x="304740" y="104775"/>
-                </a:cubicBezTo>
-                <a:cubicBezTo>
-                  <a:pt x="318195" y="104775"/>
-                  <a:pt x="331053" y="107394"/>
-                  <a:pt x="342840" y="112216"/>
-                </a:cubicBezTo>
-                <a:lnTo>
-                  <a:pt x="342900" y="28575"/>
-                </a:lnTo>
-                <a:close/>
-                <a:moveTo>
-                  <a:pt x="304800" y="133350"/>
-                </a:moveTo>
-                <a:cubicBezTo>
-                  <a:pt x="265331" y="133350"/>
-                  <a:pt x="233363" y="164783"/>
-                  <a:pt x="233363" y="203537"/>
-                </a:cubicBezTo>
-                <a:cubicBezTo>
-                  <a:pt x="233363" y="244554"/>
-                  <a:pt x="271522" y="293072"/>
-                  <a:pt x="292060" y="316230"/>
-                </a:cubicBezTo>
-                <a:cubicBezTo>
-                  <a:pt x="298966" y="323969"/>
-                  <a:pt x="310694" y="323969"/>
-                  <a:pt x="317599" y="316230"/>
-                </a:cubicBezTo>
-                <a:cubicBezTo>
-                  <a:pt x="338138" y="293072"/>
-                  <a:pt x="376297" y="244554"/>
-                  <a:pt x="376297" y="203537"/>
-                </a:cubicBezTo>
-                <a:cubicBezTo>
-                  <a:pt x="376297" y="164783"/>
-                  <a:pt x="344329" y="133350"/>
-                  <a:pt x="304860" y="133350"/>
-                </a:cubicBezTo>
-                <a:close/>
-                <a:moveTo>
-                  <a:pt x="280987" y="204787"/>
-                </a:moveTo>
-                <a:cubicBezTo>
-                  <a:pt x="280987" y="191645"/>
-                  <a:pt x="291658" y="180975"/>
-                  <a:pt x="304800" y="180975"/>
-                </a:cubicBezTo>
-                <a:cubicBezTo>
-                  <a:pt x="317942" y="180975"/>
-                  <a:pt x="328613" y="191645"/>
-                  <a:pt x="328613" y="204787"/>
-                </a:cubicBezTo>
-                <a:cubicBezTo>
-                  <a:pt x="328613" y="217930"/>
-                  <a:pt x="317942" y="228600"/>
-                  <a:pt x="304800" y="228600"/>
-                </a:cubicBezTo>
-                <a:cubicBezTo>
-                  <a:pt x="291658" y="228600"/>
-                  <a:pt x="280987" y="217930"/>
-                  <a:pt x="280987" y="204787"/>
-                </a:cubicBezTo>
-                <a:close/>
-              </a:path>
-            </a:pathLst>
-          </a:custGeom>
-          <a:solidFill>
-            <a:srgbClr val="5F7A8D"/>
-          </a:solidFill>
-        </p:spPr>
-      </p:sp>
-      <p:sp>
-        <p:nvSpPr>
-          <p:cNvPr id="7" name="Text 5"/>
-          <p:cNvSpPr/>
-          <p:nvPr/>
-        </p:nvSpPr>
-        <p:spPr>
-          <a:xfrm>
-            <a:off x="1206500" y="2095500"/>
-            <a:ext cx="1866900" cy="355600"/>
-          </a:xfrm>
-          <a:prstGeom prst="rect">
-            <a:avLst/>
-          </a:prstGeom>
-          <a:noFill/>
-        </p:spPr>
-        <p:txBody>
-          <a:bodyPr wrap="square" lIns="0" tIns="0" rIns="0" bIns="0" rtlCol="0" anchor="ctr"/>
-          <a:lstStyle/>
-          <a:p>
-            <a:pPr>
-              <a:lnSpc>
-                <a:spcPct val="130000"/>
-              </a:lnSpc>
-            </a:pPr>
-            <a:r>
-              <a:rPr lang="en-US" sz="1800" b="1" dirty="0">
-                <a:solidFill>
-                  <a:srgbClr val="F0F2F5"/>
-                </a:solidFill>
-                <a:latin typeface="阿里妈妈数黑体" pitchFamily="34" charset="-122"/>
-                <a:ea typeface="阿里妈妈数黑体" pitchFamily="34" charset="-122"/>
-                <a:cs typeface="阿里妈妈数黑体" pitchFamily="34" charset="-120"/>
-              </a:rPr>
-              <a:t>高德地图API集成</a:t>
-            </a:r>
-            <a:endParaRPr lang="en-US" sz="1600" dirty="0"/>
-          </a:p>
-        </p:txBody>
-      </p:sp>
-      <p:sp>
-        <p:nvSpPr>
-          <p:cNvPr id="8" name="Text 6"/>
-          <p:cNvSpPr/>
-          <p:nvPr/>
-        </p:nvSpPr>
-        <p:spPr>
-          <a:xfrm>
-            <a:off x="723900" y="2603500"/>
-            <a:ext cx="4610100" cy="660400"/>
-          </a:xfrm>
-          <a:prstGeom prst="rect">
-            <a:avLst/>
-          </a:prstGeom>
-          <a:noFill/>
-        </p:spPr>
-        <p:txBody>
-          <a:bodyPr wrap="square" lIns="0" tIns="0" rIns="0" bIns="0" rtlCol="0" anchor="ctr"/>
-          <a:lstStyle/>
-          <a:p>
-            <a:pPr>
-              <a:lnSpc>
-                <a:spcPct val="140000"/>
-              </a:lnSpc>
-            </a:pPr>
-            <a:r>
-              <a:rPr lang="en-US" sz="1600" dirty="0">
-                <a:solidFill>
-                  <a:srgbClr val="8D99AE"/>
-                </a:solidFill>
-                <a:latin typeface="MiSans" pitchFamily="34" charset="-122"/>
-                <a:ea typeface="MiSans" pitchFamily="34" charset="-122"/>
-                <a:cs typeface="MiSans" pitchFamily="34" charset="-120"/>
-              </a:rPr>
-              <a:t>集成高德地图JS API，实现文化打卡点的可视化展示。</a:t>
-            </a:r>
-            <a:endParaRPr lang="en-US" sz="1600" dirty="0"/>
-          </a:p>
-        </p:txBody>
-      </p:sp>
-      <p:sp>
-        <p:nvSpPr>
-          <p:cNvPr id="9" name="Shape 7"/>
-          <p:cNvSpPr/>
-          <p:nvPr/>
-        </p:nvSpPr>
-        <p:spPr>
-          <a:xfrm>
-            <a:off x="782638" y="3441700"/>
-            <a:ext cx="111125" cy="177800"/>
-          </a:xfrm>
-          <a:custGeom>
-            <a:avLst/>
-            <a:gdLst/>
-            <a:ahLst/>
-            <a:cxnLst/>
-            <a:rect l="l" t="t" r="r" b="b"/>
-            <a:pathLst>
-              <a:path w="111125" h="177800">
-                <a:moveTo>
-                  <a:pt x="66675" y="98762"/>
-                </a:moveTo>
-                <a:cubicBezTo>
-                  <a:pt x="88935" y="93727"/>
-                  <a:pt x="105569" y="73794"/>
-                  <a:pt x="105569" y="50006"/>
-                </a:cubicBezTo>
-                <a:cubicBezTo>
-                  <a:pt x="105569" y="22399"/>
-                  <a:pt x="83170" y="0"/>
-                  <a:pt x="55563" y="0"/>
-                </a:cubicBezTo>
-                <a:cubicBezTo>
-                  <a:pt x="27955" y="0"/>
-                  <a:pt x="5556" y="22399"/>
-                  <a:pt x="5556" y="50006"/>
-                </a:cubicBezTo>
-                <a:cubicBezTo>
-                  <a:pt x="5556" y="73794"/>
-                  <a:pt x="22190" y="93727"/>
-                  <a:pt x="44450" y="98762"/>
-                </a:cubicBezTo>
-                <a:lnTo>
-                  <a:pt x="44450" y="166688"/>
-                </a:lnTo>
-                <a:cubicBezTo>
-                  <a:pt x="44450" y="172834"/>
-                  <a:pt x="49416" y="177800"/>
-                  <a:pt x="55563" y="177800"/>
-                </a:cubicBezTo>
-                <a:cubicBezTo>
-                  <a:pt x="61709" y="177800"/>
-                  <a:pt x="66675" y="172834"/>
-                  <a:pt x="66675" y="166688"/>
-                </a:cubicBezTo>
-                <a:lnTo>
-                  <a:pt x="66675" y="98762"/>
-                </a:lnTo>
-                <a:close/>
-                <a:moveTo>
-                  <a:pt x="58341" y="33337"/>
-                </a:moveTo>
-                <a:cubicBezTo>
-                  <a:pt x="47610" y="33337"/>
-                  <a:pt x="38894" y="42054"/>
-                  <a:pt x="38894" y="52784"/>
-                </a:cubicBezTo>
-                <a:cubicBezTo>
-                  <a:pt x="38894" y="57403"/>
-                  <a:pt x="35178" y="61119"/>
-                  <a:pt x="30559" y="61119"/>
-                </a:cubicBezTo>
-                <a:cubicBezTo>
-                  <a:pt x="25941" y="61119"/>
-                  <a:pt x="22225" y="57403"/>
-                  <a:pt x="22225" y="52784"/>
-                </a:cubicBezTo>
-                <a:cubicBezTo>
-                  <a:pt x="22225" y="32851"/>
-                  <a:pt x="38408" y="16669"/>
-                  <a:pt x="58341" y="16669"/>
-                </a:cubicBezTo>
-                <a:cubicBezTo>
-                  <a:pt x="62959" y="16669"/>
-                  <a:pt x="66675" y="20384"/>
-                  <a:pt x="66675" y="25003"/>
-                </a:cubicBezTo>
-                <a:cubicBezTo>
-                  <a:pt x="66675" y="29622"/>
-                  <a:pt x="62959" y="33337"/>
-                  <a:pt x="58341" y="33337"/>
-                </a:cubicBezTo>
-                <a:close/>
-              </a:path>
-            </a:pathLst>
-          </a:custGeom>
-          <a:solidFill>
-            <a:srgbClr val="E07A5F"/>
-          </a:solidFill>
-        </p:spPr>
-      </p:sp>
-      <p:sp>
-        <p:nvSpPr>
-          <p:cNvPr id="10" name="Text 8"/>
-          <p:cNvSpPr/>
-          <p:nvPr/>
-        </p:nvSpPr>
-        <p:spPr>
-          <a:xfrm>
-            <a:off x="1054100" y="3416300"/>
-            <a:ext cx="4267200" cy="254000"/>
-          </a:xfrm>
-          <a:prstGeom prst="rect">
-            <a:avLst/>
-          </a:prstGeom>
-          <a:noFill/>
-        </p:spPr>
-        <p:txBody>
-          <a:bodyPr wrap="square" lIns="0" tIns="0" rIns="0" bIns="0" rtlCol="0" anchor="ctr"/>
-          <a:lstStyle/>
-          <a:p>
-            <a:pPr>
-              <a:lnSpc>
-                <a:spcPct val="120000"/>
-              </a:lnSpc>
-            </a:pPr>
-            <a:r>
-              <a:rPr lang="en-US" sz="1400" dirty="0">
-                <a:solidFill>
-                  <a:srgbClr val="F0F2F5"/>
-                </a:solidFill>
-                <a:latin typeface="MiSans" pitchFamily="34" charset="-122"/>
-                <a:ea typeface="MiSans" pitchFamily="34" charset="-122"/>
-                <a:cs typeface="MiSans" pitchFamily="34" charset="-120"/>
-              </a:rPr>
-              <a:t>沈阳故宫</a:t>
-            </a:r>
-            <a:endParaRPr lang="en-US" sz="1600" dirty="0"/>
-          </a:p>
-        </p:txBody>
-      </p:sp>
-      <p:sp>
-        <p:nvSpPr>
-          <p:cNvPr id="11" name="Shape 9"/>
-          <p:cNvSpPr/>
-          <p:nvPr/>
-        </p:nvSpPr>
-        <p:spPr>
-          <a:xfrm>
-            <a:off x="782638" y="3797300"/>
-            <a:ext cx="111125" cy="177800"/>
-          </a:xfrm>
-          <a:custGeom>
-            <a:avLst/>
-            <a:gdLst/>
-            <a:ahLst/>
-            <a:cxnLst/>
-            <a:rect l="l" t="t" r="r" b="b"/>
-            <a:pathLst>
-              <a:path w="111125" h="177800">
-                <a:moveTo>
-                  <a:pt x="66675" y="98762"/>
-                </a:moveTo>
-                <a:cubicBezTo>
-                  <a:pt x="88935" y="93727"/>
-                  <a:pt x="105569" y="73794"/>
-                  <a:pt x="105569" y="50006"/>
-                </a:cubicBezTo>
-                <a:cubicBezTo>
-                  <a:pt x="105569" y="22399"/>
-                  <a:pt x="83170" y="0"/>
-                  <a:pt x="55563" y="0"/>
-                </a:cubicBezTo>
-                <a:cubicBezTo>
-                  <a:pt x="27955" y="0"/>
-                  <a:pt x="5556" y="22399"/>
-                  <a:pt x="5556" y="50006"/>
-                </a:cubicBezTo>
-                <a:cubicBezTo>
-                  <a:pt x="5556" y="73794"/>
-                  <a:pt x="22190" y="93727"/>
-                  <a:pt x="44450" y="98762"/>
-                </a:cubicBezTo>
-                <a:lnTo>
-                  <a:pt x="44450" y="166688"/>
-                </a:lnTo>
-                <a:cubicBezTo>
-                  <a:pt x="44450" y="172834"/>
-                  <a:pt x="49416" y="177800"/>
-                  <a:pt x="55563" y="177800"/>
-                </a:cubicBezTo>
-                <a:cubicBezTo>
-                  <a:pt x="61709" y="177800"/>
-                  <a:pt x="66675" y="172834"/>
-                  <a:pt x="66675" y="166688"/>
-                </a:cubicBezTo>
-                <a:lnTo>
-                  <a:pt x="66675" y="98762"/>
-                </a:lnTo>
-                <a:close/>
-                <a:moveTo>
-                  <a:pt x="58341" y="33337"/>
-                </a:moveTo>
-                <a:cubicBezTo>
-                  <a:pt x="47610" y="33337"/>
-                  <a:pt x="38894" y="42054"/>
-                  <a:pt x="38894" y="52784"/>
-                </a:cubicBezTo>
-                <a:cubicBezTo>
-                  <a:pt x="38894" y="57403"/>
-                  <a:pt x="35178" y="61119"/>
-                  <a:pt x="30559" y="61119"/>
-                </a:cubicBezTo>
-                <a:cubicBezTo>
-                  <a:pt x="25941" y="61119"/>
-                  <a:pt x="22225" y="57403"/>
-                  <a:pt x="22225" y="52784"/>
-                </a:cubicBezTo>
-                <a:cubicBezTo>
-                  <a:pt x="22225" y="32851"/>
-                  <a:pt x="38408" y="16669"/>
-                  <a:pt x="58341" y="16669"/>
-                </a:cubicBezTo>
-                <a:cubicBezTo>
-                  <a:pt x="62959" y="16669"/>
-                  <a:pt x="66675" y="20384"/>
-                  <a:pt x="66675" y="25003"/>
-                </a:cubicBezTo>
-                <a:cubicBezTo>
-                  <a:pt x="66675" y="29622"/>
-                  <a:pt x="62959" y="33337"/>
-                  <a:pt x="58341" y="33337"/>
-                </a:cubicBezTo>
-                <a:close/>
-              </a:path>
-            </a:pathLst>
-          </a:custGeom>
-          <a:solidFill>
-            <a:srgbClr val="E07A5F"/>
-          </a:solidFill>
-        </p:spPr>
-      </p:sp>
-      <p:sp>
-        <p:nvSpPr>
-          <p:cNvPr id="12" name="Text 10"/>
-          <p:cNvSpPr/>
-          <p:nvPr/>
-        </p:nvSpPr>
-        <p:spPr>
-          <a:xfrm>
-            <a:off x="1054100" y="3771900"/>
-            <a:ext cx="4267200" cy="254000"/>
-          </a:xfrm>
-          <a:prstGeom prst="rect">
-            <a:avLst/>
-          </a:prstGeom>
-          <a:noFill/>
-        </p:spPr>
-        <p:txBody>
-          <a:bodyPr wrap="square" lIns="0" tIns="0" rIns="0" bIns="0" rtlCol="0" anchor="ctr"/>
-          <a:lstStyle/>
-          <a:p>
-            <a:pPr>
-              <a:lnSpc>
-                <a:spcPct val="120000"/>
-              </a:lnSpc>
-            </a:pPr>
-            <a:r>
-              <a:rPr lang="en-US" sz="1400" dirty="0">
-                <a:solidFill>
-                  <a:srgbClr val="F0F2F5"/>
-                </a:solidFill>
-                <a:latin typeface="MiSans" pitchFamily="34" charset="-122"/>
-                <a:ea typeface="MiSans" pitchFamily="34" charset="-122"/>
-                <a:cs typeface="MiSans" pitchFamily="34" charset="-120"/>
-              </a:rPr>
-              <a:t>张氏帅府</a:t>
-            </a:r>
-            <a:endParaRPr lang="en-US" sz="1600" dirty="0"/>
-          </a:p>
-        </p:txBody>
-      </p:sp>
-      <p:sp>
-        <p:nvSpPr>
-          <p:cNvPr id="13" name="Shape 11"/>
-          <p:cNvSpPr/>
-          <p:nvPr/>
-        </p:nvSpPr>
-        <p:spPr>
-          <a:xfrm>
-            <a:off x="782638" y="4152900"/>
-            <a:ext cx="111125" cy="177800"/>
-          </a:xfrm>
-          <a:custGeom>
-            <a:avLst/>
-            <a:gdLst/>
-            <a:ahLst/>
-            <a:cxnLst/>
-            <a:rect l="l" t="t" r="r" b="b"/>
-            <a:pathLst>
-              <a:path w="111125" h="177800">
-                <a:moveTo>
-                  <a:pt x="66675" y="98762"/>
-                </a:moveTo>
-                <a:cubicBezTo>
-                  <a:pt x="88935" y="93727"/>
-                  <a:pt x="105569" y="73794"/>
-                  <a:pt x="105569" y="50006"/>
-                </a:cubicBezTo>
-                <a:cubicBezTo>
-                  <a:pt x="105569" y="22399"/>
-                  <a:pt x="83170" y="0"/>
-                  <a:pt x="55563" y="0"/>
-                </a:cubicBezTo>
-                <a:cubicBezTo>
-                  <a:pt x="27955" y="0"/>
-                  <a:pt x="5556" y="22399"/>
-                  <a:pt x="5556" y="50006"/>
-                </a:cubicBezTo>
-                <a:cubicBezTo>
-                  <a:pt x="5556" y="73794"/>
-                  <a:pt x="22190" y="93727"/>
-                  <a:pt x="44450" y="98762"/>
-                </a:cubicBezTo>
-                <a:lnTo>
-                  <a:pt x="44450" y="166688"/>
-                </a:lnTo>
-                <a:cubicBezTo>
-                  <a:pt x="44450" y="172834"/>
-                  <a:pt x="49416" y="177800"/>
-                  <a:pt x="55563" y="177800"/>
-                </a:cubicBezTo>
-                <a:cubicBezTo>
-                  <a:pt x="61709" y="177800"/>
-                  <a:pt x="66675" y="172834"/>
-                  <a:pt x="66675" y="166688"/>
-                </a:cubicBezTo>
-                <a:lnTo>
-                  <a:pt x="66675" y="98762"/>
-                </a:lnTo>
-                <a:close/>
-                <a:moveTo>
-                  <a:pt x="58341" y="33337"/>
-                </a:moveTo>
-                <a:cubicBezTo>
-                  <a:pt x="47610" y="33337"/>
-                  <a:pt x="38894" y="42054"/>
-                  <a:pt x="38894" y="52784"/>
-                </a:cubicBezTo>
-                <a:cubicBezTo>
-                  <a:pt x="38894" y="57403"/>
-                  <a:pt x="35178" y="61119"/>
-                  <a:pt x="30559" y="61119"/>
-                </a:cubicBezTo>
-                <a:cubicBezTo>
-                  <a:pt x="25941" y="61119"/>
-                  <a:pt x="22225" y="57403"/>
-                  <a:pt x="22225" y="52784"/>
-                </a:cubicBezTo>
-                <a:cubicBezTo>
-                  <a:pt x="22225" y="32851"/>
-                  <a:pt x="38408" y="16669"/>
-                  <a:pt x="58341" y="16669"/>
-                </a:cubicBezTo>
-                <a:cubicBezTo>
-                  <a:pt x="62959" y="16669"/>
-                  <a:pt x="66675" y="20384"/>
-                  <a:pt x="66675" y="25003"/>
-                </a:cubicBezTo>
-                <a:cubicBezTo>
-                  <a:pt x="66675" y="29622"/>
-                  <a:pt x="62959" y="33337"/>
-                  <a:pt x="58341" y="33337"/>
-                </a:cubicBezTo>
-                <a:close/>
-              </a:path>
-            </a:pathLst>
-          </a:custGeom>
-          <a:solidFill>
-            <a:srgbClr val="E07A5F"/>
-          </a:solidFill>
-        </p:spPr>
-      </p:sp>
-      <p:sp>
-        <p:nvSpPr>
-          <p:cNvPr id="14" name="Text 12"/>
-          <p:cNvSpPr/>
-          <p:nvPr/>
-        </p:nvSpPr>
-        <p:spPr>
-          <a:xfrm>
-            <a:off x="1054100" y="4127500"/>
-            <a:ext cx="4267200" cy="254000"/>
-          </a:xfrm>
-          <a:prstGeom prst="rect">
-            <a:avLst/>
-          </a:prstGeom>
-          <a:noFill/>
-        </p:spPr>
-        <p:txBody>
-          <a:bodyPr wrap="square" lIns="0" tIns="0" rIns="0" bIns="0" rtlCol="0" anchor="ctr"/>
-          <a:lstStyle/>
-          <a:p>
-            <a:pPr>
-              <a:lnSpc>
-                <a:spcPct val="120000"/>
-              </a:lnSpc>
-            </a:pPr>
-            <a:r>
-              <a:rPr lang="en-US" sz="1400" dirty="0">
-                <a:solidFill>
-                  <a:srgbClr val="F0F2F5"/>
-                </a:solidFill>
-                <a:latin typeface="MiSans" pitchFamily="34" charset="-122"/>
-                <a:ea typeface="MiSans" pitchFamily="34" charset="-122"/>
-                <a:cs typeface="MiSans" pitchFamily="34" charset="-120"/>
-              </a:rPr>
-              <a:t>北陵公园</a:t>
-            </a:r>
-            <a:endParaRPr lang="en-US" sz="1600" dirty="0"/>
-          </a:p>
-        </p:txBody>
-      </p:sp>
-      <p:sp>
-        <p:nvSpPr>
-          <p:cNvPr id="15" name="Shape 13"/>
-          <p:cNvSpPr/>
-          <p:nvPr/>
-        </p:nvSpPr>
-        <p:spPr>
-          <a:xfrm>
-            <a:off x="782638" y="4508500"/>
-            <a:ext cx="111125" cy="177800"/>
-          </a:xfrm>
-          <a:custGeom>
-            <a:avLst/>
-            <a:gdLst/>
-            <a:ahLst/>
-            <a:cxnLst/>
-            <a:rect l="l" t="t" r="r" b="b"/>
-            <a:pathLst>
-              <a:path w="111125" h="177800">
-                <a:moveTo>
-                  <a:pt x="66675" y="98762"/>
-                </a:moveTo>
-                <a:cubicBezTo>
-                  <a:pt x="88935" y="93727"/>
-                  <a:pt x="105569" y="73794"/>
-                  <a:pt x="105569" y="50006"/>
-                </a:cubicBezTo>
-                <a:cubicBezTo>
-                  <a:pt x="105569" y="22399"/>
-                  <a:pt x="83170" y="0"/>
-                  <a:pt x="55563" y="0"/>
-                </a:cubicBezTo>
-                <a:cubicBezTo>
-                  <a:pt x="27955" y="0"/>
-                  <a:pt x="5556" y="22399"/>
-                  <a:pt x="5556" y="50006"/>
-                </a:cubicBezTo>
-                <a:cubicBezTo>
-                  <a:pt x="5556" y="73794"/>
-                  <a:pt x="22190" y="93727"/>
-                  <a:pt x="44450" y="98762"/>
-                </a:cubicBezTo>
-                <a:lnTo>
-                  <a:pt x="44450" y="166688"/>
-                </a:lnTo>
-                <a:cubicBezTo>
-                  <a:pt x="44450" y="172834"/>
-                  <a:pt x="49416" y="177800"/>
-                  <a:pt x="55563" y="177800"/>
-                </a:cubicBezTo>
-                <a:cubicBezTo>
-                  <a:pt x="61709" y="177800"/>
-                  <a:pt x="66675" y="172834"/>
-                  <a:pt x="66675" y="166688"/>
-                </a:cubicBezTo>
-                <a:lnTo>
-                  <a:pt x="66675" y="98762"/>
-                </a:lnTo>
-                <a:close/>
-                <a:moveTo>
-                  <a:pt x="58341" y="33337"/>
-                </a:moveTo>
-                <a:cubicBezTo>
-                  <a:pt x="47610" y="33337"/>
-                  <a:pt x="38894" y="42054"/>
-                  <a:pt x="38894" y="52784"/>
-                </a:cubicBezTo>
-                <a:cubicBezTo>
-                  <a:pt x="38894" y="57403"/>
-                  <a:pt x="35178" y="61119"/>
-                  <a:pt x="30559" y="61119"/>
-                </a:cubicBezTo>
-                <a:cubicBezTo>
-                  <a:pt x="25941" y="61119"/>
-                  <a:pt x="22225" y="57403"/>
-                  <a:pt x="22225" y="52784"/>
-                </a:cubicBezTo>
-                <a:cubicBezTo>
-                  <a:pt x="22225" y="32851"/>
-                  <a:pt x="38408" y="16669"/>
-                  <a:pt x="58341" y="16669"/>
-                </a:cubicBezTo>
-                <a:cubicBezTo>
-                  <a:pt x="62959" y="16669"/>
-                  <a:pt x="66675" y="20384"/>
-                  <a:pt x="66675" y="25003"/>
-                </a:cubicBezTo>
-                <a:cubicBezTo>
-                  <a:pt x="66675" y="29622"/>
-                  <a:pt x="62959" y="33337"/>
-                  <a:pt x="58341" y="33337"/>
-                </a:cubicBezTo>
-                <a:close/>
-              </a:path>
-            </a:pathLst>
-          </a:custGeom>
-          <a:solidFill>
-            <a:srgbClr val="E07A5F"/>
-          </a:solidFill>
-        </p:spPr>
-      </p:sp>
-      <p:sp>
-        <p:nvSpPr>
-          <p:cNvPr id="16" name="Text 14"/>
-          <p:cNvSpPr/>
-          <p:nvPr/>
-        </p:nvSpPr>
-        <p:spPr>
-          <a:xfrm>
-            <a:off x="1054100" y="4483100"/>
-            <a:ext cx="4267200" cy="254000"/>
-          </a:xfrm>
-          <a:prstGeom prst="rect">
-            <a:avLst/>
-          </a:prstGeom>
-          <a:noFill/>
-        </p:spPr>
-        <p:txBody>
-          <a:bodyPr wrap="square" lIns="0" tIns="0" rIns="0" bIns="0" rtlCol="0" anchor="ctr"/>
-          <a:lstStyle/>
-          <a:p>
-            <a:pPr>
-              <a:lnSpc>
-                <a:spcPct val="120000"/>
-              </a:lnSpc>
-            </a:pPr>
-            <a:r>
-              <a:rPr lang="en-US" sz="1400" dirty="0">
-                <a:solidFill>
-                  <a:srgbClr val="F0F2F5"/>
-                </a:solidFill>
-                <a:latin typeface="MiSans" pitchFamily="34" charset="-122"/>
-                <a:ea typeface="MiSans" pitchFamily="34" charset="-122"/>
-                <a:cs typeface="MiSans" pitchFamily="34" charset="-120"/>
-              </a:rPr>
-              <a:t>东陵公园</a:t>
-            </a:r>
-            <a:endParaRPr lang="en-US" sz="1600" dirty="0"/>
-          </a:p>
-        </p:txBody>
-      </p:sp>
-      <p:sp>
-        <p:nvSpPr>
-          <p:cNvPr id="17" name="Shape 15"/>
-          <p:cNvSpPr/>
-          <p:nvPr/>
-        </p:nvSpPr>
-        <p:spPr>
-          <a:xfrm>
-            <a:off x="5662017" y="1885950"/>
-            <a:ext cx="4927600" cy="3873500"/>
-          </a:xfrm>
-          <a:custGeom>
-            <a:avLst/>
-            <a:gdLst/>
-            <a:ahLst/>
-            <a:cxnLst/>
-            <a:rect l="l" t="t" r="r" b="b"/>
-            <a:pathLst>
-              <a:path w="4927600" h="3873500">
-                <a:moveTo>
-                  <a:pt x="101602" y="0"/>
-                </a:moveTo>
-                <a:lnTo>
-                  <a:pt x="4825998" y="0"/>
-                </a:lnTo>
-                <a:cubicBezTo>
-                  <a:pt x="4882111" y="0"/>
-                  <a:pt x="4927600" y="45489"/>
-                  <a:pt x="4927600" y="101602"/>
-                </a:cubicBezTo>
-                <a:lnTo>
-                  <a:pt x="4927600" y="3771898"/>
-                </a:lnTo>
-                <a:cubicBezTo>
-                  <a:pt x="4927600" y="3828011"/>
-                  <a:pt x="4882111" y="3873500"/>
-                  <a:pt x="4825998" y="3873500"/>
-                </a:cubicBezTo>
-                <a:lnTo>
-                  <a:pt x="101602" y="3873500"/>
-                </a:lnTo>
-                <a:cubicBezTo>
-                  <a:pt x="45489" y="3873500"/>
-                  <a:pt x="0" y="3828011"/>
-                  <a:pt x="0" y="3771898"/>
-                </a:cubicBezTo>
-                <a:lnTo>
-                  <a:pt x="0" y="101602"/>
-                </a:lnTo>
-                <a:cubicBezTo>
-                  <a:pt x="0" y="45526"/>
-                  <a:pt x="45526" y="0"/>
-                  <a:pt x="101602" y="0"/>
-                </a:cubicBezTo>
-                <a:close/>
-              </a:path>
-            </a:pathLst>
-          </a:custGeom>
-          <a:solidFill>
-            <a:srgbClr val="5F7A8D">
-              <a:alpha val="10196"/>
-            </a:srgbClr>
-          </a:solidFill>
-          <a:ln w="12700">
-            <a:solidFill>
-              <a:srgbClr val="5F7A8D">
-                <a:alpha val="30196"/>
-              </a:srgbClr>
-            </a:solidFill>
-            <a:prstDash val="solid"/>
-          </a:ln>
-        </p:spPr>
-      </p:sp>
-      <p:sp>
-        <p:nvSpPr>
-          <p:cNvPr id="18" name="Shape 16"/>
-          <p:cNvSpPr/>
-          <p:nvPr/>
-        </p:nvSpPr>
-        <p:spPr>
-          <a:xfrm>
-            <a:off x="5909667" y="2120900"/>
-            <a:ext cx="304800" cy="304800"/>
-          </a:xfrm>
-          <a:custGeom>
-            <a:avLst/>
-            <a:gdLst/>
-            <a:ahLst/>
-            <a:cxnLst/>
-            <a:rect l="l" t="t" r="r" b="b"/>
-            <a:pathLst>
-              <a:path w="304800" h="304800">
-                <a:moveTo>
-                  <a:pt x="284500" y="44946"/>
-                </a:moveTo>
-                <a:cubicBezTo>
-                  <a:pt x="287179" y="37921"/>
-                  <a:pt x="285512" y="29944"/>
-                  <a:pt x="280214" y="24646"/>
-                </a:cubicBezTo>
-                <a:cubicBezTo>
-                  <a:pt x="274915" y="19348"/>
-                  <a:pt x="266938" y="17621"/>
-                  <a:pt x="259913" y="20360"/>
-                </a:cubicBezTo>
-                <a:lnTo>
-                  <a:pt x="12263" y="115610"/>
-                </a:lnTo>
-                <a:cubicBezTo>
-                  <a:pt x="4703" y="118467"/>
-                  <a:pt x="-179" y="125730"/>
-                  <a:pt x="0" y="133767"/>
-                </a:cubicBezTo>
-                <a:cubicBezTo>
-                  <a:pt x="179" y="141803"/>
-                  <a:pt x="5417" y="148888"/>
-                  <a:pt x="13037" y="151388"/>
-                </a:cubicBezTo>
-                <a:lnTo>
-                  <a:pt x="118289" y="186452"/>
-                </a:lnTo>
-                <a:lnTo>
-                  <a:pt x="153353" y="291703"/>
-                </a:lnTo>
-                <a:cubicBezTo>
-                  <a:pt x="155912" y="299323"/>
-                  <a:pt x="162937" y="304562"/>
-                  <a:pt x="170974" y="304740"/>
-                </a:cubicBezTo>
-                <a:cubicBezTo>
-                  <a:pt x="179010" y="304919"/>
-                  <a:pt x="186273" y="300038"/>
-                  <a:pt x="189190" y="292537"/>
-                </a:cubicBezTo>
-                <a:lnTo>
-                  <a:pt x="284440" y="44887"/>
-                </a:lnTo>
-                <a:close/>
-              </a:path>
-            </a:pathLst>
-          </a:custGeom>
-          <a:solidFill>
-            <a:srgbClr val="8D99AE"/>
-          </a:solidFill>
-        </p:spPr>
-      </p:sp>
-      <p:sp>
-        <p:nvSpPr>
-          <p:cNvPr id="19" name="Text 17"/>
-          <p:cNvSpPr/>
-          <p:nvPr/>
-        </p:nvSpPr>
-        <p:spPr>
-          <a:xfrm>
-            <a:off x="6354167" y="2095500"/>
-            <a:ext cx="1714500" cy="355600"/>
-          </a:xfrm>
-          <a:prstGeom prst="rect">
-            <a:avLst/>
-          </a:prstGeom>
-          <a:noFill/>
-        </p:spPr>
-        <p:txBody>
-          <a:bodyPr wrap="square" lIns="0" tIns="0" rIns="0" bIns="0" rtlCol="0" anchor="ctr"/>
-          <a:lstStyle/>
-          <a:p>
-            <a:pPr>
-              <a:lnSpc>
-                <a:spcPct val="130000"/>
-              </a:lnSpc>
-            </a:pPr>
-            <a:r>
-              <a:rPr lang="en-US" sz="1800" b="1" dirty="0">
-                <a:solidFill>
-                  <a:srgbClr val="F0F2F5"/>
-                </a:solidFill>
-                <a:latin typeface="阿里妈妈数黑体" pitchFamily="34" charset="-122"/>
-                <a:ea typeface="阿里妈妈数黑体" pitchFamily="34" charset="-122"/>
-                <a:cs typeface="阿里妈妈数黑体" pitchFamily="34" charset="-120"/>
-              </a:rPr>
-              <a:t>定位与打卡功能</a:t>
-            </a:r>
-            <a:endParaRPr lang="en-US" sz="1600" dirty="0"/>
-          </a:p>
-        </p:txBody>
-      </p:sp>
-      <p:sp>
-        <p:nvSpPr>
-          <p:cNvPr id="20" name="Text 18"/>
-          <p:cNvSpPr/>
-          <p:nvPr/>
-        </p:nvSpPr>
-        <p:spPr>
-          <a:xfrm>
-            <a:off x="5871567" y="2603500"/>
-            <a:ext cx="4610100" cy="660400"/>
-          </a:xfrm>
-          <a:prstGeom prst="rect">
-            <a:avLst/>
-          </a:prstGeom>
-          <a:noFill/>
-        </p:spPr>
-        <p:txBody>
-          <a:bodyPr wrap="square" lIns="0" tIns="0" rIns="0" bIns="0" rtlCol="0" anchor="ctr"/>
-          <a:lstStyle/>
-          <a:p>
-            <a:pPr>
-              <a:lnSpc>
-                <a:spcPct val="140000"/>
-              </a:lnSpc>
-            </a:pPr>
-            <a:r>
-              <a:rPr lang="en-US" sz="1600" dirty="0">
-                <a:solidFill>
-                  <a:srgbClr val="8D99AE"/>
-                </a:solidFill>
-                <a:latin typeface="MiSans" pitchFamily="34" charset="-122"/>
-                <a:ea typeface="MiSans" pitchFamily="34" charset="-122"/>
-                <a:cs typeface="MiSans" pitchFamily="34" charset="-120"/>
-              </a:rPr>
-              <a:t>通过浏览器定位API获取用户位置，实现精准打卡。</a:t>
-            </a:r>
-            <a:endParaRPr lang="en-US" sz="1600" dirty="0"/>
-          </a:p>
-        </p:txBody>
-      </p:sp>
-      <p:sp>
-        <p:nvSpPr>
-          <p:cNvPr id="21" name="Shape 19"/>
-          <p:cNvSpPr/>
-          <p:nvPr/>
-        </p:nvSpPr>
-        <p:spPr>
-          <a:xfrm>
-            <a:off x="5871567" y="3416300"/>
-            <a:ext cx="4508500" cy="457200"/>
-          </a:xfrm>
-          <a:custGeom>
-            <a:avLst/>
-            <a:gdLst/>
-            <a:ahLst/>
-            <a:cxnLst/>
-            <a:rect l="l" t="t" r="r" b="b"/>
-            <a:pathLst>
-              <a:path w="4508500" h="457200">
-                <a:moveTo>
-                  <a:pt x="50799" y="0"/>
-                </a:moveTo>
-                <a:lnTo>
-                  <a:pt x="4457701" y="0"/>
-                </a:lnTo>
-                <a:cubicBezTo>
-                  <a:pt x="4485756" y="0"/>
-                  <a:pt x="4508500" y="22744"/>
-                  <a:pt x="4508500" y="50799"/>
-                </a:cubicBezTo>
-                <a:lnTo>
-                  <a:pt x="4508500" y="406401"/>
-                </a:lnTo>
-                <a:cubicBezTo>
-                  <a:pt x="4508500" y="434456"/>
-                  <a:pt x="4485756" y="457200"/>
-                  <a:pt x="4457701" y="457200"/>
-                </a:cubicBezTo>
-                <a:lnTo>
-                  <a:pt x="50799" y="457200"/>
-                </a:lnTo>
-                <a:cubicBezTo>
-                  <a:pt x="22744" y="457200"/>
-                  <a:pt x="0" y="434456"/>
-                  <a:pt x="0" y="406401"/>
-                </a:cubicBezTo>
-                <a:lnTo>
-                  <a:pt x="0" y="50799"/>
-                </a:lnTo>
-                <a:cubicBezTo>
-                  <a:pt x="0" y="22762"/>
-                  <a:pt x="22762" y="0"/>
-                  <a:pt x="50799" y="0"/>
-                </a:cubicBezTo>
-                <a:close/>
-              </a:path>
-            </a:pathLst>
-          </a:custGeom>
-          <a:solidFill>
-            <a:srgbClr val="8D99AE">
-              <a:alpha val="10196"/>
-            </a:srgbClr>
-          </a:solidFill>
-        </p:spPr>
-      </p:sp>
-      <p:sp>
-        <p:nvSpPr>
-          <p:cNvPr id="22" name="Text 20"/>
-          <p:cNvSpPr/>
-          <p:nvPr/>
-        </p:nvSpPr>
-        <p:spPr>
-          <a:xfrm>
-            <a:off x="5973167" y="3517900"/>
-            <a:ext cx="4394200" cy="254000"/>
-          </a:xfrm>
-          <a:prstGeom prst="rect">
-            <a:avLst/>
-          </a:prstGeom>
-          <a:noFill/>
-        </p:spPr>
-        <p:txBody>
-          <a:bodyPr wrap="square" lIns="0" tIns="0" rIns="0" bIns="0" rtlCol="0" anchor="ctr"/>
-          <a:lstStyle/>
-          <a:p>
-            <a:pPr>
-              <a:lnSpc>
-                <a:spcPct val="120000"/>
-              </a:lnSpc>
-            </a:pPr>
-            <a:r>
-              <a:rPr lang="en-US" sz="1400" b="1" dirty="0">
-                <a:solidFill>
-                  <a:srgbClr val="F0F2F5"/>
-                </a:solidFill>
-                <a:latin typeface="MiSans" pitchFamily="34" charset="-122"/>
-                <a:ea typeface="MiSans" pitchFamily="34" charset="-122"/>
-                <a:cs typeface="MiSans" pitchFamily="34" charset="-120"/>
-              </a:rPr>
-              <a:t>1. 获取当前位置</a:t>
-            </a:r>
-            <a:endParaRPr lang="en-US" sz="1600" dirty="0"/>
-          </a:p>
-        </p:txBody>
-      </p:sp>
-      <p:sp>
-        <p:nvSpPr>
-          <p:cNvPr id="23" name="Shape 21"/>
-          <p:cNvSpPr/>
-          <p:nvPr/>
-        </p:nvSpPr>
-        <p:spPr>
-          <a:xfrm>
-            <a:off x="5871567" y="3975100"/>
-            <a:ext cx="4508500" cy="457200"/>
-          </a:xfrm>
-          <a:custGeom>
-            <a:avLst/>
-            <a:gdLst/>
-            <a:ahLst/>
-            <a:cxnLst/>
-            <a:rect l="l" t="t" r="r" b="b"/>
-            <a:pathLst>
-              <a:path w="4508500" h="457200">
-                <a:moveTo>
-                  <a:pt x="50799" y="0"/>
-                </a:moveTo>
-                <a:lnTo>
-                  <a:pt x="4457701" y="0"/>
-                </a:lnTo>
-                <a:cubicBezTo>
-                  <a:pt x="4485756" y="0"/>
-                  <a:pt x="4508500" y="22744"/>
-                  <a:pt x="4508500" y="50799"/>
-                </a:cubicBezTo>
-                <a:lnTo>
-                  <a:pt x="4508500" y="406401"/>
-                </a:lnTo>
-                <a:cubicBezTo>
-                  <a:pt x="4508500" y="434456"/>
-                  <a:pt x="4485756" y="457200"/>
-                  <a:pt x="4457701" y="457200"/>
-                </a:cubicBezTo>
-                <a:lnTo>
-                  <a:pt x="50799" y="457200"/>
-                </a:lnTo>
-                <a:cubicBezTo>
-                  <a:pt x="22744" y="457200"/>
-                  <a:pt x="0" y="434456"/>
-                  <a:pt x="0" y="406401"/>
-                </a:cubicBezTo>
-                <a:lnTo>
-                  <a:pt x="0" y="50799"/>
-                </a:lnTo>
-                <a:cubicBezTo>
-                  <a:pt x="0" y="22762"/>
-                  <a:pt x="22762" y="0"/>
-                  <a:pt x="50799" y="0"/>
-                </a:cubicBezTo>
-                <a:close/>
-              </a:path>
-            </a:pathLst>
-          </a:custGeom>
-          <a:solidFill>
-            <a:srgbClr val="8D99AE">
-              <a:alpha val="10196"/>
-            </a:srgbClr>
-          </a:solidFill>
-        </p:spPr>
-      </p:sp>
-      <p:sp>
-        <p:nvSpPr>
-          <p:cNvPr id="24" name="Text 22"/>
-          <p:cNvSpPr/>
-          <p:nvPr/>
-        </p:nvSpPr>
-        <p:spPr>
-          <a:xfrm>
-            <a:off x="5973167" y="4076700"/>
-            <a:ext cx="4394200" cy="254000"/>
-          </a:xfrm>
-          <a:prstGeom prst="rect">
-            <a:avLst/>
-          </a:prstGeom>
-          <a:noFill/>
-        </p:spPr>
-        <p:txBody>
-          <a:bodyPr wrap="square" lIns="0" tIns="0" rIns="0" bIns="0" rtlCol="0" anchor="ctr"/>
-          <a:lstStyle/>
-          <a:p>
-            <a:pPr>
-              <a:lnSpc>
-                <a:spcPct val="120000"/>
-              </a:lnSpc>
-            </a:pPr>
-            <a:r>
-              <a:rPr lang="en-US" sz="1400" b="1" dirty="0">
-                <a:solidFill>
-                  <a:srgbClr val="F0F2F5"/>
-                </a:solidFill>
-                <a:latin typeface="MiSans" pitchFamily="34" charset="-122"/>
-                <a:ea typeface="MiSans" pitchFamily="34" charset="-122"/>
-                <a:cs typeface="MiSans" pitchFamily="34" charset="-120"/>
-              </a:rPr>
-              <a:t>2. 计算距离(≤500m)</a:t>
-            </a:r>
-            <a:endParaRPr lang="en-US" sz="1600" dirty="0"/>
-          </a:p>
-        </p:txBody>
-      </p:sp>
-      <p:sp>
-        <p:nvSpPr>
-          <p:cNvPr id="25" name="Shape 23"/>
-          <p:cNvSpPr/>
-          <p:nvPr/>
-        </p:nvSpPr>
-        <p:spPr>
-          <a:xfrm>
-            <a:off x="5871567" y="4533900"/>
-            <a:ext cx="4508500" cy="457200"/>
-          </a:xfrm>
-          <a:custGeom>
-            <a:avLst/>
-            <a:gdLst/>
-            <a:ahLst/>
-            <a:cxnLst/>
-            <a:rect l="l" t="t" r="r" b="b"/>
-            <a:pathLst>
-              <a:path w="4508500" h="457200">
-                <a:moveTo>
-                  <a:pt x="50799" y="0"/>
-                </a:moveTo>
-                <a:lnTo>
-                  <a:pt x="4457701" y="0"/>
-                </a:lnTo>
-                <a:cubicBezTo>
-                  <a:pt x="4485756" y="0"/>
-                  <a:pt x="4508500" y="22744"/>
-                  <a:pt x="4508500" y="50799"/>
-                </a:cubicBezTo>
-                <a:lnTo>
-                  <a:pt x="4508500" y="406401"/>
-                </a:lnTo>
-                <a:cubicBezTo>
-                  <a:pt x="4508500" y="434456"/>
-                  <a:pt x="4485756" y="457200"/>
-                  <a:pt x="4457701" y="457200"/>
-                </a:cubicBezTo>
-                <a:lnTo>
-                  <a:pt x="50799" y="457200"/>
-                </a:lnTo>
-                <a:cubicBezTo>
-                  <a:pt x="22744" y="457200"/>
-                  <a:pt x="0" y="434456"/>
-                  <a:pt x="0" y="406401"/>
-                </a:cubicBezTo>
-                <a:lnTo>
-                  <a:pt x="0" y="50799"/>
-                </a:lnTo>
-                <a:cubicBezTo>
-                  <a:pt x="0" y="22762"/>
-                  <a:pt x="22762" y="0"/>
-                  <a:pt x="50799" y="0"/>
-                </a:cubicBezTo>
-                <a:close/>
-              </a:path>
-            </a:pathLst>
-          </a:custGeom>
-          <a:solidFill>
-            <a:srgbClr val="8D99AE">
-              <a:alpha val="10196"/>
-            </a:srgbClr>
-          </a:solidFill>
-        </p:spPr>
-      </p:sp>
-      <p:sp>
-        <p:nvSpPr>
-          <p:cNvPr id="26" name="Text 24"/>
-          <p:cNvSpPr/>
-          <p:nvPr/>
-        </p:nvSpPr>
-        <p:spPr>
-          <a:xfrm>
-            <a:off x="5973167" y="4635500"/>
-            <a:ext cx="4394200" cy="254000"/>
-          </a:xfrm>
-          <a:prstGeom prst="rect">
-            <a:avLst/>
-          </a:prstGeom>
-          <a:noFill/>
-        </p:spPr>
-        <p:txBody>
-          <a:bodyPr wrap="square" lIns="0" tIns="0" rIns="0" bIns="0" rtlCol="0" anchor="ctr"/>
-          <a:lstStyle/>
-          <a:p>
-            <a:pPr>
-              <a:lnSpc>
-                <a:spcPct val="120000"/>
-              </a:lnSpc>
-            </a:pPr>
-            <a:r>
-              <a:rPr lang="en-US" sz="1400" b="1" dirty="0">
-                <a:solidFill>
-                  <a:srgbClr val="F0F2F5"/>
-                </a:solidFill>
-                <a:latin typeface="MiSans" pitchFamily="34" charset="-122"/>
-                <a:ea typeface="MiSans" pitchFamily="34" charset="-122"/>
-                <a:cs typeface="MiSans" pitchFamily="34" charset="-120"/>
-              </a:rPr>
-              <a:t>3. 记录打卡信息</a:t>
-            </a:r>
-            <a:endParaRPr lang="en-US" sz="1600" dirty="0"/>
-          </a:p>
-        </p:txBody>
-      </p:sp>
-      <p:sp>
-        <p:nvSpPr>
-          <p:cNvPr id="27" name="Shape 25"/>
-          <p:cNvSpPr/>
-          <p:nvPr/>
-        </p:nvSpPr>
-        <p:spPr>
-          <a:xfrm>
-            <a:off x="5871567" y="5092700"/>
-            <a:ext cx="4508500" cy="457200"/>
-          </a:xfrm>
-          <a:custGeom>
-            <a:avLst/>
-            <a:gdLst/>
-            <a:ahLst/>
-            <a:cxnLst/>
-            <a:rect l="l" t="t" r="r" b="b"/>
-            <a:pathLst>
-              <a:path w="4508500" h="457200">
-                <a:moveTo>
-                  <a:pt x="50799" y="0"/>
-                </a:moveTo>
-                <a:lnTo>
-                  <a:pt x="4457701" y="0"/>
-                </a:lnTo>
-                <a:cubicBezTo>
-                  <a:pt x="4485756" y="0"/>
-                  <a:pt x="4508500" y="22744"/>
-                  <a:pt x="4508500" y="50799"/>
-                </a:cubicBezTo>
-                <a:lnTo>
-                  <a:pt x="4508500" y="406401"/>
-                </a:lnTo>
-                <a:cubicBezTo>
-                  <a:pt x="4508500" y="434456"/>
-                  <a:pt x="4485756" y="457200"/>
-                  <a:pt x="4457701" y="457200"/>
-                </a:cubicBezTo>
-                <a:lnTo>
-                  <a:pt x="50799" y="457200"/>
-                </a:lnTo>
-                <a:cubicBezTo>
-                  <a:pt x="22744" y="457200"/>
-                  <a:pt x="0" y="434456"/>
-                  <a:pt x="0" y="406401"/>
-                </a:cubicBezTo>
-                <a:lnTo>
-                  <a:pt x="0" y="50799"/>
-                </a:lnTo>
-                <a:cubicBezTo>
-                  <a:pt x="0" y="22762"/>
-                  <a:pt x="22762" y="0"/>
-                  <a:pt x="50799" y="0"/>
-                </a:cubicBezTo>
-                <a:close/>
-              </a:path>
-            </a:pathLst>
-          </a:custGeom>
-          <a:solidFill>
-            <a:srgbClr val="8D99AE">
-              <a:alpha val="10196"/>
-            </a:srgbClr>
-          </a:solidFill>
-        </p:spPr>
-      </p:sp>
-      <p:sp>
-        <p:nvSpPr>
-          <p:cNvPr id="28" name="Text 26"/>
-          <p:cNvSpPr/>
-          <p:nvPr/>
-        </p:nvSpPr>
-        <p:spPr>
-          <a:xfrm>
-            <a:off x="5973167" y="5194300"/>
-            <a:ext cx="4394200" cy="254000"/>
-          </a:xfrm>
-          <a:prstGeom prst="rect">
-            <a:avLst/>
-          </a:prstGeom>
-          <a:noFill/>
-        </p:spPr>
-        <p:txBody>
-          <a:bodyPr wrap="square" lIns="0" tIns="0" rIns="0" bIns="0" rtlCol="0" anchor="ctr"/>
-          <a:lstStyle/>
-          <a:p>
-            <a:pPr>
-              <a:lnSpc>
-                <a:spcPct val="120000"/>
-              </a:lnSpc>
-            </a:pPr>
-            <a:r>
-              <a:rPr lang="en-US" sz="1400" b="1" dirty="0">
-                <a:solidFill>
-                  <a:srgbClr val="F0F2F5"/>
-                </a:solidFill>
-                <a:latin typeface="MiSans" pitchFamily="34" charset="-122"/>
-                <a:ea typeface="MiSans" pitchFamily="34" charset="-122"/>
-                <a:cs typeface="MiSans" pitchFamily="34" charset="-120"/>
-              </a:rPr>
-              <a:t>4. 奖励积分</a:t>
-            </a:r>
-            <a:endParaRPr lang="en-US" sz="1600" dirty="0"/>
-          </a:p>
-        </p:txBody>
-      </p:sp>
-      <p:sp>
-        <p:nvSpPr>
-          <p:cNvPr id="29" name="Shape 27"/>
-          <p:cNvSpPr/>
-          <p:nvPr/>
-        </p:nvSpPr>
-        <p:spPr>
-          <a:xfrm>
-            <a:off x="10809684" y="1885950"/>
-            <a:ext cx="4927600" cy="3873500"/>
-          </a:xfrm>
-          <a:custGeom>
-            <a:avLst/>
-            <a:gdLst/>
-            <a:ahLst/>
-            <a:cxnLst/>
-            <a:rect l="l" t="t" r="r" b="b"/>
-            <a:pathLst>
-              <a:path w="4927600" h="3873500">
-                <a:moveTo>
-                  <a:pt x="101602" y="0"/>
-                </a:moveTo>
-                <a:lnTo>
-                  <a:pt x="4825998" y="0"/>
-                </a:lnTo>
-                <a:cubicBezTo>
-                  <a:pt x="4882111" y="0"/>
-                  <a:pt x="4927600" y="45489"/>
-                  <a:pt x="4927600" y="101602"/>
-                </a:cubicBezTo>
-                <a:lnTo>
-                  <a:pt x="4927600" y="3771898"/>
-                </a:lnTo>
-                <a:cubicBezTo>
-                  <a:pt x="4927600" y="3828011"/>
-                  <a:pt x="4882111" y="3873500"/>
-                  <a:pt x="4825998" y="3873500"/>
-                </a:cubicBezTo>
-                <a:lnTo>
-                  <a:pt x="101602" y="3873500"/>
-                </a:lnTo>
-                <a:cubicBezTo>
-                  <a:pt x="45489" y="3873500"/>
-                  <a:pt x="0" y="3828011"/>
-                  <a:pt x="0" y="3771898"/>
-                </a:cubicBezTo>
-                <a:lnTo>
-                  <a:pt x="0" y="101602"/>
-                </a:lnTo>
-                <a:cubicBezTo>
-                  <a:pt x="0" y="45526"/>
-                  <a:pt x="45526" y="0"/>
-                  <a:pt x="101602" y="0"/>
-                </a:cubicBezTo>
-                <a:close/>
-              </a:path>
-            </a:pathLst>
-          </a:custGeom>
-          <a:solidFill>
-            <a:srgbClr val="5F7A8D">
-              <a:alpha val="10196"/>
-            </a:srgbClr>
-          </a:solidFill>
-          <a:ln w="12700">
-            <a:solidFill>
-              <a:srgbClr val="5F7A8D">
-                <a:alpha val="30196"/>
-              </a:srgbClr>
-            </a:solidFill>
-            <a:prstDash val="solid"/>
-          </a:ln>
-        </p:spPr>
-      </p:sp>
-      <p:sp>
-        <p:nvSpPr>
-          <p:cNvPr id="30" name="Shape 28"/>
-          <p:cNvSpPr/>
-          <p:nvPr/>
-        </p:nvSpPr>
-        <p:spPr>
-          <a:xfrm>
-            <a:off x="11038284" y="2120900"/>
-            <a:ext cx="342900" cy="304800"/>
-          </a:xfrm>
-          <a:custGeom>
-            <a:avLst/>
-            <a:gdLst/>
-            <a:ahLst/>
-            <a:cxnLst/>
-            <a:rect l="l" t="t" r="r" b="b"/>
-            <a:pathLst>
-              <a:path w="342900" h="304800">
-                <a:moveTo>
-                  <a:pt x="184249" y="-11251"/>
-                </a:moveTo>
-                <a:cubicBezTo>
-                  <a:pt x="181808" y="-16014"/>
-                  <a:pt x="176867" y="-19050"/>
-                  <a:pt x="171510" y="-19050"/>
-                </a:cubicBezTo>
-                <a:cubicBezTo>
-                  <a:pt x="166152" y="-19050"/>
-                  <a:pt x="161211" y="-16014"/>
-                  <a:pt x="158770" y="-11251"/>
-                </a:cubicBezTo>
-                <a:lnTo>
-                  <a:pt x="114955" y="74593"/>
-                </a:lnTo>
-                <a:lnTo>
-                  <a:pt x="19764" y="89714"/>
-                </a:lnTo>
-                <a:cubicBezTo>
-                  <a:pt x="14466" y="90547"/>
-                  <a:pt x="10061" y="94298"/>
-                  <a:pt x="8394" y="99417"/>
-                </a:cubicBezTo>
-                <a:cubicBezTo>
-                  <a:pt x="6727" y="104537"/>
-                  <a:pt x="8096" y="110133"/>
-                  <a:pt x="11847" y="113943"/>
-                </a:cubicBezTo>
-                <a:lnTo>
-                  <a:pt x="79950" y="182106"/>
-                </a:lnTo>
-                <a:lnTo>
-                  <a:pt x="64949" y="277297"/>
-                </a:lnTo>
-                <a:cubicBezTo>
-                  <a:pt x="64115" y="282595"/>
-                  <a:pt x="66318" y="287953"/>
-                  <a:pt x="70664" y="291108"/>
-                </a:cubicBezTo>
-                <a:cubicBezTo>
-                  <a:pt x="75009" y="294263"/>
-                  <a:pt x="80724" y="294739"/>
-                  <a:pt x="85546" y="292298"/>
-                </a:cubicBezTo>
-                <a:lnTo>
-                  <a:pt x="171510" y="248603"/>
-                </a:lnTo>
-                <a:lnTo>
-                  <a:pt x="257413" y="292298"/>
-                </a:lnTo>
-                <a:cubicBezTo>
-                  <a:pt x="262176" y="294739"/>
-                  <a:pt x="267950" y="294263"/>
-                  <a:pt x="272296" y="291108"/>
-                </a:cubicBezTo>
-                <a:cubicBezTo>
-                  <a:pt x="276642" y="287953"/>
-                  <a:pt x="278844" y="282654"/>
-                  <a:pt x="278011" y="277297"/>
-                </a:cubicBezTo>
-                <a:lnTo>
-                  <a:pt x="262950" y="182106"/>
-                </a:lnTo>
-                <a:lnTo>
-                  <a:pt x="331053" y="113943"/>
-                </a:lnTo>
-                <a:cubicBezTo>
-                  <a:pt x="334863" y="110133"/>
-                  <a:pt x="336173" y="104537"/>
-                  <a:pt x="334506" y="99417"/>
-                </a:cubicBezTo>
-                <a:cubicBezTo>
-                  <a:pt x="332839" y="94298"/>
-                  <a:pt x="328493" y="90547"/>
-                  <a:pt x="323136" y="89714"/>
-                </a:cubicBezTo>
-                <a:lnTo>
-                  <a:pt x="228005" y="74593"/>
-                </a:lnTo>
-                <a:lnTo>
-                  <a:pt x="184249" y="-11251"/>
-                </a:lnTo>
-                <a:close/>
-              </a:path>
-            </a:pathLst>
-          </a:custGeom>
-          <a:solidFill>
-            <a:srgbClr val="E07A5F"/>
-          </a:solidFill>
-        </p:spPr>
-      </p:sp>
-      <p:sp>
-        <p:nvSpPr>
-          <p:cNvPr id="31" name="Text 29"/>
-          <p:cNvSpPr/>
-          <p:nvPr/>
-        </p:nvSpPr>
-        <p:spPr>
-          <a:xfrm>
-            <a:off x="11501834" y="2095500"/>
-            <a:ext cx="1485900" cy="355600"/>
-          </a:xfrm>
-          <a:prstGeom prst="rect">
-            <a:avLst/>
-          </a:prstGeom>
-          <a:noFill/>
-        </p:spPr>
-        <p:txBody>
-          <a:bodyPr wrap="square" lIns="0" tIns="0" rIns="0" bIns="0" rtlCol="0" anchor="ctr"/>
-          <a:lstStyle/>
-          <a:p>
-            <a:pPr>
-              <a:lnSpc>
-                <a:spcPct val="130000"/>
-              </a:lnSpc>
-            </a:pPr>
-            <a:r>
-              <a:rPr lang="en-US" sz="1800" b="1" dirty="0">
-                <a:solidFill>
-                  <a:srgbClr val="F0F2F5"/>
-                </a:solidFill>
-                <a:latin typeface="阿里妈妈数黑体" pitchFamily="34" charset="-122"/>
-                <a:ea typeface="阿里妈妈数黑体" pitchFamily="34" charset="-122"/>
-                <a:cs typeface="阿里妈妈数黑体" pitchFamily="34" charset="-120"/>
-              </a:rPr>
-              <a:t>积分体系设计</a:t>
-            </a:r>
-            <a:endParaRPr lang="en-US" sz="1600" dirty="0"/>
-          </a:p>
-        </p:txBody>
-      </p:sp>
-      <p:sp>
-        <p:nvSpPr>
-          <p:cNvPr id="32" name="Text 30"/>
-          <p:cNvSpPr/>
-          <p:nvPr/>
-        </p:nvSpPr>
-        <p:spPr>
-          <a:xfrm>
-            <a:off x="11019234" y="2603500"/>
-            <a:ext cx="4610100" cy="330200"/>
-          </a:xfrm>
-          <a:prstGeom prst="rect">
-            <a:avLst/>
-          </a:prstGeom>
-          <a:noFill/>
-        </p:spPr>
-        <p:txBody>
-          <a:bodyPr wrap="square" lIns="0" tIns="0" rIns="0" bIns="0" rtlCol="0" anchor="ctr"/>
-          <a:lstStyle/>
-          <a:p>
-            <a:pPr>
-              <a:lnSpc>
-                <a:spcPct val="140000"/>
-              </a:lnSpc>
-            </a:pPr>
-            <a:r>
-              <a:rPr lang="en-US" sz="1600" dirty="0">
-                <a:solidFill>
-                  <a:srgbClr val="8D99AE"/>
-                </a:solidFill>
-                <a:latin typeface="MiSans" pitchFamily="34" charset="-122"/>
-                <a:ea typeface="MiSans" pitchFamily="34" charset="-122"/>
-                <a:cs typeface="MiSans" pitchFamily="34" charset="-120"/>
-              </a:rPr>
-              <a:t>通过游戏化积分体系提升用户参与度和文化体验。</a:t>
-            </a:r>
-            <a:endParaRPr lang="en-US" sz="1600" dirty="0"/>
-          </a:p>
-        </p:txBody>
-      </p:sp>
-      <p:sp>
-        <p:nvSpPr>
-          <p:cNvPr id="33" name="Shape 31"/>
-          <p:cNvSpPr/>
-          <p:nvPr/>
-        </p:nvSpPr>
-        <p:spPr>
-          <a:xfrm>
-            <a:off x="11019234" y="3086100"/>
-            <a:ext cx="4508500" cy="457200"/>
-          </a:xfrm>
-          <a:custGeom>
-            <a:avLst/>
-            <a:gdLst/>
-            <a:ahLst/>
-            <a:cxnLst/>
-            <a:rect l="l" t="t" r="r" b="b"/>
-            <a:pathLst>
-              <a:path w="4508500" h="457200">
-                <a:moveTo>
-                  <a:pt x="50799" y="0"/>
-                </a:moveTo>
-                <a:lnTo>
-                  <a:pt x="4457701" y="0"/>
-                </a:lnTo>
-                <a:cubicBezTo>
-                  <a:pt x="4485756" y="0"/>
-                  <a:pt x="4508500" y="22744"/>
-                  <a:pt x="4508500" y="50799"/>
-                </a:cubicBezTo>
-                <a:lnTo>
-                  <a:pt x="4508500" y="406401"/>
-                </a:lnTo>
-                <a:cubicBezTo>
-                  <a:pt x="4508500" y="434456"/>
-                  <a:pt x="4485756" y="457200"/>
-                  <a:pt x="4457701" y="457200"/>
-                </a:cubicBezTo>
-                <a:lnTo>
-                  <a:pt x="50799" y="457200"/>
-                </a:lnTo>
-                <a:cubicBezTo>
-                  <a:pt x="22744" y="457200"/>
-                  <a:pt x="0" y="434456"/>
-                  <a:pt x="0" y="406401"/>
-                </a:cubicBezTo>
-                <a:lnTo>
-                  <a:pt x="0" y="50799"/>
-                </a:lnTo>
-                <a:cubicBezTo>
-                  <a:pt x="0" y="22762"/>
-                  <a:pt x="22762" y="0"/>
-                  <a:pt x="50799" y="0"/>
-                </a:cubicBezTo>
-                <a:close/>
-              </a:path>
-            </a:pathLst>
-          </a:custGeom>
-          <a:solidFill>
-            <a:srgbClr val="E07A5F">
-              <a:alpha val="10196"/>
-            </a:srgbClr>
-          </a:solidFill>
-        </p:spPr>
-      </p:sp>
-      <p:sp>
-        <p:nvSpPr>
-          <p:cNvPr id="34" name="Text 32"/>
-          <p:cNvSpPr/>
-          <p:nvPr/>
-        </p:nvSpPr>
-        <p:spPr>
-          <a:xfrm>
-            <a:off x="11120834" y="3187700"/>
-            <a:ext cx="4394200" cy="254000"/>
-          </a:xfrm>
-          <a:prstGeom prst="rect">
-            <a:avLst/>
-          </a:prstGeom>
-          <a:noFill/>
-        </p:spPr>
-        <p:txBody>
-          <a:bodyPr wrap="square" lIns="0" tIns="0" rIns="0" bIns="0" rtlCol="0" anchor="ctr"/>
-          <a:lstStyle/>
-          <a:p>
-            <a:pPr>
-              <a:lnSpc>
-                <a:spcPct val="120000"/>
-              </a:lnSpc>
-            </a:pPr>
-            <a:r>
-              <a:rPr lang="en-US" sz="1400" dirty="0">
-                <a:solidFill>
-                  <a:srgbClr val="F0F2F5"/>
-                </a:solidFill>
-                <a:latin typeface="MiSans" pitchFamily="34" charset="-122"/>
-                <a:ea typeface="MiSans" pitchFamily="34" charset="-122"/>
-                <a:cs typeface="MiSans" pitchFamily="34" charset="-120"/>
-              </a:rPr>
-              <a:t>打卡: +10积分</a:t>
-            </a:r>
-            <a:endParaRPr lang="en-US" sz="1600" dirty="0"/>
-          </a:p>
-        </p:txBody>
-      </p:sp>
-      <p:sp>
-        <p:nvSpPr>
-          <p:cNvPr id="35" name="Shape 33"/>
-          <p:cNvSpPr/>
-          <p:nvPr/>
-        </p:nvSpPr>
-        <p:spPr>
-          <a:xfrm>
-            <a:off x="11019234" y="3644900"/>
-            <a:ext cx="4508500" cy="457200"/>
-          </a:xfrm>
-          <a:custGeom>
-            <a:avLst/>
-            <a:gdLst/>
-            <a:ahLst/>
-            <a:cxnLst/>
-            <a:rect l="l" t="t" r="r" b="b"/>
-            <a:pathLst>
-              <a:path w="4508500" h="457200">
-                <a:moveTo>
-                  <a:pt x="50799" y="0"/>
-                </a:moveTo>
-                <a:lnTo>
-                  <a:pt x="4457701" y="0"/>
-                </a:lnTo>
-                <a:cubicBezTo>
-                  <a:pt x="4485756" y="0"/>
-                  <a:pt x="4508500" y="22744"/>
-                  <a:pt x="4508500" y="50799"/>
-                </a:cubicBezTo>
-                <a:lnTo>
-                  <a:pt x="4508500" y="406401"/>
-                </a:lnTo>
-                <a:cubicBezTo>
-                  <a:pt x="4508500" y="434456"/>
-                  <a:pt x="4485756" y="457200"/>
-                  <a:pt x="4457701" y="457200"/>
-                </a:cubicBezTo>
-                <a:lnTo>
-                  <a:pt x="50799" y="457200"/>
-                </a:lnTo>
-                <a:cubicBezTo>
-                  <a:pt x="22744" y="457200"/>
-                  <a:pt x="0" y="434456"/>
-                  <a:pt x="0" y="406401"/>
-                </a:cubicBezTo>
-                <a:lnTo>
-                  <a:pt x="0" y="50799"/>
-                </a:lnTo>
-                <a:cubicBezTo>
-                  <a:pt x="0" y="22762"/>
-                  <a:pt x="22762" y="0"/>
-                  <a:pt x="50799" y="0"/>
-                </a:cubicBezTo>
-                <a:close/>
-              </a:path>
-            </a:pathLst>
-          </a:custGeom>
-          <a:solidFill>
-            <a:srgbClr val="E07A5F">
-              <a:alpha val="10196"/>
-            </a:srgbClr>
-          </a:solidFill>
-        </p:spPr>
-      </p:sp>
-      <p:sp>
-        <p:nvSpPr>
-          <p:cNvPr id="36" name="Text 34"/>
-          <p:cNvSpPr/>
-          <p:nvPr/>
-        </p:nvSpPr>
-        <p:spPr>
-          <a:xfrm>
-            <a:off x="11120834" y="3746500"/>
-            <a:ext cx="4394200" cy="254000"/>
-          </a:xfrm>
-          <a:prstGeom prst="rect">
-            <a:avLst/>
-          </a:prstGeom>
-          <a:noFill/>
-        </p:spPr>
-        <p:txBody>
-          <a:bodyPr wrap="square" lIns="0" tIns="0" rIns="0" bIns="0" rtlCol="0" anchor="ctr"/>
-          <a:lstStyle/>
-          <a:p>
-            <a:pPr>
-              <a:lnSpc>
-                <a:spcPct val="120000"/>
-              </a:lnSpc>
-            </a:pPr>
-            <a:r>
-              <a:rPr lang="en-US" sz="1400" dirty="0">
-                <a:solidFill>
-                  <a:srgbClr val="F0F2F5"/>
-                </a:solidFill>
-                <a:latin typeface="MiSans" pitchFamily="34" charset="-122"/>
-                <a:ea typeface="MiSans" pitchFamily="34" charset="-122"/>
-                <a:cs typeface="MiSans" pitchFamily="34" charset="-120"/>
-              </a:rPr>
-              <a:t>评论: +5积分</a:t>
-            </a:r>
-            <a:endParaRPr lang="en-US" sz="1600" dirty="0"/>
-          </a:p>
-        </p:txBody>
-      </p:sp>
-      <p:sp>
-        <p:nvSpPr>
-          <p:cNvPr id="37" name="Shape 35"/>
-          <p:cNvSpPr/>
-          <p:nvPr/>
-        </p:nvSpPr>
-        <p:spPr>
-          <a:xfrm>
-            <a:off x="11019234" y="4203700"/>
-            <a:ext cx="4508500" cy="457200"/>
-          </a:xfrm>
-          <a:custGeom>
-            <a:avLst/>
-            <a:gdLst/>
-            <a:ahLst/>
-            <a:cxnLst/>
-            <a:rect l="l" t="t" r="r" b="b"/>
-            <a:pathLst>
-              <a:path w="4508500" h="457200">
-                <a:moveTo>
-                  <a:pt x="50799" y="0"/>
-                </a:moveTo>
-                <a:lnTo>
-                  <a:pt x="4457701" y="0"/>
-                </a:lnTo>
-                <a:cubicBezTo>
-                  <a:pt x="4485756" y="0"/>
-                  <a:pt x="4508500" y="22744"/>
-                  <a:pt x="4508500" y="50799"/>
-                </a:cubicBezTo>
-                <a:lnTo>
-                  <a:pt x="4508500" y="406401"/>
-                </a:lnTo>
-                <a:cubicBezTo>
-                  <a:pt x="4508500" y="434456"/>
-                  <a:pt x="4485756" y="457200"/>
-                  <a:pt x="4457701" y="457200"/>
-                </a:cubicBezTo>
-                <a:lnTo>
-                  <a:pt x="50799" y="457200"/>
-                </a:lnTo>
-                <a:cubicBezTo>
-                  <a:pt x="22744" y="457200"/>
-                  <a:pt x="0" y="434456"/>
-                  <a:pt x="0" y="406401"/>
-                </a:cubicBezTo>
-                <a:lnTo>
-                  <a:pt x="0" y="50799"/>
-                </a:lnTo>
-                <a:cubicBezTo>
-                  <a:pt x="0" y="22762"/>
-                  <a:pt x="22762" y="0"/>
-                  <a:pt x="50799" y="0"/>
-                </a:cubicBezTo>
-                <a:close/>
-              </a:path>
-            </a:pathLst>
-          </a:custGeom>
-          <a:solidFill>
-            <a:srgbClr val="E07A5F">
-              <a:alpha val="10196"/>
-            </a:srgbClr>
-          </a:solidFill>
-        </p:spPr>
-      </p:sp>
-      <p:sp>
-        <p:nvSpPr>
-          <p:cNvPr id="38" name="Text 36"/>
-          <p:cNvSpPr/>
-          <p:nvPr/>
-        </p:nvSpPr>
-        <p:spPr>
-          <a:xfrm>
-            <a:off x="11120834" y="4305300"/>
-            <a:ext cx="4394200" cy="254000"/>
-          </a:xfrm>
-          <a:prstGeom prst="rect">
-            <a:avLst/>
-          </a:prstGeom>
-          <a:noFill/>
-        </p:spPr>
-        <p:txBody>
-          <a:bodyPr wrap="square" lIns="0" tIns="0" rIns="0" bIns="0" rtlCol="0" anchor="ctr"/>
-          <a:lstStyle/>
-          <a:p>
-            <a:pPr>
-              <a:lnSpc>
-                <a:spcPct val="120000"/>
-              </a:lnSpc>
-            </a:pPr>
-            <a:r>
-              <a:rPr lang="en-US" sz="1400" dirty="0">
-                <a:solidFill>
-                  <a:srgbClr val="F0F2F5"/>
-                </a:solidFill>
-                <a:latin typeface="MiSans" pitchFamily="34" charset="-122"/>
-                <a:ea typeface="MiSans" pitchFamily="34" charset="-122"/>
-                <a:cs typeface="MiSans" pitchFamily="34" charset="-120"/>
-              </a:rPr>
-              <a:t>点赞: +1积分</a:t>
-            </a:r>
-            <a:endParaRPr lang="en-US" sz="1600" dirty="0"/>
-          </a:p>
-        </p:txBody>
-      </p:sp>
-      <p:sp>
-        <p:nvSpPr>
-          <p:cNvPr id="39" name="Shape 37"/>
-          <p:cNvSpPr/>
-          <p:nvPr/>
-        </p:nvSpPr>
-        <p:spPr>
-          <a:xfrm>
-            <a:off x="11019234" y="4762500"/>
-            <a:ext cx="4508500" cy="457200"/>
-          </a:xfrm>
-          <a:custGeom>
-            <a:avLst/>
-            <a:gdLst/>
-            <a:ahLst/>
-            <a:cxnLst/>
-            <a:rect l="l" t="t" r="r" b="b"/>
-            <a:pathLst>
-              <a:path w="4508500" h="457200">
-                <a:moveTo>
-                  <a:pt x="50799" y="0"/>
-                </a:moveTo>
-                <a:lnTo>
-                  <a:pt x="4457701" y="0"/>
-                </a:lnTo>
-                <a:cubicBezTo>
-                  <a:pt x="4485756" y="0"/>
-                  <a:pt x="4508500" y="22744"/>
-                  <a:pt x="4508500" y="50799"/>
-                </a:cubicBezTo>
-                <a:lnTo>
-                  <a:pt x="4508500" y="406401"/>
-                </a:lnTo>
-                <a:cubicBezTo>
-                  <a:pt x="4508500" y="434456"/>
-                  <a:pt x="4485756" y="457200"/>
-                  <a:pt x="4457701" y="457200"/>
-                </a:cubicBezTo>
-                <a:lnTo>
-                  <a:pt x="50799" y="457200"/>
-                </a:lnTo>
-                <a:cubicBezTo>
-                  <a:pt x="22744" y="457200"/>
-                  <a:pt x="0" y="434456"/>
-                  <a:pt x="0" y="406401"/>
-                </a:cubicBezTo>
-                <a:lnTo>
-                  <a:pt x="0" y="50799"/>
-                </a:lnTo>
-                <a:cubicBezTo>
-                  <a:pt x="0" y="22762"/>
-                  <a:pt x="22762" y="0"/>
-                  <a:pt x="50799" y="0"/>
-                </a:cubicBezTo>
-                <a:close/>
-              </a:path>
-            </a:pathLst>
-          </a:custGeom>
-          <a:solidFill>
-            <a:srgbClr val="E07A5F">
-              <a:alpha val="10196"/>
-            </a:srgbClr>
-          </a:solidFill>
-        </p:spPr>
-      </p:sp>
-      <p:sp>
-        <p:nvSpPr>
-          <p:cNvPr id="40" name="Text 38"/>
-          <p:cNvSpPr/>
-          <p:nvPr/>
-        </p:nvSpPr>
-        <p:spPr>
-          <a:xfrm>
-            <a:off x="11120834" y="4864100"/>
-            <a:ext cx="4394200" cy="254000"/>
-          </a:xfrm>
-          <a:prstGeom prst="rect">
-            <a:avLst/>
-          </a:prstGeom>
-          <a:noFill/>
-        </p:spPr>
-        <p:txBody>
-          <a:bodyPr wrap="square" lIns="0" tIns="0" rIns="0" bIns="0" rtlCol="0" anchor="ctr"/>
-          <a:lstStyle/>
-          <a:p>
-            <a:pPr>
-              <a:lnSpc>
-                <a:spcPct val="120000"/>
-              </a:lnSpc>
-            </a:pPr>
-            <a:r>
-              <a:rPr lang="en-US" sz="1400" dirty="0">
-                <a:solidFill>
-                  <a:srgbClr val="F0F2F5"/>
-                </a:solidFill>
-                <a:latin typeface="MiSans" pitchFamily="34" charset="-122"/>
-                <a:ea typeface="MiSans" pitchFamily="34" charset="-122"/>
-                <a:cs typeface="MiSans" pitchFamily="34" charset="-120"/>
-              </a:rPr>
-              <a:t>购票: +50积分</a:t>
-            </a:r>
-            <a:endParaRPr lang="en-US" sz="1600" dirty="0"/>
-          </a:p>
-        </p:txBody>
-      </p:sp>
-      <p:sp>
-        <p:nvSpPr>
-          <p:cNvPr id="41" name="Shape 39"/>
-          <p:cNvSpPr/>
-          <p:nvPr/>
-        </p:nvSpPr>
-        <p:spPr>
-          <a:xfrm>
-            <a:off x="533400" y="6019800"/>
-            <a:ext cx="50800" cy="1828800"/>
-          </a:xfrm>
-          <a:custGeom>
-            <a:avLst/>
-            <a:gdLst/>
-            <a:ahLst/>
-            <a:cxnLst/>
-            <a:rect l="l" t="t" r="r" b="b"/>
-            <a:pathLst>
-              <a:path w="50800" h="1828800">
-                <a:moveTo>
-                  <a:pt x="0" y="0"/>
-                </a:moveTo>
-                <a:lnTo>
-                  <a:pt x="50800" y="0"/>
-                </a:lnTo>
-                <a:lnTo>
-                  <a:pt x="50800" y="1828800"/>
-                </a:lnTo>
-                <a:lnTo>
-                  <a:pt x="0" y="1828800"/>
-                </a:lnTo>
-                <a:lnTo>
-                  <a:pt x="0" y="0"/>
-                </a:lnTo>
-                <a:close/>
-              </a:path>
-            </a:pathLst>
-          </a:custGeom>
-          <a:solidFill>
-            <a:srgbClr val="5F7A8D"/>
-          </a:solidFill>
-        </p:spPr>
-      </p:sp>
-      <p:sp>
-        <p:nvSpPr>
-          <p:cNvPr id="42" name="Text 40"/>
-          <p:cNvSpPr/>
-          <p:nvPr/>
-        </p:nvSpPr>
-        <p:spPr>
-          <a:xfrm>
-            <a:off x="762000" y="6019800"/>
-            <a:ext cx="7378700" cy="355600"/>
-          </a:xfrm>
-          <a:prstGeom prst="rect">
-            <a:avLst/>
-          </a:prstGeom>
-          <a:noFill/>
-        </p:spPr>
-        <p:txBody>
-          <a:bodyPr wrap="square" lIns="0" tIns="0" rIns="0" bIns="0" rtlCol="0" anchor="ctr"/>
-          <a:lstStyle/>
-          <a:p>
-            <a:pPr>
-              <a:lnSpc>
-                <a:spcPct val="130000"/>
-              </a:lnSpc>
-            </a:pPr>
-            <a:r>
-              <a:rPr lang="en-US" sz="1800" b="1" dirty="0">
-                <a:solidFill>
-                  <a:srgbClr val="F0F2F5"/>
-                </a:solidFill>
-                <a:latin typeface="阿里妈妈数黑体" pitchFamily="34" charset="-122"/>
-                <a:ea typeface="阿里妈妈数黑体" pitchFamily="34" charset="-122"/>
-                <a:cs typeface="阿里妈妈数黑体" pitchFamily="34" charset="-120"/>
-              </a:rPr>
-              <a:t>技术实现要点</a:t>
-            </a:r>
-            <a:endParaRPr lang="en-US" sz="1600" dirty="0"/>
-          </a:p>
-        </p:txBody>
-      </p:sp>
-      <p:sp>
-        <p:nvSpPr>
-          <p:cNvPr id="43" name="Shape 41"/>
-          <p:cNvSpPr/>
-          <p:nvPr/>
-        </p:nvSpPr>
-        <p:spPr>
-          <a:xfrm>
-            <a:off x="787400" y="6515100"/>
-            <a:ext cx="203200" cy="203200"/>
-          </a:xfrm>
-          <a:custGeom>
-            <a:avLst/>
-            <a:gdLst/>
-            <a:ahLst/>
-            <a:cxnLst/>
-            <a:rect l="l" t="t" r="r" b="b"/>
-            <a:pathLst>
-              <a:path w="203200" h="203200">
-                <a:moveTo>
-                  <a:pt x="101600" y="203200"/>
-                </a:moveTo>
-                <a:cubicBezTo>
-                  <a:pt x="157675" y="203200"/>
-                  <a:pt x="203200" y="157675"/>
-                  <a:pt x="203200" y="101600"/>
-                </a:cubicBezTo>
-                <a:cubicBezTo>
-                  <a:pt x="203200" y="45525"/>
-                  <a:pt x="157675" y="0"/>
-                  <a:pt x="101600" y="0"/>
-                </a:cubicBezTo>
-                <a:cubicBezTo>
-                  <a:pt x="45525" y="0"/>
-                  <a:pt x="0" y="45525"/>
-                  <a:pt x="0" y="101600"/>
-                </a:cubicBezTo>
-                <a:cubicBezTo>
-                  <a:pt x="0" y="157675"/>
-                  <a:pt x="45525" y="203200"/>
-                  <a:pt x="101600" y="203200"/>
-                </a:cubicBezTo>
-                <a:close/>
-                <a:moveTo>
-                  <a:pt x="135096" y="84415"/>
-                </a:moveTo>
-                <a:lnTo>
-                  <a:pt x="103346" y="135215"/>
-                </a:lnTo>
-                <a:cubicBezTo>
-                  <a:pt x="101679" y="137874"/>
-                  <a:pt x="98822" y="139541"/>
-                  <a:pt x="95687" y="139700"/>
-                </a:cubicBezTo>
-                <a:cubicBezTo>
-                  <a:pt x="92551" y="139859"/>
-                  <a:pt x="89535" y="138430"/>
-                  <a:pt x="87670" y="135890"/>
-                </a:cubicBezTo>
-                <a:lnTo>
-                  <a:pt x="68620" y="110490"/>
-                </a:lnTo>
-                <a:cubicBezTo>
-                  <a:pt x="65445" y="106283"/>
-                  <a:pt x="66318" y="100330"/>
-                  <a:pt x="70525" y="97155"/>
-                </a:cubicBezTo>
-                <a:cubicBezTo>
-                  <a:pt x="74732" y="93980"/>
-                  <a:pt x="80685" y="94853"/>
-                  <a:pt x="83860" y="99060"/>
-                </a:cubicBezTo>
-                <a:lnTo>
-                  <a:pt x="94575" y="113348"/>
-                </a:lnTo>
-                <a:lnTo>
-                  <a:pt x="118943" y="74335"/>
-                </a:lnTo>
-                <a:cubicBezTo>
-                  <a:pt x="121722" y="69890"/>
-                  <a:pt x="127595" y="68501"/>
-                  <a:pt x="132080" y="71318"/>
-                </a:cubicBezTo>
-                <a:cubicBezTo>
-                  <a:pt x="136565" y="74136"/>
-                  <a:pt x="137914" y="79970"/>
-                  <a:pt x="135096" y="84455"/>
-                </a:cubicBezTo>
-                <a:close/>
-              </a:path>
-            </a:pathLst>
-          </a:custGeom>
-          <a:solidFill>
-            <a:srgbClr val="E07A5F"/>
-          </a:solidFill>
-        </p:spPr>
-      </p:sp>
-      <p:sp>
-        <p:nvSpPr>
-          <p:cNvPr id="44" name="Text 42"/>
-          <p:cNvSpPr/>
-          <p:nvPr/>
-        </p:nvSpPr>
-        <p:spPr>
-          <a:xfrm>
-            <a:off x="1117600" y="6477000"/>
-            <a:ext cx="7010400" cy="304800"/>
-          </a:xfrm>
-          <a:prstGeom prst="rect">
-            <a:avLst/>
-          </a:prstGeom>
-          <a:noFill/>
-        </p:spPr>
-        <p:txBody>
-          <a:bodyPr wrap="square" lIns="0" tIns="0" rIns="0" bIns="0" rtlCol="0" anchor="ctr"/>
-          <a:lstStyle/>
-          <a:p>
-            <a:pPr>
-              <a:lnSpc>
-                <a:spcPct val="130000"/>
-              </a:lnSpc>
-            </a:pPr>
-            <a:r>
-              <a:rPr lang="en-US" sz="1600" dirty="0">
-                <a:solidFill>
-                  <a:srgbClr val="8D99AE"/>
-                </a:solidFill>
-                <a:latin typeface="MiSans" pitchFamily="34" charset="-122"/>
-                <a:ea typeface="MiSans" pitchFamily="34" charset="-122"/>
-                <a:cs typeface="MiSans" pitchFamily="34" charset="-120"/>
-              </a:rPr>
-              <a:t>高德地图API密钥配置与组件封装</a:t>
-            </a:r>
-            <a:endParaRPr lang="en-US" sz="1600" dirty="0"/>
-          </a:p>
-        </p:txBody>
-      </p:sp>
-      <p:sp>
-        <p:nvSpPr>
-          <p:cNvPr id="45" name="Shape 43"/>
-          <p:cNvSpPr/>
-          <p:nvPr/>
-        </p:nvSpPr>
-        <p:spPr>
-          <a:xfrm>
-            <a:off x="787400" y="6870700"/>
-            <a:ext cx="203200" cy="203200"/>
-          </a:xfrm>
-          <a:custGeom>
-            <a:avLst/>
-            <a:gdLst/>
-            <a:ahLst/>
-            <a:cxnLst/>
-            <a:rect l="l" t="t" r="r" b="b"/>
-            <a:pathLst>
-              <a:path w="203200" h="203200">
-                <a:moveTo>
-                  <a:pt x="101600" y="203200"/>
-                </a:moveTo>
-                <a:cubicBezTo>
-                  <a:pt x="157675" y="203200"/>
-                  <a:pt x="203200" y="157675"/>
-                  <a:pt x="203200" y="101600"/>
-                </a:cubicBezTo>
-                <a:cubicBezTo>
-                  <a:pt x="203200" y="45525"/>
-                  <a:pt x="157675" y="0"/>
-                  <a:pt x="101600" y="0"/>
-                </a:cubicBezTo>
-                <a:cubicBezTo>
-                  <a:pt x="45525" y="0"/>
-                  <a:pt x="0" y="45525"/>
-                  <a:pt x="0" y="101600"/>
-                </a:cubicBezTo>
-                <a:cubicBezTo>
-                  <a:pt x="0" y="157675"/>
-                  <a:pt x="45525" y="203200"/>
-                  <a:pt x="101600" y="203200"/>
-                </a:cubicBezTo>
-                <a:close/>
-                <a:moveTo>
-                  <a:pt x="135096" y="84415"/>
-                </a:moveTo>
-                <a:lnTo>
-                  <a:pt x="103346" y="135215"/>
-                </a:lnTo>
-                <a:cubicBezTo>
-                  <a:pt x="101679" y="137874"/>
-                  <a:pt x="98822" y="139541"/>
-                  <a:pt x="95687" y="139700"/>
-                </a:cubicBezTo>
-                <a:cubicBezTo>
-                  <a:pt x="92551" y="139859"/>
-                  <a:pt x="89535" y="138430"/>
-                  <a:pt x="87670" y="135890"/>
-                </a:cubicBezTo>
-                <a:lnTo>
-                  <a:pt x="68620" y="110490"/>
-                </a:lnTo>
-                <a:cubicBezTo>
-                  <a:pt x="65445" y="106283"/>
-                  <a:pt x="66318" y="100330"/>
-                  <a:pt x="70525" y="97155"/>
-                </a:cubicBezTo>
-                <a:cubicBezTo>
-                  <a:pt x="74732" y="93980"/>
-                  <a:pt x="80685" y="94853"/>
-                  <a:pt x="83860" y="99060"/>
-                </a:cubicBezTo>
-                <a:lnTo>
-                  <a:pt x="94575" y="113348"/>
-                </a:lnTo>
-                <a:lnTo>
-                  <a:pt x="118943" y="74335"/>
-                </a:lnTo>
-                <a:cubicBezTo>
-                  <a:pt x="121722" y="69890"/>
-                  <a:pt x="127595" y="68501"/>
-                  <a:pt x="132080" y="71318"/>
-                </a:cubicBezTo>
-                <a:cubicBezTo>
-                  <a:pt x="136565" y="74136"/>
-                  <a:pt x="137914" y="79970"/>
-                  <a:pt x="135096" y="84455"/>
-                </a:cubicBezTo>
-                <a:close/>
-              </a:path>
-            </a:pathLst>
-          </a:custGeom>
-          <a:solidFill>
-            <a:srgbClr val="E07A5F"/>
-          </a:solidFill>
-        </p:spPr>
-      </p:sp>
-      <p:sp>
-        <p:nvSpPr>
-          <p:cNvPr id="46" name="Text 44"/>
-          <p:cNvSpPr/>
-          <p:nvPr/>
-        </p:nvSpPr>
-        <p:spPr>
-          <a:xfrm>
-            <a:off x="1117600" y="6832600"/>
-            <a:ext cx="7010400" cy="304800"/>
-          </a:xfrm>
-          <a:prstGeom prst="rect">
-            <a:avLst/>
-          </a:prstGeom>
-          <a:noFill/>
-        </p:spPr>
-        <p:txBody>
-          <a:bodyPr wrap="square" lIns="0" tIns="0" rIns="0" bIns="0" rtlCol="0" anchor="ctr"/>
-          <a:lstStyle/>
-          <a:p>
-            <a:pPr>
-              <a:lnSpc>
-                <a:spcPct val="130000"/>
-              </a:lnSpc>
-            </a:pPr>
-            <a:r>
-              <a:rPr lang="en-US" sz="1600" dirty="0">
-                <a:solidFill>
-                  <a:srgbClr val="8D99AE"/>
-                </a:solidFill>
-                <a:latin typeface="MiSans" pitchFamily="34" charset="-122"/>
-                <a:ea typeface="MiSans" pitchFamily="34" charset="-122"/>
-                <a:cs typeface="MiSans" pitchFamily="34" charset="-120"/>
-              </a:rPr>
-              <a:t>浏览器Geolocation API获取经纬度</a:t>
-            </a:r>
-            <a:endParaRPr lang="en-US" sz="1600" dirty="0"/>
-          </a:p>
-        </p:txBody>
-      </p:sp>
-      <p:sp>
-        <p:nvSpPr>
-          <p:cNvPr id="47" name="Shape 45"/>
-          <p:cNvSpPr/>
-          <p:nvPr/>
-        </p:nvSpPr>
-        <p:spPr>
-          <a:xfrm>
-            <a:off x="787400" y="7226300"/>
-            <a:ext cx="203200" cy="203200"/>
-          </a:xfrm>
-          <a:custGeom>
-            <a:avLst/>
-            <a:gdLst/>
-            <a:ahLst/>
-            <a:cxnLst/>
-            <a:rect l="l" t="t" r="r" b="b"/>
-            <a:pathLst>
-              <a:path w="203200" h="203200">
-                <a:moveTo>
-                  <a:pt x="101600" y="203200"/>
-                </a:moveTo>
-                <a:cubicBezTo>
-                  <a:pt x="157675" y="203200"/>
-                  <a:pt x="203200" y="157675"/>
-                  <a:pt x="203200" y="101600"/>
-                </a:cubicBezTo>
-                <a:cubicBezTo>
-                  <a:pt x="203200" y="45525"/>
-                  <a:pt x="157675" y="0"/>
-                  <a:pt x="101600" y="0"/>
-                </a:cubicBezTo>
-                <a:cubicBezTo>
-                  <a:pt x="45525" y="0"/>
-                  <a:pt x="0" y="45525"/>
-                  <a:pt x="0" y="101600"/>
-                </a:cubicBezTo>
-                <a:cubicBezTo>
-                  <a:pt x="0" y="157675"/>
-                  <a:pt x="45525" y="203200"/>
-                  <a:pt x="101600" y="203200"/>
-                </a:cubicBezTo>
-                <a:close/>
-                <a:moveTo>
-                  <a:pt x="135096" y="84415"/>
-                </a:moveTo>
-                <a:lnTo>
-                  <a:pt x="103346" y="135215"/>
-                </a:lnTo>
-                <a:cubicBezTo>
-                  <a:pt x="101679" y="137874"/>
-                  <a:pt x="98822" y="139541"/>
-                  <a:pt x="95687" y="139700"/>
-                </a:cubicBezTo>
-                <a:cubicBezTo>
-                  <a:pt x="92551" y="139859"/>
-                  <a:pt x="89535" y="138430"/>
-                  <a:pt x="87670" y="135890"/>
-                </a:cubicBezTo>
-                <a:lnTo>
-                  <a:pt x="68620" y="110490"/>
-                </a:lnTo>
-                <a:cubicBezTo>
-                  <a:pt x="65445" y="106283"/>
-                  <a:pt x="66318" y="100330"/>
-                  <a:pt x="70525" y="97155"/>
-                </a:cubicBezTo>
-                <a:cubicBezTo>
-                  <a:pt x="74732" y="93980"/>
-                  <a:pt x="80685" y="94853"/>
-                  <a:pt x="83860" y="99060"/>
-                </a:cubicBezTo>
-                <a:lnTo>
-                  <a:pt x="94575" y="113348"/>
-                </a:lnTo>
-                <a:lnTo>
-                  <a:pt x="118943" y="74335"/>
-                </a:lnTo>
-                <a:cubicBezTo>
-                  <a:pt x="121722" y="69890"/>
-                  <a:pt x="127595" y="68501"/>
-                  <a:pt x="132080" y="71318"/>
-                </a:cubicBezTo>
-                <a:cubicBezTo>
-                  <a:pt x="136565" y="74136"/>
-                  <a:pt x="137914" y="79970"/>
-                  <a:pt x="135096" y="84455"/>
-                </a:cubicBezTo>
-                <a:close/>
-              </a:path>
-            </a:pathLst>
-          </a:custGeom>
-          <a:solidFill>
-            <a:srgbClr val="E07A5F"/>
-          </a:solidFill>
-        </p:spPr>
-      </p:sp>
-      <p:sp>
-        <p:nvSpPr>
-          <p:cNvPr id="48" name="Text 46"/>
-          <p:cNvSpPr/>
-          <p:nvPr/>
-        </p:nvSpPr>
-        <p:spPr>
-          <a:xfrm>
-            <a:off x="1117600" y="7188200"/>
-            <a:ext cx="7010400" cy="304800"/>
-          </a:xfrm>
-          <a:prstGeom prst="rect">
-            <a:avLst/>
-          </a:prstGeom>
-          <a:noFill/>
-        </p:spPr>
-        <p:txBody>
-          <a:bodyPr wrap="square" lIns="0" tIns="0" rIns="0" bIns="0" rtlCol="0" anchor="ctr"/>
-          <a:lstStyle/>
-          <a:p>
-            <a:pPr>
-              <a:lnSpc>
-                <a:spcPct val="130000"/>
-              </a:lnSpc>
-            </a:pPr>
-            <a:r>
-              <a:rPr lang="en-US" sz="1600" dirty="0">
-                <a:solidFill>
-                  <a:srgbClr val="8D99AE"/>
-                </a:solidFill>
-                <a:latin typeface="MiSans" pitchFamily="34" charset="-122"/>
-                <a:ea typeface="MiSans" pitchFamily="34" charset="-122"/>
-                <a:cs typeface="MiSans" pitchFamily="34" charset="-120"/>
-              </a:rPr>
-              <a:t>Haversine公式计算两点间距离</a:t>
-            </a:r>
-            <a:endParaRPr lang="en-US" sz="1600" dirty="0"/>
-          </a:p>
-        </p:txBody>
-      </p:sp>
-      <p:sp>
-        <p:nvSpPr>
-          <p:cNvPr id="49" name="Shape 47"/>
-          <p:cNvSpPr/>
-          <p:nvPr/>
-        </p:nvSpPr>
-        <p:spPr>
-          <a:xfrm>
-            <a:off x="787400" y="7581900"/>
-            <a:ext cx="203200" cy="203200"/>
-          </a:xfrm>
-          <a:custGeom>
-            <a:avLst/>
-            <a:gdLst/>
-            <a:ahLst/>
-            <a:cxnLst/>
-            <a:rect l="l" t="t" r="r" b="b"/>
-            <a:pathLst>
-              <a:path w="203200" h="203200">
-                <a:moveTo>
-                  <a:pt x="101600" y="203200"/>
-                </a:moveTo>
-                <a:cubicBezTo>
-                  <a:pt x="157675" y="203200"/>
-                  <a:pt x="203200" y="157675"/>
-                  <a:pt x="203200" y="101600"/>
-                </a:cubicBezTo>
-                <a:cubicBezTo>
-                  <a:pt x="203200" y="45525"/>
-                  <a:pt x="157675" y="0"/>
-                  <a:pt x="101600" y="0"/>
-                </a:cubicBezTo>
-                <a:cubicBezTo>
-                  <a:pt x="45525" y="0"/>
-                  <a:pt x="0" y="45525"/>
-                  <a:pt x="0" y="101600"/>
-                </a:cubicBezTo>
-                <a:cubicBezTo>
-                  <a:pt x="0" y="157675"/>
-                  <a:pt x="45525" y="203200"/>
-                  <a:pt x="101600" y="203200"/>
-                </a:cubicBezTo>
-                <a:close/>
-                <a:moveTo>
-                  <a:pt x="135096" y="84415"/>
-                </a:moveTo>
-                <a:lnTo>
-                  <a:pt x="103346" y="135215"/>
-                </a:lnTo>
-                <a:cubicBezTo>
-                  <a:pt x="101679" y="137874"/>
-                  <a:pt x="98822" y="139541"/>
-                  <a:pt x="95687" y="139700"/>
-                </a:cubicBezTo>
-                <a:cubicBezTo>
-                  <a:pt x="92551" y="139859"/>
-                  <a:pt x="89535" y="138430"/>
-                  <a:pt x="87670" y="135890"/>
-                </a:cubicBezTo>
-                <a:lnTo>
-                  <a:pt x="68620" y="110490"/>
-                </a:lnTo>
-                <a:cubicBezTo>
-                  <a:pt x="65445" y="106283"/>
-                  <a:pt x="66318" y="100330"/>
-                  <a:pt x="70525" y="97155"/>
-                </a:cubicBezTo>
-                <a:cubicBezTo>
-                  <a:pt x="74732" y="93980"/>
-                  <a:pt x="80685" y="94853"/>
-                  <a:pt x="83860" y="99060"/>
-                </a:cubicBezTo>
-                <a:lnTo>
-                  <a:pt x="94575" y="113348"/>
-                </a:lnTo>
-                <a:lnTo>
-                  <a:pt x="118943" y="74335"/>
-                </a:lnTo>
-                <a:cubicBezTo>
-                  <a:pt x="121722" y="69890"/>
-                  <a:pt x="127595" y="68501"/>
-                  <a:pt x="132080" y="71318"/>
-                </a:cubicBezTo>
-                <a:cubicBezTo>
-                  <a:pt x="136565" y="74136"/>
-                  <a:pt x="137914" y="79970"/>
-                  <a:pt x="135096" y="84455"/>
-                </a:cubicBezTo>
-                <a:close/>
-              </a:path>
-            </a:pathLst>
-          </a:custGeom>
-          <a:solidFill>
-            <a:srgbClr val="E07A5F"/>
-          </a:solidFill>
-        </p:spPr>
-      </p:sp>
-      <p:sp>
-        <p:nvSpPr>
-          <p:cNvPr id="50" name="Text 48"/>
-          <p:cNvSpPr/>
-          <p:nvPr/>
-        </p:nvSpPr>
-        <p:spPr>
-          <a:xfrm>
-            <a:off x="1117600" y="7543800"/>
-            <a:ext cx="7010400" cy="304800"/>
-          </a:xfrm>
-          <a:prstGeom prst="rect">
-            <a:avLst/>
-          </a:prstGeom>
-          <a:noFill/>
-        </p:spPr>
-        <p:txBody>
-          <a:bodyPr wrap="square" lIns="0" tIns="0" rIns="0" bIns="0" rtlCol="0" anchor="ctr"/>
-          <a:lstStyle/>
-          <a:p>
-            <a:pPr>
-              <a:lnSpc>
-                <a:spcPct val="130000"/>
-              </a:lnSpc>
-            </a:pPr>
-            <a:r>
-              <a:rPr lang="en-US" sz="1600" dirty="0">
-                <a:solidFill>
-                  <a:srgbClr val="8D99AE"/>
-                </a:solidFill>
-                <a:latin typeface="MiSans" pitchFamily="34" charset="-122"/>
-                <a:ea typeface="MiSans" pitchFamily="34" charset="-122"/>
-                <a:cs typeface="MiSans" pitchFamily="34" charset="-120"/>
-              </a:rPr>
-              <a:t>积分计算与等级更新的事务一致性</a:t>
-            </a:r>
-            <a:endParaRPr lang="en-US" sz="1600" dirty="0"/>
-          </a:p>
-        </p:txBody>
-      </p:sp>
-      <p:sp>
-        <p:nvSpPr>
-          <p:cNvPr id="51" name="Shape 49"/>
-          <p:cNvSpPr/>
-          <p:nvPr/>
-        </p:nvSpPr>
-        <p:spPr>
-          <a:xfrm>
-            <a:off x="8255000" y="6019800"/>
-            <a:ext cx="50800" cy="1828800"/>
-          </a:xfrm>
-          <a:custGeom>
-            <a:avLst/>
-            <a:gdLst/>
-            <a:ahLst/>
-            <a:cxnLst/>
-            <a:rect l="l" t="t" r="r" b="b"/>
-            <a:pathLst>
-              <a:path w="50800" h="1828800">
-                <a:moveTo>
-                  <a:pt x="0" y="0"/>
-                </a:moveTo>
-                <a:lnTo>
-                  <a:pt x="50800" y="0"/>
-                </a:lnTo>
-                <a:lnTo>
-                  <a:pt x="50800" y="1828800"/>
-                </a:lnTo>
-                <a:lnTo>
-                  <a:pt x="0" y="1828800"/>
-                </a:lnTo>
-                <a:lnTo>
-                  <a:pt x="0" y="0"/>
-                </a:lnTo>
-                <a:close/>
-              </a:path>
-            </a:pathLst>
-          </a:custGeom>
-          <a:solidFill>
-            <a:srgbClr val="E07A5F"/>
-          </a:solidFill>
-        </p:spPr>
-      </p:sp>
-      <p:sp>
-        <p:nvSpPr>
-          <p:cNvPr id="52" name="Text 50"/>
-          <p:cNvSpPr/>
-          <p:nvPr/>
-        </p:nvSpPr>
-        <p:spPr>
-          <a:xfrm>
-            <a:off x="8483600" y="6019800"/>
-            <a:ext cx="7378700" cy="355600"/>
-          </a:xfrm>
-          <a:prstGeom prst="rect">
-            <a:avLst/>
-          </a:prstGeom>
-          <a:noFill/>
-        </p:spPr>
-        <p:txBody>
-          <a:bodyPr wrap="square" lIns="0" tIns="0" rIns="0" bIns="0" rtlCol="0" anchor="ctr"/>
-          <a:lstStyle/>
-          <a:p>
-            <a:pPr>
-              <a:lnSpc>
-                <a:spcPct val="130000"/>
-              </a:lnSpc>
-            </a:pPr>
-            <a:r>
-              <a:rPr lang="en-US" sz="1800" b="1" dirty="0">
-                <a:solidFill>
-                  <a:srgbClr val="F0F2F5"/>
-                </a:solidFill>
-                <a:latin typeface="阿里妈妈数黑体" pitchFamily="34" charset="-122"/>
-                <a:ea typeface="阿里妈妈数黑体" pitchFamily="34" charset="-122"/>
-                <a:cs typeface="阿里妈妈数黑体" pitchFamily="34" charset="-120"/>
-              </a:rPr>
-              <a:t>文化传播价值</a:t>
-            </a:r>
-            <a:endParaRPr lang="en-US" sz="1600" dirty="0"/>
-          </a:p>
-        </p:txBody>
-      </p:sp>
-      <p:sp>
-        <p:nvSpPr>
-          <p:cNvPr id="53" name="Text 51"/>
-          <p:cNvSpPr/>
-          <p:nvPr/>
-        </p:nvSpPr>
-        <p:spPr>
-          <a:xfrm>
-            <a:off x="8483600" y="6477000"/>
-            <a:ext cx="7366000" cy="990600"/>
-          </a:xfrm>
-          <a:prstGeom prst="rect">
-            <a:avLst/>
-          </a:prstGeom>
-          <a:noFill/>
-        </p:spPr>
-        <p:txBody>
-          <a:bodyPr wrap="square" lIns="0" tIns="0" rIns="0" bIns="0" rtlCol="0" anchor="ctr"/>
-          <a:lstStyle/>
-          <a:p>
-            <a:pPr>
-              <a:lnSpc>
-                <a:spcPct val="140000"/>
-              </a:lnSpc>
-            </a:pPr>
-            <a:r>
-              <a:rPr lang="en-US" sz="1600" dirty="0">
-                <a:solidFill>
-                  <a:srgbClr val="8D99AE"/>
-                </a:solidFill>
-                <a:latin typeface="MiSans" pitchFamily="34" charset="-122"/>
-                <a:ea typeface="MiSans" pitchFamily="34" charset="-122"/>
-                <a:cs typeface="MiSans" pitchFamily="34" charset="-120"/>
-              </a:rPr>
-              <a:t>通过地图打卡功能，将沈阳的历史文化地标与音乐节有机结合，让用户在享受音乐的同时，深入了解盛京文化的深厚底蕴。积分体系激励用户主动探索，提升文化体验的趣味性和参与度。</a:t>
-            </a:r>
-            <a:endParaRPr lang="en-US" sz="1600" dirty="0"/>
-          </a:p>
-        </p:txBody>
-      </p:sp>
-    </p:spTree>
-  </p:cSld>
-  <p:clrMapOvr>
-    <a:masterClrMapping/>
-  </p:clrMapOvr>
-  <p:transition>
-    <p:fade/>
-  </p:transition>
-</p:sld>
-</file>
-
-<file path=ppt/slides/slide2.xml><?xml version="1.0" encoding="utf-8"?>
-<p:sld xmlns:a="http://schemas.openxmlformats.org/drawingml/2006/main" xmlns:r="http://schemas.openxmlformats.org/officeDocument/2006/relationships" xmlns:p="http://schemas.openxmlformats.org/presentationml/2006/main">
-  <p:cSld>
-    <p:bg>
-      <p:bgPr>
-        <a:solidFill>
-          <a:srgbClr val="1A1D24"/>
-        </a:solidFill>
-        <a:effectLst/>
-      </p:bgPr>
-    </p:bg>
-    <p:spTree>
-      <p:nvGrpSpPr>
-        <p:cNvPr id="1" name=""/>
-        <p:cNvGrpSpPr/>
-        <p:nvPr/>
-      </p:nvGrpSpPr>
-      <p:grpSpPr>
-        <a:xfrm>
-          <a:off x="0" y="0"/>
-          <a:ext cx="0" cy="0"/>
-          <a:chOff x="0" y="0"/>
-          <a:chExt cx="0" cy="0"/>
-        </a:xfrm>
-      </p:grpSpPr>
-      <p:sp>
-        <p:nvSpPr>
-          <p:cNvPr id="2" name="Text 0"/>
-          <p:cNvSpPr/>
-          <p:nvPr/>
-        </p:nvSpPr>
-        <p:spPr>
-          <a:xfrm>
-            <a:off x="508000" y="508000"/>
-            <a:ext cx="15341600" cy="304800"/>
-          </a:xfrm>
-          <a:prstGeom prst="rect">
-            <a:avLst/>
-          </a:prstGeom>
-          <a:noFill/>
-        </p:spPr>
-        <p:txBody>
-          <a:bodyPr wrap="square" lIns="0" tIns="0" rIns="0" bIns="0" rtlCol="0" anchor="ctr"/>
-          <a:lstStyle/>
-          <a:p>
-            <a:pPr>
-              <a:lnSpc>
-                <a:spcPct val="130000"/>
-              </a:lnSpc>
-            </a:pPr>
-            <a:r>
-              <a:rPr lang="en-US" sz="1600" b="1" kern="0" spc="80" dirty="0">
-                <a:solidFill>
-                  <a:srgbClr val="E07A5F"/>
-                </a:solidFill>
-                <a:latin typeface="阿里妈妈数黑体" pitchFamily="34" charset="-122"/>
-                <a:ea typeface="阿里妈妈数黑体" pitchFamily="34" charset="-122"/>
-                <a:cs typeface="阿里妈妈数黑体" pitchFamily="34" charset="-120"/>
-              </a:rPr>
-              <a:t>CONTENTS</a:t>
-            </a:r>
-            <a:endParaRPr lang="en-US" sz="1600" dirty="0"/>
-          </a:p>
-        </p:txBody>
-      </p:sp>
-      <p:sp>
-        <p:nvSpPr>
-          <p:cNvPr id="3" name="Text 1"/>
-          <p:cNvSpPr/>
-          <p:nvPr/>
-        </p:nvSpPr>
-        <p:spPr>
-          <a:xfrm>
-            <a:off x="508000" y="914400"/>
-            <a:ext cx="15544800" cy="609600"/>
-          </a:xfrm>
-          <a:prstGeom prst="rect">
-            <a:avLst/>
-          </a:prstGeom>
-          <a:noFill/>
-        </p:spPr>
-        <p:txBody>
-          <a:bodyPr wrap="square" lIns="0" tIns="0" rIns="0" bIns="0" rtlCol="0" anchor="ctr"/>
-          <a:lstStyle/>
-          <a:p>
-            <a:pPr>
-              <a:lnSpc>
-                <a:spcPct val="80000"/>
-              </a:lnSpc>
-            </a:pPr>
-            <a:r>
-              <a:rPr lang="en-US" sz="4800" b="1" dirty="0">
-                <a:solidFill>
-                  <a:srgbClr val="F0F2F5"/>
-                </a:solidFill>
-                <a:latin typeface="阿里妈妈数黑体" pitchFamily="34" charset="-122"/>
-                <a:ea typeface="阿里妈妈数黑体" pitchFamily="34" charset="-122"/>
-                <a:cs typeface="阿里妈妈数黑体" pitchFamily="34" charset="-120"/>
-              </a:rPr>
-              <a:t>汇报提纲</a:t>
-            </a:r>
-            <a:endParaRPr lang="en-US" sz="1600" dirty="0"/>
-          </a:p>
-        </p:txBody>
-      </p:sp>
-      <p:sp>
-        <p:nvSpPr>
-          <p:cNvPr id="4" name="Shape 2"/>
-          <p:cNvSpPr/>
-          <p:nvPr/>
-        </p:nvSpPr>
-        <p:spPr>
-          <a:xfrm>
-            <a:off x="508000" y="1727200"/>
-            <a:ext cx="1219200" cy="50800"/>
-          </a:xfrm>
-          <a:custGeom>
-            <a:avLst/>
-            <a:gdLst/>
-            <a:ahLst/>
-            <a:cxnLst/>
-            <a:rect l="l" t="t" r="r" b="b"/>
-            <a:pathLst>
-              <a:path w="1219200" h="50800">
-                <a:moveTo>
-                  <a:pt x="0" y="0"/>
-                </a:moveTo>
-                <a:lnTo>
-                  <a:pt x="1219200" y="0"/>
-                </a:lnTo>
-                <a:lnTo>
-                  <a:pt x="1219200" y="50800"/>
-                </a:lnTo>
-                <a:lnTo>
-                  <a:pt x="0" y="50800"/>
-                </a:lnTo>
-                <a:lnTo>
-                  <a:pt x="0" y="0"/>
-                </a:lnTo>
-                <a:close/>
-              </a:path>
-            </a:pathLst>
-          </a:custGeom>
-          <a:solidFill>
-            <a:srgbClr val="E07A5F"/>
-          </a:solidFill>
-        </p:spPr>
-      </p:sp>
-      <p:sp>
-        <p:nvSpPr>
-          <p:cNvPr id="5" name="Shape 3"/>
-          <p:cNvSpPr/>
-          <p:nvPr/>
-        </p:nvSpPr>
-        <p:spPr>
-          <a:xfrm>
-            <a:off x="533400" y="2286000"/>
-            <a:ext cx="7442200" cy="1625600"/>
-          </a:xfrm>
-          <a:custGeom>
-            <a:avLst/>
-            <a:gdLst/>
-            <a:ahLst/>
-            <a:cxnLst/>
-            <a:rect l="l" t="t" r="r" b="b"/>
-            <a:pathLst>
-              <a:path w="7442200" h="1625600">
-                <a:moveTo>
-                  <a:pt x="50800" y="0"/>
-                </a:moveTo>
-                <a:lnTo>
-                  <a:pt x="7340600" y="0"/>
-                </a:lnTo>
-                <a:cubicBezTo>
-                  <a:pt x="7396675" y="0"/>
-                  <a:pt x="7442200" y="45525"/>
-                  <a:pt x="7442200" y="101600"/>
-                </a:cubicBezTo>
-                <a:lnTo>
-                  <a:pt x="7442200" y="1524000"/>
-                </a:lnTo>
-                <a:cubicBezTo>
-                  <a:pt x="7442200" y="1580075"/>
-                  <a:pt x="7396675" y="1625600"/>
-                  <a:pt x="7340600" y="1625600"/>
-                </a:cubicBezTo>
-                <a:lnTo>
-                  <a:pt x="50800" y="1625600"/>
-                </a:lnTo>
-                <a:cubicBezTo>
-                  <a:pt x="22763" y="1625600"/>
-                  <a:pt x="0" y="1602837"/>
-                  <a:pt x="0" y="1574800"/>
-                </a:cubicBezTo>
-                <a:lnTo>
-                  <a:pt x="0" y="50800"/>
-                </a:lnTo>
-                <a:cubicBezTo>
-                  <a:pt x="0" y="22763"/>
-                  <a:pt x="22763" y="0"/>
-                  <a:pt x="50800" y="0"/>
-                </a:cubicBezTo>
-                <a:close/>
-              </a:path>
-            </a:pathLst>
-          </a:custGeom>
-          <a:solidFill>
-            <a:srgbClr val="5F7A8D">
-              <a:alpha val="10196"/>
-            </a:srgbClr>
-          </a:solidFill>
-        </p:spPr>
-      </p:sp>
-      <p:sp>
-        <p:nvSpPr>
-          <p:cNvPr id="6" name="Shape 4"/>
-          <p:cNvSpPr/>
-          <p:nvPr/>
-        </p:nvSpPr>
-        <p:spPr>
-          <a:xfrm>
-            <a:off x="533400" y="2286000"/>
-            <a:ext cx="50800" cy="1625600"/>
-          </a:xfrm>
-          <a:custGeom>
-            <a:avLst/>
-            <a:gdLst/>
-            <a:ahLst/>
-            <a:cxnLst/>
-            <a:rect l="l" t="t" r="r" b="b"/>
-            <a:pathLst>
-              <a:path w="50800" h="1625600">
-                <a:moveTo>
-                  <a:pt x="50800" y="0"/>
-                </a:moveTo>
-                <a:lnTo>
-                  <a:pt x="50800" y="0"/>
-                </a:lnTo>
-                <a:lnTo>
-                  <a:pt x="50800" y="1625600"/>
-                </a:lnTo>
-                <a:lnTo>
-                  <a:pt x="50800" y="1625600"/>
-                </a:lnTo>
-                <a:cubicBezTo>
-                  <a:pt x="22763" y="1625600"/>
-                  <a:pt x="0" y="1602837"/>
-                  <a:pt x="0" y="1574800"/>
-                </a:cubicBezTo>
-                <a:lnTo>
-                  <a:pt x="0" y="50800"/>
-                </a:lnTo>
-                <a:cubicBezTo>
-                  <a:pt x="0" y="22763"/>
-                  <a:pt x="22763" y="0"/>
-                  <a:pt x="50800" y="0"/>
-                </a:cubicBezTo>
-                <a:close/>
-              </a:path>
-            </a:pathLst>
-          </a:custGeom>
-          <a:solidFill>
-            <a:srgbClr val="E07A5F"/>
-          </a:solidFill>
-        </p:spPr>
-      </p:sp>
-      <p:sp>
-        <p:nvSpPr>
-          <p:cNvPr id="7" name="Shape 5"/>
-          <p:cNvSpPr/>
-          <p:nvPr/>
-        </p:nvSpPr>
-        <p:spPr>
-          <a:xfrm>
-            <a:off x="812800" y="2540000"/>
-            <a:ext cx="711200" cy="711200"/>
-          </a:xfrm>
-          <a:custGeom>
-            <a:avLst/>
-            <a:gdLst/>
-            <a:ahLst/>
-            <a:cxnLst/>
-            <a:rect l="l" t="t" r="r" b="b"/>
-            <a:pathLst>
-              <a:path w="711200" h="711200">
-                <a:moveTo>
-                  <a:pt x="101602" y="0"/>
-                </a:moveTo>
-                <a:lnTo>
-                  <a:pt x="609598" y="0"/>
-                </a:lnTo>
-                <a:cubicBezTo>
-                  <a:pt x="665711" y="0"/>
-                  <a:pt x="711200" y="45489"/>
-                  <a:pt x="711200" y="101602"/>
-                </a:cubicBezTo>
-                <a:lnTo>
-                  <a:pt x="711200" y="609598"/>
-                </a:lnTo>
-                <a:cubicBezTo>
-                  <a:pt x="711200" y="665711"/>
-                  <a:pt x="665711" y="711200"/>
-                  <a:pt x="609598" y="711200"/>
-                </a:cubicBezTo>
-                <a:lnTo>
-                  <a:pt x="101602" y="711200"/>
-                </a:lnTo>
-                <a:cubicBezTo>
-                  <a:pt x="45489" y="711200"/>
-                  <a:pt x="0" y="665711"/>
-                  <a:pt x="0" y="609598"/>
-                </a:cubicBezTo>
-                <a:lnTo>
-                  <a:pt x="0" y="101602"/>
-                </a:lnTo>
-                <a:cubicBezTo>
-                  <a:pt x="0" y="45526"/>
-                  <a:pt x="45526" y="0"/>
-                  <a:pt x="101602" y="0"/>
-                </a:cubicBezTo>
-                <a:close/>
-              </a:path>
-            </a:pathLst>
-          </a:custGeom>
-          <a:solidFill>
-            <a:srgbClr val="E07A5F"/>
-          </a:solidFill>
-        </p:spPr>
-      </p:sp>
-      <p:sp>
-        <p:nvSpPr>
-          <p:cNvPr id="8" name="Text 6"/>
-          <p:cNvSpPr/>
-          <p:nvPr/>
-        </p:nvSpPr>
-        <p:spPr>
-          <a:xfrm>
-            <a:off x="988417" y="2692400"/>
-            <a:ext cx="508000" cy="406400"/>
-          </a:xfrm>
-          <a:prstGeom prst="rect">
-            <a:avLst/>
-          </a:prstGeom>
-          <a:noFill/>
-        </p:spPr>
-        <p:txBody>
-          <a:bodyPr wrap="square" lIns="0" tIns="0" rIns="0" bIns="0" rtlCol="0" anchor="ctr"/>
-          <a:lstStyle/>
-          <a:p>
-            <a:pPr>
-              <a:lnSpc>
-                <a:spcPct val="110000"/>
-              </a:lnSpc>
-            </a:pPr>
-            <a:r>
-              <a:rPr lang="en-US" sz="2400" b="1" dirty="0">
-                <a:solidFill>
-                  <a:srgbClr val="1A1D24"/>
-                </a:solidFill>
-                <a:latin typeface="阿里妈妈数黑体" pitchFamily="34" charset="-122"/>
-                <a:ea typeface="阿里妈妈数黑体" pitchFamily="34" charset="-122"/>
-                <a:cs typeface="阿里妈妈数黑体" pitchFamily="34" charset="-120"/>
-              </a:rPr>
-              <a:t>01</a:t>
-            </a:r>
-            <a:endParaRPr lang="en-US" sz="1600" dirty="0"/>
-          </a:p>
-        </p:txBody>
-      </p:sp>
-      <p:sp>
-        <p:nvSpPr>
-          <p:cNvPr id="9" name="Text 7"/>
-          <p:cNvSpPr/>
-          <p:nvPr/>
-        </p:nvSpPr>
-        <p:spPr>
-          <a:xfrm>
-            <a:off x="1727200" y="2540000"/>
-            <a:ext cx="6121400" cy="355600"/>
-          </a:xfrm>
-          <a:prstGeom prst="rect">
-            <a:avLst/>
-          </a:prstGeom>
-          <a:noFill/>
-        </p:spPr>
-        <p:txBody>
-          <a:bodyPr wrap="square" lIns="0" tIns="0" rIns="0" bIns="0" rtlCol="0" anchor="ctr"/>
-          <a:lstStyle/>
-          <a:p>
-            <a:pPr>
-              <a:lnSpc>
-                <a:spcPct val="120000"/>
-              </a:lnSpc>
-            </a:pPr>
-            <a:r>
-              <a:rPr lang="en-US" sz="2000" b="1" dirty="0">
-                <a:solidFill>
-                  <a:srgbClr val="F0F2F5"/>
-                </a:solidFill>
-                <a:latin typeface="阿里妈妈数黑体" pitchFamily="34" charset="-122"/>
-                <a:ea typeface="阿里妈妈数黑体" pitchFamily="34" charset="-122"/>
-                <a:cs typeface="阿里妈妈数黑体" pitchFamily="34" charset="-120"/>
-              </a:rPr>
-              <a:t>研究背景与意义</a:t>
-            </a:r>
-            <a:endParaRPr lang="en-US" sz="1600" dirty="0"/>
-          </a:p>
-        </p:txBody>
-      </p:sp>
-      <p:sp>
-        <p:nvSpPr>
-          <p:cNvPr id="10" name="Text 8"/>
-          <p:cNvSpPr/>
-          <p:nvPr/>
-        </p:nvSpPr>
-        <p:spPr>
-          <a:xfrm>
-            <a:off x="1727200" y="2997200"/>
-            <a:ext cx="6096000" cy="660400"/>
-          </a:xfrm>
-          <a:prstGeom prst="rect">
-            <a:avLst/>
-          </a:prstGeom>
-          <a:noFill/>
-        </p:spPr>
-        <p:txBody>
-          <a:bodyPr wrap="square" lIns="0" tIns="0" rIns="0" bIns="0" rtlCol="0" anchor="ctr"/>
-          <a:lstStyle/>
-          <a:p>
-            <a:pPr>
-              <a:lnSpc>
-                <a:spcPct val="140000"/>
-              </a:lnSpc>
-            </a:pPr>
-            <a:r>
-              <a:rPr lang="en-US" sz="1600" dirty="0">
-                <a:solidFill>
-                  <a:srgbClr val="8D99AE"/>
-                </a:solidFill>
-                <a:latin typeface="MiSans" pitchFamily="34" charset="-122"/>
-                <a:ea typeface="MiSans" pitchFamily="34" charset="-122"/>
-                <a:cs typeface="MiSans" pitchFamily="34" charset="-120"/>
-              </a:rPr>
-              <a:t>分析互联网+音乐节的行业趋势，阐述沈阳音乐节的文化价值与系统建设的必要性</a:t>
-            </a:r>
-            <a:endParaRPr lang="en-US" sz="1600" dirty="0"/>
-          </a:p>
-        </p:txBody>
-      </p:sp>
-      <p:sp>
-        <p:nvSpPr>
-          <p:cNvPr id="11" name="Shape 9"/>
-          <p:cNvSpPr/>
-          <p:nvPr/>
-        </p:nvSpPr>
-        <p:spPr>
-          <a:xfrm>
-            <a:off x="8305800" y="2286000"/>
-            <a:ext cx="7442200" cy="1625600"/>
-          </a:xfrm>
-          <a:custGeom>
-            <a:avLst/>
-            <a:gdLst/>
-            <a:ahLst/>
-            <a:cxnLst/>
-            <a:rect l="l" t="t" r="r" b="b"/>
-            <a:pathLst>
-              <a:path w="7442200" h="1625600">
-                <a:moveTo>
-                  <a:pt x="50800" y="0"/>
-                </a:moveTo>
-                <a:lnTo>
-                  <a:pt x="7340600" y="0"/>
-                </a:lnTo>
-                <a:cubicBezTo>
-                  <a:pt x="7396675" y="0"/>
-                  <a:pt x="7442200" y="45525"/>
-                  <a:pt x="7442200" y="101600"/>
-                </a:cubicBezTo>
-                <a:lnTo>
-                  <a:pt x="7442200" y="1524000"/>
-                </a:lnTo>
-                <a:cubicBezTo>
-                  <a:pt x="7442200" y="1580075"/>
-                  <a:pt x="7396675" y="1625600"/>
-                  <a:pt x="7340600" y="1625600"/>
-                </a:cubicBezTo>
-                <a:lnTo>
-                  <a:pt x="50800" y="1625600"/>
-                </a:lnTo>
-                <a:cubicBezTo>
-                  <a:pt x="22763" y="1625600"/>
-                  <a:pt x="0" y="1602837"/>
-                  <a:pt x="0" y="1574800"/>
-                </a:cubicBezTo>
-                <a:lnTo>
-                  <a:pt x="0" y="50800"/>
-                </a:lnTo>
-                <a:cubicBezTo>
-                  <a:pt x="0" y="22763"/>
-                  <a:pt x="22763" y="0"/>
-                  <a:pt x="50800" y="0"/>
-                </a:cubicBezTo>
-                <a:close/>
-              </a:path>
-            </a:pathLst>
-          </a:custGeom>
-          <a:solidFill>
-            <a:srgbClr val="5F7A8D">
-              <a:alpha val="10196"/>
-            </a:srgbClr>
-          </a:solidFill>
-        </p:spPr>
-      </p:sp>
-      <p:sp>
-        <p:nvSpPr>
-          <p:cNvPr id="12" name="Shape 10"/>
-          <p:cNvSpPr/>
-          <p:nvPr/>
-        </p:nvSpPr>
-        <p:spPr>
-          <a:xfrm>
-            <a:off x="8305800" y="2286000"/>
-            <a:ext cx="50800" cy="1625600"/>
-          </a:xfrm>
-          <a:custGeom>
-            <a:avLst/>
-            <a:gdLst/>
-            <a:ahLst/>
-            <a:cxnLst/>
-            <a:rect l="l" t="t" r="r" b="b"/>
-            <a:pathLst>
-              <a:path w="50800" h="1625600">
-                <a:moveTo>
-                  <a:pt x="50800" y="0"/>
-                </a:moveTo>
-                <a:lnTo>
-                  <a:pt x="50800" y="0"/>
-                </a:lnTo>
-                <a:lnTo>
-                  <a:pt x="50800" y="1625600"/>
-                </a:lnTo>
-                <a:lnTo>
-                  <a:pt x="50800" y="1625600"/>
-                </a:lnTo>
-                <a:cubicBezTo>
-                  <a:pt x="22763" y="1625600"/>
-                  <a:pt x="0" y="1602837"/>
-                  <a:pt x="0" y="1574800"/>
-                </a:cubicBezTo>
-                <a:lnTo>
-                  <a:pt x="0" y="50800"/>
-                </a:lnTo>
-                <a:cubicBezTo>
-                  <a:pt x="0" y="22763"/>
-                  <a:pt x="22763" y="0"/>
-                  <a:pt x="50800" y="0"/>
-                </a:cubicBezTo>
-                <a:close/>
-              </a:path>
-            </a:pathLst>
-          </a:custGeom>
-          <a:solidFill>
-            <a:srgbClr val="5F7A8D"/>
-          </a:solidFill>
-        </p:spPr>
-      </p:sp>
-      <p:sp>
-        <p:nvSpPr>
-          <p:cNvPr id="13" name="Shape 11"/>
-          <p:cNvSpPr/>
-          <p:nvPr/>
-        </p:nvSpPr>
-        <p:spPr>
-          <a:xfrm>
-            <a:off x="8585200" y="2540000"/>
-            <a:ext cx="711200" cy="711200"/>
-          </a:xfrm>
-          <a:custGeom>
-            <a:avLst/>
-            <a:gdLst/>
-            <a:ahLst/>
-            <a:cxnLst/>
-            <a:rect l="l" t="t" r="r" b="b"/>
-            <a:pathLst>
-              <a:path w="711200" h="711200">
-                <a:moveTo>
-                  <a:pt x="101602" y="0"/>
-                </a:moveTo>
-                <a:lnTo>
-                  <a:pt x="609598" y="0"/>
-                </a:lnTo>
-                <a:cubicBezTo>
-                  <a:pt x="665711" y="0"/>
-                  <a:pt x="711200" y="45489"/>
-                  <a:pt x="711200" y="101602"/>
-                </a:cubicBezTo>
-                <a:lnTo>
-                  <a:pt x="711200" y="609598"/>
-                </a:lnTo>
-                <a:cubicBezTo>
-                  <a:pt x="711200" y="665711"/>
-                  <a:pt x="665711" y="711200"/>
-                  <a:pt x="609598" y="711200"/>
-                </a:cubicBezTo>
-                <a:lnTo>
-                  <a:pt x="101602" y="711200"/>
-                </a:lnTo>
-                <a:cubicBezTo>
-                  <a:pt x="45489" y="711200"/>
-                  <a:pt x="0" y="665711"/>
-                  <a:pt x="0" y="609598"/>
-                </a:cubicBezTo>
-                <a:lnTo>
-                  <a:pt x="0" y="101602"/>
-                </a:lnTo>
-                <a:cubicBezTo>
-                  <a:pt x="0" y="45526"/>
-                  <a:pt x="45526" y="0"/>
-                  <a:pt x="101602" y="0"/>
-                </a:cubicBezTo>
-                <a:close/>
-              </a:path>
-            </a:pathLst>
-          </a:custGeom>
-          <a:solidFill>
-            <a:srgbClr val="5F7A8D"/>
-          </a:solidFill>
-        </p:spPr>
-      </p:sp>
-      <p:sp>
-        <p:nvSpPr>
-          <p:cNvPr id="14" name="Text 12"/>
-          <p:cNvSpPr/>
-          <p:nvPr/>
-        </p:nvSpPr>
-        <p:spPr>
-          <a:xfrm>
-            <a:off x="8760817" y="2692400"/>
-            <a:ext cx="508000" cy="406400"/>
-          </a:xfrm>
-          <a:prstGeom prst="rect">
-            <a:avLst/>
-          </a:prstGeom>
-          <a:noFill/>
-        </p:spPr>
-        <p:txBody>
-          <a:bodyPr wrap="square" lIns="0" tIns="0" rIns="0" bIns="0" rtlCol="0" anchor="ctr"/>
-          <a:lstStyle/>
-          <a:p>
-            <a:pPr>
-              <a:lnSpc>
-                <a:spcPct val="110000"/>
-              </a:lnSpc>
-            </a:pPr>
-            <a:r>
-              <a:rPr lang="en-US" sz="2400" b="1" dirty="0">
-                <a:solidFill>
-                  <a:srgbClr val="F0F2F5"/>
-                </a:solidFill>
-                <a:latin typeface="阿里妈妈数黑体" pitchFamily="34" charset="-122"/>
-                <a:ea typeface="阿里妈妈数黑体" pitchFamily="34" charset="-122"/>
-                <a:cs typeface="阿里妈妈数黑体" pitchFamily="34" charset="-120"/>
-              </a:rPr>
-              <a:t>02</a:t>
-            </a:r>
-            <a:endParaRPr lang="en-US" sz="1600" dirty="0"/>
-          </a:p>
-        </p:txBody>
-      </p:sp>
-      <p:sp>
-        <p:nvSpPr>
-          <p:cNvPr id="15" name="Text 13"/>
-          <p:cNvSpPr/>
-          <p:nvPr/>
-        </p:nvSpPr>
-        <p:spPr>
-          <a:xfrm>
-            <a:off x="9499600" y="2540000"/>
-            <a:ext cx="5867400" cy="355600"/>
-          </a:xfrm>
-          <a:prstGeom prst="rect">
-            <a:avLst/>
-          </a:prstGeom>
-          <a:noFill/>
-        </p:spPr>
-        <p:txBody>
-          <a:bodyPr wrap="square" lIns="0" tIns="0" rIns="0" bIns="0" rtlCol="0" anchor="ctr"/>
-          <a:lstStyle/>
-          <a:p>
-            <a:pPr>
-              <a:lnSpc>
-                <a:spcPct val="120000"/>
-              </a:lnSpc>
-            </a:pPr>
-            <a:r>
-              <a:rPr lang="en-US" sz="2000" b="1" dirty="0">
-                <a:solidFill>
-                  <a:srgbClr val="F0F2F5"/>
-                </a:solidFill>
-                <a:latin typeface="阿里妈妈数黑体" pitchFamily="34" charset="-122"/>
-                <a:ea typeface="阿里妈妈数黑体" pitchFamily="34" charset="-122"/>
-                <a:cs typeface="阿里妈妈数黑体" pitchFamily="34" charset="-120"/>
-              </a:rPr>
-              <a:t>国内外研究现状</a:t>
-            </a:r>
-            <a:endParaRPr lang="en-US" sz="1600" dirty="0"/>
-          </a:p>
-        </p:txBody>
-      </p:sp>
-      <p:sp>
-        <p:nvSpPr>
-          <p:cNvPr id="16" name="Text 14"/>
-          <p:cNvSpPr/>
-          <p:nvPr/>
-        </p:nvSpPr>
-        <p:spPr>
-          <a:xfrm>
-            <a:off x="9499600" y="2997200"/>
-            <a:ext cx="5842000" cy="330200"/>
-          </a:xfrm>
-          <a:prstGeom prst="rect">
-            <a:avLst/>
-          </a:prstGeom>
-          <a:noFill/>
-        </p:spPr>
-        <p:txBody>
-          <a:bodyPr wrap="square" lIns="0" tIns="0" rIns="0" bIns="0" rtlCol="0" anchor="ctr"/>
-          <a:lstStyle/>
-          <a:p>
-            <a:pPr>
-              <a:lnSpc>
-                <a:spcPct val="140000"/>
-              </a:lnSpc>
-            </a:pPr>
-            <a:r>
-              <a:rPr lang="en-US" sz="1600" dirty="0">
-                <a:solidFill>
-                  <a:srgbClr val="8D99AE"/>
-                </a:solidFill>
-                <a:latin typeface="MiSans" pitchFamily="34" charset="-122"/>
-                <a:ea typeface="MiSans" pitchFamily="34" charset="-122"/>
-                <a:cs typeface="MiSans" pitchFamily="34" charset="-120"/>
-              </a:rPr>
-              <a:t>梳理音乐节管理系统、Spring Boot与Vue技术的研究成果与进展</a:t>
-            </a:r>
-            <a:endParaRPr lang="en-US" sz="1600" dirty="0"/>
-          </a:p>
-        </p:txBody>
-      </p:sp>
-      <p:sp>
-        <p:nvSpPr>
-          <p:cNvPr id="17" name="Shape 15"/>
-          <p:cNvSpPr/>
-          <p:nvPr/>
-        </p:nvSpPr>
-        <p:spPr>
-          <a:xfrm>
-            <a:off x="533400" y="4165600"/>
-            <a:ext cx="7442200" cy="1295400"/>
-          </a:xfrm>
-          <a:custGeom>
-            <a:avLst/>
-            <a:gdLst/>
-            <a:ahLst/>
-            <a:cxnLst/>
-            <a:rect l="l" t="t" r="r" b="b"/>
-            <a:pathLst>
-              <a:path w="7442200" h="1295400">
-                <a:moveTo>
-                  <a:pt x="50800" y="0"/>
-                </a:moveTo>
-                <a:lnTo>
-                  <a:pt x="7340602" y="0"/>
-                </a:lnTo>
-                <a:cubicBezTo>
-                  <a:pt x="7396713" y="0"/>
-                  <a:pt x="7442200" y="45487"/>
-                  <a:pt x="7442200" y="101598"/>
-                </a:cubicBezTo>
-                <a:lnTo>
-                  <a:pt x="7442200" y="1193802"/>
-                </a:lnTo>
-                <a:cubicBezTo>
-                  <a:pt x="7442200" y="1249913"/>
-                  <a:pt x="7396713" y="1295400"/>
-                  <a:pt x="7340602" y="1295400"/>
-                </a:cubicBezTo>
-                <a:lnTo>
-                  <a:pt x="50800" y="1295400"/>
-                </a:lnTo>
-                <a:cubicBezTo>
-                  <a:pt x="22763" y="1295400"/>
-                  <a:pt x="0" y="1272637"/>
-                  <a:pt x="0" y="1244600"/>
-                </a:cubicBezTo>
-                <a:lnTo>
-                  <a:pt x="0" y="50800"/>
-                </a:lnTo>
-                <a:cubicBezTo>
-                  <a:pt x="0" y="22763"/>
-                  <a:pt x="22763" y="0"/>
-                  <a:pt x="50800" y="0"/>
-                </a:cubicBezTo>
-                <a:close/>
-              </a:path>
-            </a:pathLst>
-          </a:custGeom>
-          <a:solidFill>
-            <a:srgbClr val="5F7A8D">
-              <a:alpha val="10196"/>
-            </a:srgbClr>
-          </a:solidFill>
-        </p:spPr>
-      </p:sp>
-      <p:sp>
-        <p:nvSpPr>
-          <p:cNvPr id="18" name="Shape 16"/>
-          <p:cNvSpPr/>
-          <p:nvPr/>
-        </p:nvSpPr>
-        <p:spPr>
-          <a:xfrm>
-            <a:off x="533400" y="4165600"/>
-            <a:ext cx="50800" cy="1295400"/>
-          </a:xfrm>
-          <a:custGeom>
-            <a:avLst/>
-            <a:gdLst/>
-            <a:ahLst/>
-            <a:cxnLst/>
-            <a:rect l="l" t="t" r="r" b="b"/>
-            <a:pathLst>
-              <a:path w="50800" h="1295400">
-                <a:moveTo>
-                  <a:pt x="50800" y="0"/>
-                </a:moveTo>
-                <a:lnTo>
-                  <a:pt x="50800" y="0"/>
-                </a:lnTo>
-                <a:lnTo>
-                  <a:pt x="50800" y="1295400"/>
-                </a:lnTo>
-                <a:lnTo>
-                  <a:pt x="50800" y="1295400"/>
-                </a:lnTo>
-                <a:cubicBezTo>
-                  <a:pt x="22763" y="1295400"/>
-                  <a:pt x="0" y="1272637"/>
-                  <a:pt x="0" y="1244600"/>
-                </a:cubicBezTo>
-                <a:lnTo>
-                  <a:pt x="0" y="50800"/>
-                </a:lnTo>
-                <a:cubicBezTo>
-                  <a:pt x="0" y="22763"/>
-                  <a:pt x="22763" y="0"/>
-                  <a:pt x="50800" y="0"/>
-                </a:cubicBezTo>
-                <a:close/>
-              </a:path>
-            </a:pathLst>
-          </a:custGeom>
-          <a:solidFill>
-            <a:srgbClr val="8D99AE"/>
-          </a:solidFill>
-        </p:spPr>
-      </p:sp>
-      <p:sp>
-        <p:nvSpPr>
-          <p:cNvPr id="19" name="Shape 17"/>
-          <p:cNvSpPr/>
-          <p:nvPr/>
-        </p:nvSpPr>
-        <p:spPr>
-          <a:xfrm>
-            <a:off x="812800" y="4419600"/>
-            <a:ext cx="711200" cy="711200"/>
-          </a:xfrm>
-          <a:custGeom>
-            <a:avLst/>
-            <a:gdLst/>
-            <a:ahLst/>
-            <a:cxnLst/>
-            <a:rect l="l" t="t" r="r" b="b"/>
-            <a:pathLst>
-              <a:path w="711200" h="711200">
-                <a:moveTo>
-                  <a:pt x="101602" y="0"/>
-                </a:moveTo>
-                <a:lnTo>
-                  <a:pt x="609598" y="0"/>
-                </a:lnTo>
-                <a:cubicBezTo>
-                  <a:pt x="665711" y="0"/>
-                  <a:pt x="711200" y="45489"/>
-                  <a:pt x="711200" y="101602"/>
-                </a:cubicBezTo>
-                <a:lnTo>
-                  <a:pt x="711200" y="609598"/>
-                </a:lnTo>
-                <a:cubicBezTo>
-                  <a:pt x="711200" y="665711"/>
-                  <a:pt x="665711" y="711200"/>
-                  <a:pt x="609598" y="711200"/>
-                </a:cubicBezTo>
-                <a:lnTo>
-                  <a:pt x="101602" y="711200"/>
-                </a:lnTo>
-                <a:cubicBezTo>
-                  <a:pt x="45489" y="711200"/>
-                  <a:pt x="0" y="665711"/>
-                  <a:pt x="0" y="609598"/>
-                </a:cubicBezTo>
-                <a:lnTo>
-                  <a:pt x="0" y="101602"/>
-                </a:lnTo>
-                <a:cubicBezTo>
-                  <a:pt x="0" y="45526"/>
-                  <a:pt x="45526" y="0"/>
-                  <a:pt x="101602" y="0"/>
-                </a:cubicBezTo>
-                <a:close/>
-              </a:path>
-            </a:pathLst>
-          </a:custGeom>
-          <a:solidFill>
-            <a:srgbClr val="8D99AE"/>
-          </a:solidFill>
-        </p:spPr>
-      </p:sp>
-      <p:sp>
-        <p:nvSpPr>
-          <p:cNvPr id="20" name="Text 18"/>
-          <p:cNvSpPr/>
-          <p:nvPr/>
-        </p:nvSpPr>
-        <p:spPr>
-          <a:xfrm>
-            <a:off x="988417" y="4572000"/>
-            <a:ext cx="508000" cy="406400"/>
-          </a:xfrm>
-          <a:prstGeom prst="rect">
-            <a:avLst/>
-          </a:prstGeom>
-          <a:noFill/>
-        </p:spPr>
-        <p:txBody>
-          <a:bodyPr wrap="square" lIns="0" tIns="0" rIns="0" bIns="0" rtlCol="0" anchor="ctr"/>
-          <a:lstStyle/>
-          <a:p>
-            <a:pPr>
-              <a:lnSpc>
-                <a:spcPct val="110000"/>
-              </a:lnSpc>
-            </a:pPr>
-            <a:r>
-              <a:rPr lang="en-US" sz="2400" b="1" dirty="0">
-                <a:solidFill>
-                  <a:srgbClr val="1A1D24"/>
-                </a:solidFill>
-                <a:latin typeface="阿里妈妈数黑体" pitchFamily="34" charset="-122"/>
-                <a:ea typeface="阿里妈妈数黑体" pitchFamily="34" charset="-122"/>
-                <a:cs typeface="阿里妈妈数黑体" pitchFamily="34" charset="-120"/>
-              </a:rPr>
-              <a:t>03</a:t>
-            </a:r>
-            <a:endParaRPr lang="en-US" sz="1600" dirty="0"/>
-          </a:p>
-        </p:txBody>
-      </p:sp>
-      <p:sp>
-        <p:nvSpPr>
-          <p:cNvPr id="21" name="Text 19"/>
-          <p:cNvSpPr/>
-          <p:nvPr/>
-        </p:nvSpPr>
-        <p:spPr>
-          <a:xfrm>
-            <a:off x="1727200" y="4419600"/>
-            <a:ext cx="5207000" cy="355600"/>
-          </a:xfrm>
-          <a:prstGeom prst="rect">
-            <a:avLst/>
-          </a:prstGeom>
-          <a:noFill/>
-        </p:spPr>
-        <p:txBody>
-          <a:bodyPr wrap="square" lIns="0" tIns="0" rIns="0" bIns="0" rtlCol="0" anchor="ctr"/>
-          <a:lstStyle/>
-          <a:p>
-            <a:pPr>
-              <a:lnSpc>
-                <a:spcPct val="120000"/>
-              </a:lnSpc>
-            </a:pPr>
-            <a:r>
-              <a:rPr lang="en-US" sz="2000" b="1" dirty="0">
-                <a:solidFill>
-                  <a:srgbClr val="F0F2F5"/>
-                </a:solidFill>
-                <a:latin typeface="阿里妈妈数黑体" pitchFamily="34" charset="-122"/>
-                <a:ea typeface="阿里妈妈数黑体" pitchFamily="34" charset="-122"/>
-                <a:cs typeface="阿里妈妈数黑体" pitchFamily="34" charset="-120"/>
-              </a:rPr>
-              <a:t>研究内容与目标</a:t>
-            </a:r>
-            <a:endParaRPr lang="en-US" sz="1600" dirty="0"/>
-          </a:p>
-        </p:txBody>
-      </p:sp>
-      <p:sp>
-        <p:nvSpPr>
-          <p:cNvPr id="22" name="Text 20"/>
-          <p:cNvSpPr/>
-          <p:nvPr/>
-        </p:nvSpPr>
-        <p:spPr>
-          <a:xfrm>
-            <a:off x="1727200" y="4876800"/>
-            <a:ext cx="5181600" cy="330200"/>
-          </a:xfrm>
-          <a:prstGeom prst="rect">
-            <a:avLst/>
-          </a:prstGeom>
-          <a:noFill/>
-        </p:spPr>
-        <p:txBody>
-          <a:bodyPr wrap="square" lIns="0" tIns="0" rIns="0" bIns="0" rtlCol="0" anchor="ctr"/>
-          <a:lstStyle/>
-          <a:p>
-            <a:pPr>
-              <a:lnSpc>
-                <a:spcPct val="140000"/>
-              </a:lnSpc>
-            </a:pPr>
-            <a:r>
-              <a:rPr lang="en-US" sz="1600" dirty="0">
-                <a:solidFill>
-                  <a:srgbClr val="8D99AE"/>
-                </a:solidFill>
-                <a:latin typeface="MiSans" pitchFamily="34" charset="-122"/>
-                <a:ea typeface="MiSans" pitchFamily="34" charset="-122"/>
-                <a:cs typeface="MiSans" pitchFamily="34" charset="-120"/>
-              </a:rPr>
-              <a:t>明确系统功能模块、性能需求与设计目标，界定研究边界</a:t>
-            </a:r>
-            <a:endParaRPr lang="en-US" sz="1600" dirty="0"/>
-          </a:p>
-        </p:txBody>
-      </p:sp>
-      <p:sp>
-        <p:nvSpPr>
-          <p:cNvPr id="23" name="Shape 21"/>
-          <p:cNvSpPr/>
-          <p:nvPr/>
-        </p:nvSpPr>
-        <p:spPr>
-          <a:xfrm>
-            <a:off x="8305800" y="4165600"/>
-            <a:ext cx="7442200" cy="1295400"/>
-          </a:xfrm>
-          <a:custGeom>
-            <a:avLst/>
-            <a:gdLst/>
-            <a:ahLst/>
-            <a:cxnLst/>
-            <a:rect l="l" t="t" r="r" b="b"/>
-            <a:pathLst>
-              <a:path w="7442200" h="1295400">
-                <a:moveTo>
-                  <a:pt x="50800" y="0"/>
-                </a:moveTo>
-                <a:lnTo>
-                  <a:pt x="7340602" y="0"/>
-                </a:lnTo>
-                <a:cubicBezTo>
-                  <a:pt x="7396713" y="0"/>
-                  <a:pt x="7442200" y="45487"/>
-                  <a:pt x="7442200" y="101598"/>
-                </a:cubicBezTo>
-                <a:lnTo>
-                  <a:pt x="7442200" y="1193802"/>
-                </a:lnTo>
-                <a:cubicBezTo>
-                  <a:pt x="7442200" y="1249913"/>
-                  <a:pt x="7396713" y="1295400"/>
-                  <a:pt x="7340602" y="1295400"/>
-                </a:cubicBezTo>
-                <a:lnTo>
-                  <a:pt x="50800" y="1295400"/>
-                </a:lnTo>
-                <a:cubicBezTo>
-                  <a:pt x="22763" y="1295400"/>
-                  <a:pt x="0" y="1272637"/>
-                  <a:pt x="0" y="1244600"/>
-                </a:cubicBezTo>
-                <a:lnTo>
-                  <a:pt x="0" y="50800"/>
-                </a:lnTo>
-                <a:cubicBezTo>
-                  <a:pt x="0" y="22763"/>
-                  <a:pt x="22763" y="0"/>
-                  <a:pt x="50800" y="0"/>
-                </a:cubicBezTo>
-                <a:close/>
-              </a:path>
-            </a:pathLst>
-          </a:custGeom>
-          <a:solidFill>
-            <a:srgbClr val="5F7A8D">
-              <a:alpha val="10196"/>
-            </a:srgbClr>
-          </a:solidFill>
-        </p:spPr>
-      </p:sp>
-      <p:sp>
-        <p:nvSpPr>
-          <p:cNvPr id="24" name="Shape 22"/>
-          <p:cNvSpPr/>
-          <p:nvPr/>
-        </p:nvSpPr>
-        <p:spPr>
-          <a:xfrm>
-            <a:off x="8305800" y="4165600"/>
-            <a:ext cx="50800" cy="1295400"/>
-          </a:xfrm>
-          <a:custGeom>
-            <a:avLst/>
-            <a:gdLst/>
-            <a:ahLst/>
-            <a:cxnLst/>
-            <a:rect l="l" t="t" r="r" b="b"/>
-            <a:pathLst>
-              <a:path w="50800" h="1295400">
-                <a:moveTo>
-                  <a:pt x="50800" y="0"/>
-                </a:moveTo>
-                <a:lnTo>
-                  <a:pt x="50800" y="0"/>
-                </a:lnTo>
-                <a:lnTo>
-                  <a:pt x="50800" y="1295400"/>
-                </a:lnTo>
-                <a:lnTo>
-                  <a:pt x="50800" y="1295400"/>
-                </a:lnTo>
-                <a:cubicBezTo>
-                  <a:pt x="22763" y="1295400"/>
-                  <a:pt x="0" y="1272637"/>
-                  <a:pt x="0" y="1244600"/>
-                </a:cubicBezTo>
-                <a:lnTo>
-                  <a:pt x="0" y="50800"/>
-                </a:lnTo>
-                <a:cubicBezTo>
-                  <a:pt x="0" y="22763"/>
-                  <a:pt x="22763" y="0"/>
-                  <a:pt x="50800" y="0"/>
-                </a:cubicBezTo>
-                <a:close/>
-              </a:path>
-            </a:pathLst>
-          </a:custGeom>
-          <a:solidFill>
-            <a:srgbClr val="E07A5F"/>
-          </a:solidFill>
-        </p:spPr>
-      </p:sp>
-      <p:sp>
-        <p:nvSpPr>
-          <p:cNvPr id="25" name="Shape 23"/>
-          <p:cNvSpPr/>
-          <p:nvPr/>
-        </p:nvSpPr>
-        <p:spPr>
-          <a:xfrm>
-            <a:off x="8585200" y="4419600"/>
-            <a:ext cx="711200" cy="711200"/>
-          </a:xfrm>
-          <a:custGeom>
-            <a:avLst/>
-            <a:gdLst/>
-            <a:ahLst/>
-            <a:cxnLst/>
-            <a:rect l="l" t="t" r="r" b="b"/>
-            <a:pathLst>
-              <a:path w="711200" h="711200">
-                <a:moveTo>
-                  <a:pt x="101602" y="0"/>
-                </a:moveTo>
-                <a:lnTo>
-                  <a:pt x="609598" y="0"/>
-                </a:lnTo>
-                <a:cubicBezTo>
-                  <a:pt x="665711" y="0"/>
-                  <a:pt x="711200" y="45489"/>
-                  <a:pt x="711200" y="101602"/>
-                </a:cubicBezTo>
-                <a:lnTo>
-                  <a:pt x="711200" y="609598"/>
-                </a:lnTo>
-                <a:cubicBezTo>
-                  <a:pt x="711200" y="665711"/>
-                  <a:pt x="665711" y="711200"/>
-                  <a:pt x="609598" y="711200"/>
-                </a:cubicBezTo>
-                <a:lnTo>
-                  <a:pt x="101602" y="711200"/>
-                </a:lnTo>
-                <a:cubicBezTo>
-                  <a:pt x="45489" y="711200"/>
-                  <a:pt x="0" y="665711"/>
-                  <a:pt x="0" y="609598"/>
-                </a:cubicBezTo>
-                <a:lnTo>
-                  <a:pt x="0" y="101602"/>
-                </a:lnTo>
-                <a:cubicBezTo>
-                  <a:pt x="0" y="45526"/>
-                  <a:pt x="45526" y="0"/>
-                  <a:pt x="101602" y="0"/>
-                </a:cubicBezTo>
-                <a:close/>
-              </a:path>
-            </a:pathLst>
-          </a:custGeom>
-          <a:solidFill>
-            <a:srgbClr val="E07A5F"/>
-          </a:solidFill>
-        </p:spPr>
-      </p:sp>
-      <p:sp>
-        <p:nvSpPr>
-          <p:cNvPr id="26" name="Text 24"/>
-          <p:cNvSpPr/>
-          <p:nvPr/>
-        </p:nvSpPr>
-        <p:spPr>
-          <a:xfrm>
-            <a:off x="8760817" y="4572000"/>
-            <a:ext cx="508000" cy="406400"/>
-          </a:xfrm>
-          <a:prstGeom prst="rect">
-            <a:avLst/>
-          </a:prstGeom>
-          <a:noFill/>
-        </p:spPr>
-        <p:txBody>
-          <a:bodyPr wrap="square" lIns="0" tIns="0" rIns="0" bIns="0" rtlCol="0" anchor="ctr"/>
-          <a:lstStyle/>
-          <a:p>
-            <a:pPr>
-              <a:lnSpc>
-                <a:spcPct val="110000"/>
-              </a:lnSpc>
-            </a:pPr>
-            <a:r>
-              <a:rPr lang="en-US" sz="2400" b="1" dirty="0">
-                <a:solidFill>
-                  <a:srgbClr val="1A1D24"/>
-                </a:solidFill>
-                <a:latin typeface="阿里妈妈数黑体" pitchFamily="34" charset="-122"/>
-                <a:ea typeface="阿里妈妈数黑体" pitchFamily="34" charset="-122"/>
-                <a:cs typeface="阿里妈妈数黑体" pitchFamily="34" charset="-120"/>
-              </a:rPr>
-              <a:t>04</a:t>
-            </a:r>
-            <a:endParaRPr lang="en-US" sz="1600" dirty="0"/>
-          </a:p>
-        </p:txBody>
-      </p:sp>
-      <p:sp>
-        <p:nvSpPr>
-          <p:cNvPr id="27" name="Text 25"/>
-          <p:cNvSpPr/>
-          <p:nvPr/>
-        </p:nvSpPr>
-        <p:spPr>
-          <a:xfrm>
-            <a:off x="9499600" y="4419600"/>
-            <a:ext cx="4800600" cy="355600"/>
-          </a:xfrm>
-          <a:prstGeom prst="rect">
-            <a:avLst/>
-          </a:prstGeom>
-          <a:noFill/>
-        </p:spPr>
-        <p:txBody>
-          <a:bodyPr wrap="square" lIns="0" tIns="0" rIns="0" bIns="0" rtlCol="0" anchor="ctr"/>
-          <a:lstStyle/>
-          <a:p>
-            <a:pPr>
-              <a:lnSpc>
-                <a:spcPct val="120000"/>
-              </a:lnSpc>
-            </a:pPr>
-            <a:r>
-              <a:rPr lang="en-US" sz="2000" b="1" dirty="0">
-                <a:solidFill>
-                  <a:srgbClr val="F0F2F5"/>
-                </a:solidFill>
-                <a:latin typeface="阿里妈妈数黑体" pitchFamily="34" charset="-122"/>
-                <a:ea typeface="阿里妈妈数黑体" pitchFamily="34" charset="-122"/>
-                <a:cs typeface="阿里妈妈数黑体" pitchFamily="34" charset="-120"/>
-              </a:rPr>
-              <a:t>关键技术路线</a:t>
-            </a:r>
-            <a:endParaRPr lang="en-US" sz="1600" dirty="0"/>
-          </a:p>
-        </p:txBody>
-      </p:sp>
-      <p:sp>
-        <p:nvSpPr>
-          <p:cNvPr id="28" name="Text 26"/>
-          <p:cNvSpPr/>
-          <p:nvPr/>
-        </p:nvSpPr>
-        <p:spPr>
-          <a:xfrm>
-            <a:off x="9499600" y="4876800"/>
-            <a:ext cx="4775200" cy="330200"/>
-          </a:xfrm>
-          <a:prstGeom prst="rect">
-            <a:avLst/>
-          </a:prstGeom>
-          <a:noFill/>
-        </p:spPr>
-        <p:txBody>
-          <a:bodyPr wrap="square" lIns="0" tIns="0" rIns="0" bIns="0" rtlCol="0" anchor="ctr"/>
-          <a:lstStyle/>
-          <a:p>
-            <a:pPr>
-              <a:lnSpc>
-                <a:spcPct val="140000"/>
-              </a:lnSpc>
-            </a:pPr>
-            <a:r>
-              <a:rPr lang="en-US" sz="1600" dirty="0">
-                <a:solidFill>
-                  <a:srgbClr val="8D99AE"/>
-                </a:solidFill>
-                <a:latin typeface="MiSans" pitchFamily="34" charset="-122"/>
-                <a:ea typeface="MiSans" pitchFamily="34" charset="-122"/>
-                <a:cs typeface="MiSans" pitchFamily="34" charset="-120"/>
-              </a:rPr>
-              <a:t>说明后端、前端及第三方服务的技术选型与集成方案</a:t>
-            </a:r>
-            <a:endParaRPr lang="en-US" sz="1600" dirty="0"/>
-          </a:p>
-        </p:txBody>
-      </p:sp>
-      <p:sp>
-        <p:nvSpPr>
-          <p:cNvPr id="29" name="Shape 27"/>
-          <p:cNvSpPr/>
-          <p:nvPr/>
-        </p:nvSpPr>
-        <p:spPr>
-          <a:xfrm>
-            <a:off x="533400" y="5715000"/>
-            <a:ext cx="7442200" cy="1295400"/>
-          </a:xfrm>
-          <a:custGeom>
-            <a:avLst/>
-            <a:gdLst/>
-            <a:ahLst/>
-            <a:cxnLst/>
-            <a:rect l="l" t="t" r="r" b="b"/>
-            <a:pathLst>
-              <a:path w="7442200" h="1295400">
-                <a:moveTo>
-                  <a:pt x="50800" y="0"/>
-                </a:moveTo>
-                <a:lnTo>
-                  <a:pt x="7340602" y="0"/>
-                </a:lnTo>
-                <a:cubicBezTo>
-                  <a:pt x="7396713" y="0"/>
-                  <a:pt x="7442200" y="45487"/>
-                  <a:pt x="7442200" y="101598"/>
-                </a:cubicBezTo>
-                <a:lnTo>
-                  <a:pt x="7442200" y="1193802"/>
-                </a:lnTo>
-                <a:cubicBezTo>
-                  <a:pt x="7442200" y="1249913"/>
-                  <a:pt x="7396713" y="1295400"/>
-                  <a:pt x="7340602" y="1295400"/>
-                </a:cubicBezTo>
-                <a:lnTo>
-                  <a:pt x="50800" y="1295400"/>
-                </a:lnTo>
-                <a:cubicBezTo>
-                  <a:pt x="22763" y="1295400"/>
-                  <a:pt x="0" y="1272637"/>
-                  <a:pt x="0" y="1244600"/>
-                </a:cubicBezTo>
-                <a:lnTo>
-                  <a:pt x="0" y="50800"/>
-                </a:lnTo>
-                <a:cubicBezTo>
-                  <a:pt x="0" y="22763"/>
-                  <a:pt x="22763" y="0"/>
-                  <a:pt x="50800" y="0"/>
-                </a:cubicBezTo>
-                <a:close/>
-              </a:path>
-            </a:pathLst>
-          </a:custGeom>
-          <a:solidFill>
-            <a:srgbClr val="5F7A8D">
-              <a:alpha val="10196"/>
-            </a:srgbClr>
-          </a:solidFill>
-        </p:spPr>
-      </p:sp>
-      <p:sp>
-        <p:nvSpPr>
-          <p:cNvPr id="30" name="Shape 28"/>
-          <p:cNvSpPr/>
-          <p:nvPr/>
-        </p:nvSpPr>
-        <p:spPr>
-          <a:xfrm>
-            <a:off x="533400" y="5715000"/>
-            <a:ext cx="50800" cy="1295400"/>
-          </a:xfrm>
-          <a:custGeom>
-            <a:avLst/>
-            <a:gdLst/>
-            <a:ahLst/>
-            <a:cxnLst/>
-            <a:rect l="l" t="t" r="r" b="b"/>
-            <a:pathLst>
-              <a:path w="50800" h="1295400">
-                <a:moveTo>
-                  <a:pt x="50800" y="0"/>
-                </a:moveTo>
-                <a:lnTo>
-                  <a:pt x="50800" y="0"/>
-                </a:lnTo>
-                <a:lnTo>
-                  <a:pt x="50800" y="1295400"/>
-                </a:lnTo>
-                <a:lnTo>
-                  <a:pt x="50800" y="1295400"/>
-                </a:lnTo>
-                <a:cubicBezTo>
-                  <a:pt x="22763" y="1295400"/>
-                  <a:pt x="0" y="1272637"/>
-                  <a:pt x="0" y="1244600"/>
-                </a:cubicBezTo>
-                <a:lnTo>
-                  <a:pt x="0" y="50800"/>
-                </a:lnTo>
-                <a:cubicBezTo>
-                  <a:pt x="0" y="22763"/>
-                  <a:pt x="22763" y="0"/>
-                  <a:pt x="50800" y="0"/>
-                </a:cubicBezTo>
-                <a:close/>
-              </a:path>
-            </a:pathLst>
-          </a:custGeom>
-          <a:solidFill>
-            <a:srgbClr val="5F7A8D"/>
-          </a:solidFill>
-        </p:spPr>
-      </p:sp>
-      <p:sp>
-        <p:nvSpPr>
-          <p:cNvPr id="31" name="Shape 29"/>
-          <p:cNvSpPr/>
-          <p:nvPr/>
-        </p:nvSpPr>
-        <p:spPr>
-          <a:xfrm>
-            <a:off x="812800" y="5969000"/>
-            <a:ext cx="711200" cy="711200"/>
-          </a:xfrm>
-          <a:custGeom>
-            <a:avLst/>
-            <a:gdLst/>
-            <a:ahLst/>
-            <a:cxnLst/>
-            <a:rect l="l" t="t" r="r" b="b"/>
-            <a:pathLst>
-              <a:path w="711200" h="711200">
-                <a:moveTo>
-                  <a:pt x="101602" y="0"/>
-                </a:moveTo>
-                <a:lnTo>
-                  <a:pt x="609598" y="0"/>
-                </a:lnTo>
-                <a:cubicBezTo>
-                  <a:pt x="665711" y="0"/>
-                  <a:pt x="711200" y="45489"/>
-                  <a:pt x="711200" y="101602"/>
-                </a:cubicBezTo>
-                <a:lnTo>
-                  <a:pt x="711200" y="609598"/>
-                </a:lnTo>
-                <a:cubicBezTo>
-                  <a:pt x="711200" y="665711"/>
-                  <a:pt x="665711" y="711200"/>
-                  <a:pt x="609598" y="711200"/>
-                </a:cubicBezTo>
-                <a:lnTo>
-                  <a:pt x="101602" y="711200"/>
-                </a:lnTo>
-                <a:cubicBezTo>
-                  <a:pt x="45489" y="711200"/>
-                  <a:pt x="0" y="665711"/>
-                  <a:pt x="0" y="609598"/>
-                </a:cubicBezTo>
-                <a:lnTo>
-                  <a:pt x="0" y="101602"/>
-                </a:lnTo>
-                <a:cubicBezTo>
-                  <a:pt x="0" y="45526"/>
-                  <a:pt x="45526" y="0"/>
-                  <a:pt x="101602" y="0"/>
-                </a:cubicBezTo>
-                <a:close/>
-              </a:path>
-            </a:pathLst>
-          </a:custGeom>
-          <a:solidFill>
-            <a:srgbClr val="5F7A8D"/>
-          </a:solidFill>
-        </p:spPr>
-      </p:sp>
-      <p:sp>
-        <p:nvSpPr>
-          <p:cNvPr id="32" name="Text 30"/>
-          <p:cNvSpPr/>
-          <p:nvPr/>
-        </p:nvSpPr>
-        <p:spPr>
-          <a:xfrm>
-            <a:off x="988417" y="6121400"/>
-            <a:ext cx="508000" cy="406400"/>
-          </a:xfrm>
-          <a:prstGeom prst="rect">
-            <a:avLst/>
-          </a:prstGeom>
-          <a:noFill/>
-        </p:spPr>
-        <p:txBody>
-          <a:bodyPr wrap="square" lIns="0" tIns="0" rIns="0" bIns="0" rtlCol="0" anchor="ctr"/>
-          <a:lstStyle/>
-          <a:p>
-            <a:pPr>
-              <a:lnSpc>
-                <a:spcPct val="110000"/>
-              </a:lnSpc>
-            </a:pPr>
-            <a:r>
-              <a:rPr lang="en-US" sz="2400" b="1" dirty="0">
-                <a:solidFill>
-                  <a:srgbClr val="F0F2F5"/>
-                </a:solidFill>
-                <a:latin typeface="阿里妈妈数黑体" pitchFamily="34" charset="-122"/>
-                <a:ea typeface="阿里妈妈数黑体" pitchFamily="34" charset="-122"/>
-                <a:cs typeface="阿里妈妈数黑体" pitchFamily="34" charset="-120"/>
-              </a:rPr>
-              <a:t>05</a:t>
-            </a:r>
-            <a:endParaRPr lang="en-US" sz="1600" dirty="0"/>
-          </a:p>
-        </p:txBody>
-      </p:sp>
-      <p:sp>
-        <p:nvSpPr>
-          <p:cNvPr id="33" name="Text 31"/>
-          <p:cNvSpPr/>
-          <p:nvPr/>
-        </p:nvSpPr>
-        <p:spPr>
-          <a:xfrm>
-            <a:off x="1727200" y="5969000"/>
-            <a:ext cx="5143500" cy="355600"/>
-          </a:xfrm>
-          <a:prstGeom prst="rect">
-            <a:avLst/>
-          </a:prstGeom>
-          <a:noFill/>
-        </p:spPr>
-        <p:txBody>
-          <a:bodyPr wrap="square" lIns="0" tIns="0" rIns="0" bIns="0" rtlCol="0" anchor="ctr"/>
-          <a:lstStyle/>
-          <a:p>
-            <a:pPr>
-              <a:lnSpc>
-                <a:spcPct val="120000"/>
-              </a:lnSpc>
-            </a:pPr>
-            <a:r>
-              <a:rPr lang="en-US" sz="2000" b="1" dirty="0">
-                <a:solidFill>
-                  <a:srgbClr val="F0F2F5"/>
-                </a:solidFill>
-                <a:latin typeface="阿里妈妈数黑体" pitchFamily="34" charset="-122"/>
-                <a:ea typeface="阿里妈妈数黑体" pitchFamily="34" charset="-122"/>
-                <a:cs typeface="阿里妈妈数黑体" pitchFamily="34" charset="-120"/>
-              </a:rPr>
-              <a:t>系统架构设计</a:t>
-            </a:r>
-            <a:endParaRPr lang="en-US" sz="1600" dirty="0"/>
-          </a:p>
-        </p:txBody>
-      </p:sp>
-      <p:sp>
-        <p:nvSpPr>
-          <p:cNvPr id="34" name="Text 32"/>
-          <p:cNvSpPr/>
-          <p:nvPr/>
-        </p:nvSpPr>
-        <p:spPr>
-          <a:xfrm>
-            <a:off x="1727200" y="6426200"/>
-            <a:ext cx="5118100" cy="330200"/>
-          </a:xfrm>
-          <a:prstGeom prst="rect">
-            <a:avLst/>
-          </a:prstGeom>
-          <a:noFill/>
-        </p:spPr>
-        <p:txBody>
-          <a:bodyPr wrap="square" lIns="0" tIns="0" rIns="0" bIns="0" rtlCol="0" anchor="ctr"/>
-          <a:lstStyle/>
-          <a:p>
-            <a:pPr>
-              <a:lnSpc>
-                <a:spcPct val="140000"/>
-              </a:lnSpc>
-            </a:pPr>
-            <a:r>
-              <a:rPr lang="en-US" sz="1600" dirty="0">
-                <a:solidFill>
-                  <a:srgbClr val="8D99AE"/>
-                </a:solidFill>
-                <a:latin typeface="MiSans" pitchFamily="34" charset="-122"/>
-                <a:ea typeface="MiSans" pitchFamily="34" charset="-122"/>
-                <a:cs typeface="MiSans" pitchFamily="34" charset="-120"/>
-              </a:rPr>
-              <a:t>展示系统总体架构、功能模块划分与数据库E-R模型设计</a:t>
-            </a:r>
-            <a:endParaRPr lang="en-US" sz="1600" dirty="0"/>
-          </a:p>
-        </p:txBody>
-      </p:sp>
-      <p:sp>
-        <p:nvSpPr>
-          <p:cNvPr id="35" name="Shape 33"/>
-          <p:cNvSpPr/>
-          <p:nvPr/>
-        </p:nvSpPr>
-        <p:spPr>
-          <a:xfrm>
-            <a:off x="8305800" y="5715000"/>
-            <a:ext cx="7442200" cy="1295400"/>
-          </a:xfrm>
-          <a:custGeom>
-            <a:avLst/>
-            <a:gdLst/>
-            <a:ahLst/>
-            <a:cxnLst/>
-            <a:rect l="l" t="t" r="r" b="b"/>
-            <a:pathLst>
-              <a:path w="7442200" h="1295400">
-                <a:moveTo>
-                  <a:pt x="50800" y="0"/>
-                </a:moveTo>
-                <a:lnTo>
-                  <a:pt x="7340602" y="0"/>
-                </a:lnTo>
-                <a:cubicBezTo>
-                  <a:pt x="7396713" y="0"/>
-                  <a:pt x="7442200" y="45487"/>
-                  <a:pt x="7442200" y="101598"/>
-                </a:cubicBezTo>
-                <a:lnTo>
-                  <a:pt x="7442200" y="1193802"/>
-                </a:lnTo>
-                <a:cubicBezTo>
-                  <a:pt x="7442200" y="1249913"/>
-                  <a:pt x="7396713" y="1295400"/>
-                  <a:pt x="7340602" y="1295400"/>
-                </a:cubicBezTo>
-                <a:lnTo>
-                  <a:pt x="50800" y="1295400"/>
-                </a:lnTo>
-                <a:cubicBezTo>
-                  <a:pt x="22763" y="1295400"/>
-                  <a:pt x="0" y="1272637"/>
-                  <a:pt x="0" y="1244600"/>
-                </a:cubicBezTo>
-                <a:lnTo>
-                  <a:pt x="0" y="50800"/>
-                </a:lnTo>
-                <a:cubicBezTo>
-                  <a:pt x="0" y="22763"/>
-                  <a:pt x="22763" y="0"/>
-                  <a:pt x="50800" y="0"/>
-                </a:cubicBezTo>
-                <a:close/>
-              </a:path>
-            </a:pathLst>
-          </a:custGeom>
-          <a:solidFill>
-            <a:srgbClr val="5F7A8D">
-              <a:alpha val="10196"/>
-            </a:srgbClr>
-          </a:solidFill>
-        </p:spPr>
-      </p:sp>
-      <p:sp>
-        <p:nvSpPr>
-          <p:cNvPr id="36" name="Shape 34"/>
-          <p:cNvSpPr/>
-          <p:nvPr/>
-        </p:nvSpPr>
-        <p:spPr>
-          <a:xfrm>
-            <a:off x="8305800" y="5715000"/>
-            <a:ext cx="50800" cy="1295400"/>
-          </a:xfrm>
-          <a:custGeom>
-            <a:avLst/>
-            <a:gdLst/>
-            <a:ahLst/>
-            <a:cxnLst/>
-            <a:rect l="l" t="t" r="r" b="b"/>
-            <a:pathLst>
-              <a:path w="50800" h="1295400">
-                <a:moveTo>
-                  <a:pt x="50800" y="0"/>
-                </a:moveTo>
-                <a:lnTo>
-                  <a:pt x="50800" y="0"/>
-                </a:lnTo>
-                <a:lnTo>
-                  <a:pt x="50800" y="1295400"/>
-                </a:lnTo>
-                <a:lnTo>
-                  <a:pt x="50800" y="1295400"/>
-                </a:lnTo>
-                <a:cubicBezTo>
-                  <a:pt x="22763" y="1295400"/>
-                  <a:pt x="0" y="1272637"/>
-                  <a:pt x="0" y="1244600"/>
-                </a:cubicBezTo>
-                <a:lnTo>
-                  <a:pt x="0" y="50800"/>
-                </a:lnTo>
-                <a:cubicBezTo>
-                  <a:pt x="0" y="22763"/>
-                  <a:pt x="22763" y="0"/>
-                  <a:pt x="50800" y="0"/>
-                </a:cubicBezTo>
-                <a:close/>
-              </a:path>
-            </a:pathLst>
-          </a:custGeom>
-          <a:solidFill>
-            <a:srgbClr val="8D99AE"/>
-          </a:solidFill>
-        </p:spPr>
-      </p:sp>
-      <p:sp>
-        <p:nvSpPr>
-          <p:cNvPr id="37" name="Shape 35"/>
-          <p:cNvSpPr/>
-          <p:nvPr/>
-        </p:nvSpPr>
-        <p:spPr>
-          <a:xfrm>
-            <a:off x="8585200" y="5969000"/>
-            <a:ext cx="711200" cy="711200"/>
-          </a:xfrm>
-          <a:custGeom>
-            <a:avLst/>
-            <a:gdLst/>
-            <a:ahLst/>
-            <a:cxnLst/>
-            <a:rect l="l" t="t" r="r" b="b"/>
-            <a:pathLst>
-              <a:path w="711200" h="711200">
-                <a:moveTo>
-                  <a:pt x="101602" y="0"/>
-                </a:moveTo>
-                <a:lnTo>
-                  <a:pt x="609598" y="0"/>
-                </a:lnTo>
-                <a:cubicBezTo>
-                  <a:pt x="665711" y="0"/>
-                  <a:pt x="711200" y="45489"/>
-                  <a:pt x="711200" y="101602"/>
-                </a:cubicBezTo>
-                <a:lnTo>
-                  <a:pt x="711200" y="609598"/>
-                </a:lnTo>
-                <a:cubicBezTo>
-                  <a:pt x="711200" y="665711"/>
-                  <a:pt x="665711" y="711200"/>
-                  <a:pt x="609598" y="711200"/>
-                </a:cubicBezTo>
-                <a:lnTo>
-                  <a:pt x="101602" y="711200"/>
-                </a:lnTo>
-                <a:cubicBezTo>
-                  <a:pt x="45489" y="711200"/>
-                  <a:pt x="0" y="665711"/>
-                  <a:pt x="0" y="609598"/>
-                </a:cubicBezTo>
-                <a:lnTo>
-                  <a:pt x="0" y="101602"/>
-                </a:lnTo>
-                <a:cubicBezTo>
-                  <a:pt x="0" y="45526"/>
-                  <a:pt x="45526" y="0"/>
-                  <a:pt x="101602" y="0"/>
-                </a:cubicBezTo>
-                <a:close/>
-              </a:path>
-            </a:pathLst>
-          </a:custGeom>
-          <a:solidFill>
-            <a:srgbClr val="8D99AE"/>
-          </a:solidFill>
-        </p:spPr>
-      </p:sp>
-      <p:sp>
-        <p:nvSpPr>
-          <p:cNvPr id="38" name="Text 36"/>
-          <p:cNvSpPr/>
-          <p:nvPr/>
-        </p:nvSpPr>
-        <p:spPr>
-          <a:xfrm>
-            <a:off x="8760817" y="6121400"/>
-            <a:ext cx="508000" cy="406400"/>
-          </a:xfrm>
-          <a:prstGeom prst="rect">
-            <a:avLst/>
-          </a:prstGeom>
-          <a:noFill/>
-        </p:spPr>
-        <p:txBody>
-          <a:bodyPr wrap="square" lIns="0" tIns="0" rIns="0" bIns="0" rtlCol="0" anchor="ctr"/>
-          <a:lstStyle/>
-          <a:p>
-            <a:pPr>
-              <a:lnSpc>
-                <a:spcPct val="110000"/>
-              </a:lnSpc>
-            </a:pPr>
-            <a:r>
-              <a:rPr lang="en-US" sz="2400" b="1" dirty="0">
-                <a:solidFill>
-                  <a:srgbClr val="1A1D24"/>
-                </a:solidFill>
-                <a:latin typeface="阿里妈妈数黑体" pitchFamily="34" charset="-122"/>
-                <a:ea typeface="阿里妈妈数黑体" pitchFamily="34" charset="-122"/>
-                <a:cs typeface="阿里妈妈数黑体" pitchFamily="34" charset="-120"/>
-              </a:rPr>
-              <a:t>06</a:t>
-            </a:r>
-            <a:endParaRPr lang="en-US" sz="1600" dirty="0"/>
-          </a:p>
-        </p:txBody>
-      </p:sp>
-      <p:sp>
-        <p:nvSpPr>
-          <p:cNvPr id="39" name="Text 37"/>
-          <p:cNvSpPr/>
-          <p:nvPr/>
-        </p:nvSpPr>
-        <p:spPr>
-          <a:xfrm>
-            <a:off x="9499600" y="5969000"/>
-            <a:ext cx="5613400" cy="355600"/>
-          </a:xfrm>
-          <a:prstGeom prst="rect">
-            <a:avLst/>
-          </a:prstGeom>
-          <a:noFill/>
-        </p:spPr>
-        <p:txBody>
-          <a:bodyPr wrap="square" lIns="0" tIns="0" rIns="0" bIns="0" rtlCol="0" anchor="ctr"/>
-          <a:lstStyle/>
-          <a:p>
-            <a:pPr>
-              <a:lnSpc>
-                <a:spcPct val="120000"/>
-              </a:lnSpc>
-            </a:pPr>
-            <a:r>
-              <a:rPr lang="en-US" sz="2000" b="1" dirty="0">
-                <a:solidFill>
-                  <a:srgbClr val="F0F2F5"/>
-                </a:solidFill>
-                <a:latin typeface="阿里妈妈数黑体" pitchFamily="34" charset="-122"/>
-                <a:ea typeface="阿里妈妈数黑体" pitchFamily="34" charset="-122"/>
-                <a:cs typeface="阿里妈妈数黑体" pitchFamily="34" charset="-120"/>
-              </a:rPr>
-              <a:t>重点难点分析</a:t>
-            </a:r>
-            <a:endParaRPr lang="en-US" sz="1600" dirty="0"/>
-          </a:p>
-        </p:txBody>
-      </p:sp>
-      <p:sp>
-        <p:nvSpPr>
-          <p:cNvPr id="40" name="Text 38"/>
-          <p:cNvSpPr/>
-          <p:nvPr/>
-        </p:nvSpPr>
-        <p:spPr>
-          <a:xfrm>
-            <a:off x="9499600" y="6426200"/>
-            <a:ext cx="5588000" cy="330200"/>
-          </a:xfrm>
-          <a:prstGeom prst="rect">
-            <a:avLst/>
-          </a:prstGeom>
-          <a:noFill/>
-        </p:spPr>
-        <p:txBody>
-          <a:bodyPr wrap="square" lIns="0" tIns="0" rIns="0" bIns="0" rtlCol="0" anchor="ctr"/>
-          <a:lstStyle/>
-          <a:p>
-            <a:pPr>
-              <a:lnSpc>
-                <a:spcPct val="140000"/>
-              </a:lnSpc>
-            </a:pPr>
-            <a:r>
-              <a:rPr lang="en-US" sz="1600" dirty="0">
-                <a:solidFill>
-                  <a:srgbClr val="8D99AE"/>
-                </a:solidFill>
-                <a:latin typeface="MiSans" pitchFamily="34" charset="-122"/>
-                <a:ea typeface="MiSans" pitchFamily="34" charset="-122"/>
-                <a:cs typeface="MiSans" pitchFamily="34" charset="-120"/>
-              </a:rPr>
-              <a:t>剖析实名制购票、分区票务、文化打卡等核心功能的技术挑战</a:t>
-            </a:r>
-            <a:endParaRPr lang="en-US" sz="1600" dirty="0"/>
-          </a:p>
-        </p:txBody>
-      </p:sp>
-      <p:sp>
-        <p:nvSpPr>
-          <p:cNvPr id="41" name="Shape 39"/>
-          <p:cNvSpPr/>
-          <p:nvPr/>
-        </p:nvSpPr>
-        <p:spPr>
-          <a:xfrm>
-            <a:off x="533400" y="7264400"/>
-            <a:ext cx="7442200" cy="1295400"/>
-          </a:xfrm>
-          <a:custGeom>
-            <a:avLst/>
-            <a:gdLst/>
-            <a:ahLst/>
-            <a:cxnLst/>
-            <a:rect l="l" t="t" r="r" b="b"/>
-            <a:pathLst>
-              <a:path w="7442200" h="1295400">
-                <a:moveTo>
-                  <a:pt x="50800" y="0"/>
-                </a:moveTo>
-                <a:lnTo>
-                  <a:pt x="7340602" y="0"/>
-                </a:lnTo>
-                <a:cubicBezTo>
-                  <a:pt x="7396713" y="0"/>
-                  <a:pt x="7442200" y="45487"/>
-                  <a:pt x="7442200" y="101598"/>
-                </a:cubicBezTo>
-                <a:lnTo>
-                  <a:pt x="7442200" y="1193802"/>
-                </a:lnTo>
-                <a:cubicBezTo>
-                  <a:pt x="7442200" y="1249913"/>
-                  <a:pt x="7396713" y="1295400"/>
-                  <a:pt x="7340602" y="1295400"/>
-                </a:cubicBezTo>
-                <a:lnTo>
-                  <a:pt x="50800" y="1295400"/>
-                </a:lnTo>
-                <a:cubicBezTo>
-                  <a:pt x="22763" y="1295400"/>
-                  <a:pt x="0" y="1272637"/>
-                  <a:pt x="0" y="1244600"/>
-                </a:cubicBezTo>
-                <a:lnTo>
-                  <a:pt x="0" y="50800"/>
-                </a:lnTo>
-                <a:cubicBezTo>
-                  <a:pt x="0" y="22763"/>
-                  <a:pt x="22763" y="0"/>
-                  <a:pt x="50800" y="0"/>
-                </a:cubicBezTo>
-                <a:close/>
-              </a:path>
-            </a:pathLst>
-          </a:custGeom>
-          <a:solidFill>
-            <a:srgbClr val="5F7A8D">
-              <a:alpha val="10196"/>
-            </a:srgbClr>
-          </a:solidFill>
-        </p:spPr>
-      </p:sp>
-      <p:sp>
-        <p:nvSpPr>
-          <p:cNvPr id="42" name="Shape 40"/>
-          <p:cNvSpPr/>
-          <p:nvPr/>
-        </p:nvSpPr>
-        <p:spPr>
-          <a:xfrm>
-            <a:off x="533400" y="7264400"/>
-            <a:ext cx="50800" cy="1295400"/>
-          </a:xfrm>
-          <a:custGeom>
-            <a:avLst/>
-            <a:gdLst/>
-            <a:ahLst/>
-            <a:cxnLst/>
-            <a:rect l="l" t="t" r="r" b="b"/>
-            <a:pathLst>
-              <a:path w="50800" h="1295400">
-                <a:moveTo>
-                  <a:pt x="50800" y="0"/>
-                </a:moveTo>
-                <a:lnTo>
-                  <a:pt x="50800" y="0"/>
-                </a:lnTo>
-                <a:lnTo>
-                  <a:pt x="50800" y="1295400"/>
-                </a:lnTo>
-                <a:lnTo>
-                  <a:pt x="50800" y="1295400"/>
-                </a:lnTo>
-                <a:cubicBezTo>
-                  <a:pt x="22763" y="1295400"/>
-                  <a:pt x="0" y="1272637"/>
-                  <a:pt x="0" y="1244600"/>
-                </a:cubicBezTo>
-                <a:lnTo>
-                  <a:pt x="0" y="50800"/>
-                </a:lnTo>
-                <a:cubicBezTo>
-                  <a:pt x="0" y="22763"/>
-                  <a:pt x="22763" y="0"/>
-                  <a:pt x="50800" y="0"/>
-                </a:cubicBezTo>
-                <a:close/>
-              </a:path>
-            </a:pathLst>
-          </a:custGeom>
-          <a:solidFill>
-            <a:srgbClr val="E07A5F"/>
-          </a:solidFill>
-        </p:spPr>
-      </p:sp>
-      <p:sp>
-        <p:nvSpPr>
-          <p:cNvPr id="43" name="Shape 41"/>
-          <p:cNvSpPr/>
-          <p:nvPr/>
-        </p:nvSpPr>
-        <p:spPr>
-          <a:xfrm>
-            <a:off x="812800" y="7518400"/>
-            <a:ext cx="711200" cy="711200"/>
-          </a:xfrm>
-          <a:custGeom>
-            <a:avLst/>
-            <a:gdLst/>
-            <a:ahLst/>
-            <a:cxnLst/>
-            <a:rect l="l" t="t" r="r" b="b"/>
-            <a:pathLst>
-              <a:path w="711200" h="711200">
-                <a:moveTo>
-                  <a:pt x="101602" y="0"/>
-                </a:moveTo>
-                <a:lnTo>
-                  <a:pt x="609598" y="0"/>
-                </a:lnTo>
-                <a:cubicBezTo>
-                  <a:pt x="665711" y="0"/>
-                  <a:pt x="711200" y="45489"/>
-                  <a:pt x="711200" y="101602"/>
-                </a:cubicBezTo>
-                <a:lnTo>
-                  <a:pt x="711200" y="609598"/>
-                </a:lnTo>
-                <a:cubicBezTo>
-                  <a:pt x="711200" y="665711"/>
-                  <a:pt x="665711" y="711200"/>
-                  <a:pt x="609598" y="711200"/>
-                </a:cubicBezTo>
-                <a:lnTo>
-                  <a:pt x="101602" y="711200"/>
-                </a:lnTo>
-                <a:cubicBezTo>
-                  <a:pt x="45489" y="711200"/>
-                  <a:pt x="0" y="665711"/>
-                  <a:pt x="0" y="609598"/>
-                </a:cubicBezTo>
-                <a:lnTo>
-                  <a:pt x="0" y="101602"/>
-                </a:lnTo>
-                <a:cubicBezTo>
-                  <a:pt x="0" y="45526"/>
-                  <a:pt x="45526" y="0"/>
-                  <a:pt x="101602" y="0"/>
-                </a:cubicBezTo>
-                <a:close/>
-              </a:path>
-            </a:pathLst>
-          </a:custGeom>
-          <a:solidFill>
-            <a:srgbClr val="E07A5F"/>
-          </a:solidFill>
-        </p:spPr>
-      </p:sp>
-      <p:sp>
-        <p:nvSpPr>
-          <p:cNvPr id="44" name="Text 42"/>
-          <p:cNvSpPr/>
-          <p:nvPr/>
-        </p:nvSpPr>
-        <p:spPr>
-          <a:xfrm>
-            <a:off x="988417" y="7670800"/>
-            <a:ext cx="508000" cy="406400"/>
-          </a:xfrm>
-          <a:prstGeom prst="rect">
-            <a:avLst/>
-          </a:prstGeom>
-          <a:noFill/>
-        </p:spPr>
-        <p:txBody>
-          <a:bodyPr wrap="square" lIns="0" tIns="0" rIns="0" bIns="0" rtlCol="0" anchor="ctr"/>
-          <a:lstStyle/>
-          <a:p>
-            <a:pPr>
-              <a:lnSpc>
-                <a:spcPct val="110000"/>
-              </a:lnSpc>
-            </a:pPr>
-            <a:r>
-              <a:rPr lang="en-US" sz="2400" b="1" dirty="0">
-                <a:solidFill>
-                  <a:srgbClr val="1A1D24"/>
-                </a:solidFill>
-                <a:latin typeface="阿里妈妈数黑体" pitchFamily="34" charset="-122"/>
-                <a:ea typeface="阿里妈妈数黑体" pitchFamily="34" charset="-122"/>
-                <a:cs typeface="阿里妈妈数黑体" pitchFamily="34" charset="-120"/>
-              </a:rPr>
-              <a:t>07</a:t>
-            </a:r>
-            <a:endParaRPr lang="en-US" sz="1600" dirty="0"/>
-          </a:p>
-        </p:txBody>
-      </p:sp>
-      <p:sp>
-        <p:nvSpPr>
-          <p:cNvPr id="45" name="Text 43"/>
-          <p:cNvSpPr/>
-          <p:nvPr/>
-        </p:nvSpPr>
-        <p:spPr>
-          <a:xfrm>
-            <a:off x="1727200" y="7518400"/>
-            <a:ext cx="4800600" cy="355600"/>
-          </a:xfrm>
-          <a:prstGeom prst="rect">
-            <a:avLst/>
-          </a:prstGeom>
-          <a:noFill/>
-        </p:spPr>
-        <p:txBody>
-          <a:bodyPr wrap="square" lIns="0" tIns="0" rIns="0" bIns="0" rtlCol="0" anchor="ctr"/>
-          <a:lstStyle/>
-          <a:p>
-            <a:pPr>
-              <a:lnSpc>
-                <a:spcPct val="120000"/>
-              </a:lnSpc>
-            </a:pPr>
-            <a:r>
-              <a:rPr lang="en-US" sz="2000" b="1" dirty="0">
-                <a:solidFill>
-                  <a:srgbClr val="F0F2F5"/>
-                </a:solidFill>
-                <a:latin typeface="阿里妈妈数黑体" pitchFamily="34" charset="-122"/>
-                <a:ea typeface="阿里妈妈数黑体" pitchFamily="34" charset="-122"/>
-                <a:cs typeface="阿里妈妈数黑体" pitchFamily="34" charset="-120"/>
-              </a:rPr>
-              <a:t>预期成果与创新</a:t>
-            </a:r>
-            <a:endParaRPr lang="en-US" sz="1600" dirty="0"/>
-          </a:p>
-        </p:txBody>
-      </p:sp>
-      <p:sp>
-        <p:nvSpPr>
-          <p:cNvPr id="46" name="Text 44"/>
-          <p:cNvSpPr/>
-          <p:nvPr/>
-        </p:nvSpPr>
-        <p:spPr>
-          <a:xfrm>
-            <a:off x="1727200" y="7975600"/>
-            <a:ext cx="4775200" cy="330200"/>
-          </a:xfrm>
-          <a:prstGeom prst="rect">
-            <a:avLst/>
-          </a:prstGeom>
-          <a:noFill/>
-        </p:spPr>
-        <p:txBody>
-          <a:bodyPr wrap="square" lIns="0" tIns="0" rIns="0" bIns="0" rtlCol="0" anchor="ctr"/>
-          <a:lstStyle/>
-          <a:p>
-            <a:pPr>
-              <a:lnSpc>
-                <a:spcPct val="140000"/>
-              </a:lnSpc>
-            </a:pPr>
-            <a:r>
-              <a:rPr lang="en-US" sz="1600" dirty="0">
-                <a:solidFill>
-                  <a:srgbClr val="8D99AE"/>
-                </a:solidFill>
-                <a:latin typeface="MiSans" pitchFamily="34" charset="-122"/>
-                <a:ea typeface="MiSans" pitchFamily="34" charset="-122"/>
-                <a:cs typeface="MiSans" pitchFamily="34" charset="-120"/>
-              </a:rPr>
-              <a:t>总结系统产出、技术整合与地域文化融合的特色亮点</a:t>
-            </a:r>
-            <a:endParaRPr lang="en-US" sz="1600" dirty="0"/>
-          </a:p>
-        </p:txBody>
-      </p:sp>
-      <p:sp>
-        <p:nvSpPr>
-          <p:cNvPr id="47" name="Shape 45"/>
-          <p:cNvSpPr/>
-          <p:nvPr/>
-        </p:nvSpPr>
-        <p:spPr>
-          <a:xfrm>
-            <a:off x="8305800" y="7264400"/>
-            <a:ext cx="7442200" cy="1295400"/>
-          </a:xfrm>
-          <a:custGeom>
-            <a:avLst/>
-            <a:gdLst/>
-            <a:ahLst/>
-            <a:cxnLst/>
-            <a:rect l="l" t="t" r="r" b="b"/>
-            <a:pathLst>
-              <a:path w="7442200" h="1295400">
-                <a:moveTo>
-                  <a:pt x="50800" y="0"/>
-                </a:moveTo>
-                <a:lnTo>
-                  <a:pt x="7340602" y="0"/>
-                </a:lnTo>
-                <a:cubicBezTo>
-                  <a:pt x="7396713" y="0"/>
-                  <a:pt x="7442200" y="45487"/>
-                  <a:pt x="7442200" y="101598"/>
-                </a:cubicBezTo>
-                <a:lnTo>
-                  <a:pt x="7442200" y="1193802"/>
-                </a:lnTo>
-                <a:cubicBezTo>
-                  <a:pt x="7442200" y="1249913"/>
-                  <a:pt x="7396713" y="1295400"/>
-                  <a:pt x="7340602" y="1295400"/>
-                </a:cubicBezTo>
-                <a:lnTo>
-                  <a:pt x="50800" y="1295400"/>
-                </a:lnTo>
-                <a:cubicBezTo>
-                  <a:pt x="22763" y="1295400"/>
-                  <a:pt x="0" y="1272637"/>
-                  <a:pt x="0" y="1244600"/>
-                </a:cubicBezTo>
-                <a:lnTo>
-                  <a:pt x="0" y="50800"/>
-                </a:lnTo>
-                <a:cubicBezTo>
-                  <a:pt x="0" y="22763"/>
-                  <a:pt x="22763" y="0"/>
-                  <a:pt x="50800" y="0"/>
-                </a:cubicBezTo>
-                <a:close/>
-              </a:path>
-            </a:pathLst>
-          </a:custGeom>
-          <a:solidFill>
-            <a:srgbClr val="5F7A8D">
-              <a:alpha val="10196"/>
-            </a:srgbClr>
-          </a:solidFill>
-        </p:spPr>
-      </p:sp>
-      <p:sp>
-        <p:nvSpPr>
-          <p:cNvPr id="48" name="Shape 46"/>
-          <p:cNvSpPr/>
-          <p:nvPr/>
-        </p:nvSpPr>
-        <p:spPr>
-          <a:xfrm>
-            <a:off x="8305800" y="7264400"/>
-            <a:ext cx="50800" cy="1295400"/>
-          </a:xfrm>
-          <a:custGeom>
-            <a:avLst/>
-            <a:gdLst/>
-            <a:ahLst/>
-            <a:cxnLst/>
-            <a:rect l="l" t="t" r="r" b="b"/>
-            <a:pathLst>
-              <a:path w="50800" h="1295400">
-                <a:moveTo>
-                  <a:pt x="50800" y="0"/>
-                </a:moveTo>
-                <a:lnTo>
-                  <a:pt x="50800" y="0"/>
-                </a:lnTo>
-                <a:lnTo>
-                  <a:pt x="50800" y="1295400"/>
-                </a:lnTo>
-                <a:lnTo>
-                  <a:pt x="50800" y="1295400"/>
-                </a:lnTo>
-                <a:cubicBezTo>
-                  <a:pt x="22763" y="1295400"/>
-                  <a:pt x="0" y="1272637"/>
-                  <a:pt x="0" y="1244600"/>
-                </a:cubicBezTo>
-                <a:lnTo>
-                  <a:pt x="0" y="50800"/>
-                </a:lnTo>
-                <a:cubicBezTo>
-                  <a:pt x="0" y="22763"/>
-                  <a:pt x="22763" y="0"/>
-                  <a:pt x="50800" y="0"/>
-                </a:cubicBezTo>
-                <a:close/>
-              </a:path>
-            </a:pathLst>
-          </a:custGeom>
-          <a:solidFill>
-            <a:srgbClr val="5F7A8D"/>
-          </a:solidFill>
-        </p:spPr>
-      </p:sp>
-      <p:sp>
-        <p:nvSpPr>
-          <p:cNvPr id="49" name="Shape 47"/>
-          <p:cNvSpPr/>
-          <p:nvPr/>
-        </p:nvSpPr>
-        <p:spPr>
-          <a:xfrm>
-            <a:off x="8585200" y="7518400"/>
-            <a:ext cx="711200" cy="711200"/>
-          </a:xfrm>
-          <a:custGeom>
-            <a:avLst/>
-            <a:gdLst/>
-            <a:ahLst/>
-            <a:cxnLst/>
-            <a:rect l="l" t="t" r="r" b="b"/>
-            <a:pathLst>
-              <a:path w="711200" h="711200">
-                <a:moveTo>
-                  <a:pt x="101602" y="0"/>
-                </a:moveTo>
-                <a:lnTo>
-                  <a:pt x="609598" y="0"/>
-                </a:lnTo>
-                <a:cubicBezTo>
-                  <a:pt x="665711" y="0"/>
-                  <a:pt x="711200" y="45489"/>
-                  <a:pt x="711200" y="101602"/>
-                </a:cubicBezTo>
-                <a:lnTo>
-                  <a:pt x="711200" y="609598"/>
-                </a:lnTo>
-                <a:cubicBezTo>
-                  <a:pt x="711200" y="665711"/>
-                  <a:pt x="665711" y="711200"/>
-                  <a:pt x="609598" y="711200"/>
-                </a:cubicBezTo>
-                <a:lnTo>
-                  <a:pt x="101602" y="711200"/>
-                </a:lnTo>
-                <a:cubicBezTo>
-                  <a:pt x="45489" y="711200"/>
-                  <a:pt x="0" y="665711"/>
-                  <a:pt x="0" y="609598"/>
-                </a:cubicBezTo>
-                <a:lnTo>
-                  <a:pt x="0" y="101602"/>
-                </a:lnTo>
-                <a:cubicBezTo>
-                  <a:pt x="0" y="45526"/>
-                  <a:pt x="45526" y="0"/>
-                  <a:pt x="101602" y="0"/>
-                </a:cubicBezTo>
-                <a:close/>
-              </a:path>
-            </a:pathLst>
-          </a:custGeom>
-          <a:solidFill>
-            <a:srgbClr val="5F7A8D"/>
-          </a:solidFill>
-        </p:spPr>
-      </p:sp>
-      <p:sp>
-        <p:nvSpPr>
-          <p:cNvPr id="50" name="Text 48"/>
-          <p:cNvSpPr/>
-          <p:nvPr/>
-        </p:nvSpPr>
-        <p:spPr>
-          <a:xfrm>
-            <a:off x="8760817" y="7670800"/>
-            <a:ext cx="508000" cy="406400"/>
-          </a:xfrm>
-          <a:prstGeom prst="rect">
-            <a:avLst/>
-          </a:prstGeom>
-          <a:noFill/>
-        </p:spPr>
-        <p:txBody>
-          <a:bodyPr wrap="square" lIns="0" tIns="0" rIns="0" bIns="0" rtlCol="0" anchor="ctr"/>
-          <a:lstStyle/>
-          <a:p>
-            <a:pPr>
-              <a:lnSpc>
-                <a:spcPct val="110000"/>
-              </a:lnSpc>
-            </a:pPr>
-            <a:r>
-              <a:rPr lang="en-US" sz="2400" b="1" dirty="0">
-                <a:solidFill>
-                  <a:srgbClr val="F0F2F5"/>
-                </a:solidFill>
-                <a:latin typeface="阿里妈妈数黑体" pitchFamily="34" charset="-122"/>
-                <a:ea typeface="阿里妈妈数黑体" pitchFamily="34" charset="-122"/>
-                <a:cs typeface="阿里妈妈数黑体" pitchFamily="34" charset="-120"/>
-              </a:rPr>
-              <a:t>08</a:t>
-            </a:r>
-            <a:endParaRPr lang="en-US" sz="1600" dirty="0"/>
-          </a:p>
-        </p:txBody>
-      </p:sp>
-      <p:sp>
-        <p:nvSpPr>
-          <p:cNvPr id="51" name="Text 49"/>
-          <p:cNvSpPr/>
-          <p:nvPr/>
-        </p:nvSpPr>
-        <p:spPr>
-          <a:xfrm>
-            <a:off x="9499600" y="7518400"/>
-            <a:ext cx="4394200" cy="355600"/>
-          </a:xfrm>
-          <a:prstGeom prst="rect">
-            <a:avLst/>
-          </a:prstGeom>
-          <a:noFill/>
-        </p:spPr>
-        <p:txBody>
-          <a:bodyPr wrap="square" lIns="0" tIns="0" rIns="0" bIns="0" rtlCol="0" anchor="ctr"/>
-          <a:lstStyle/>
-          <a:p>
-            <a:pPr>
-              <a:lnSpc>
-                <a:spcPct val="120000"/>
-              </a:lnSpc>
-            </a:pPr>
-            <a:r>
-              <a:rPr lang="en-US" sz="2000" b="1" dirty="0">
-                <a:solidFill>
-                  <a:srgbClr val="F0F2F5"/>
-                </a:solidFill>
-                <a:latin typeface="阿里妈妈数黑体" pitchFamily="34" charset="-122"/>
-                <a:ea typeface="阿里妈妈数黑体" pitchFamily="34" charset="-122"/>
-                <a:cs typeface="阿里妈妈数黑体" pitchFamily="34" charset="-120"/>
-              </a:rPr>
-              <a:t>进度安排与参考文献</a:t>
-            </a:r>
-            <a:endParaRPr lang="en-US" sz="1600" dirty="0"/>
-          </a:p>
-        </p:txBody>
-      </p:sp>
-      <p:sp>
-        <p:nvSpPr>
-          <p:cNvPr id="52" name="Text 50"/>
-          <p:cNvSpPr/>
-          <p:nvPr/>
-        </p:nvSpPr>
-        <p:spPr>
-          <a:xfrm>
-            <a:off x="9499600" y="7975600"/>
-            <a:ext cx="4368800" cy="330200"/>
-          </a:xfrm>
-          <a:prstGeom prst="rect">
-            <a:avLst/>
-          </a:prstGeom>
-          <a:noFill/>
-        </p:spPr>
-        <p:txBody>
-          <a:bodyPr wrap="square" lIns="0" tIns="0" rIns="0" bIns="0" rtlCol="0" anchor="ctr"/>
-          <a:lstStyle/>
-          <a:p>
-            <a:pPr>
-              <a:lnSpc>
-                <a:spcPct val="140000"/>
-              </a:lnSpc>
-            </a:pPr>
-            <a:r>
-              <a:rPr lang="en-US" sz="1600" dirty="0">
-                <a:solidFill>
-                  <a:srgbClr val="8D99AE"/>
-                </a:solidFill>
-                <a:latin typeface="MiSans" pitchFamily="34" charset="-122"/>
-                <a:ea typeface="MiSans" pitchFamily="34" charset="-122"/>
-                <a:cs typeface="MiSans" pitchFamily="34" charset="-120"/>
-              </a:rPr>
-              <a:t>明确项目时间规划与学术支撑，确保研究规范性</a:t>
-            </a:r>
-            <a:endParaRPr lang="en-US" sz="1600" dirty="0"/>
-          </a:p>
-        </p:txBody>
-      </p:sp>
-    </p:spTree>
-  </p:cSld>
-  <p:clrMapOvr>
-    <a:masterClrMapping/>
-  </p:clrMapOvr>
-  <p:transition>
-    <p:fade/>
-  </p:transition>
-</p:sld>
-</file>
-
-<file path=ppt/slides/slide20.xml><?xml version="1.0" encoding="utf-8"?>
-<p:sld xmlns:a="http://schemas.openxmlformats.org/drawingml/2006/main" xmlns:r="http://schemas.openxmlformats.org/officeDocument/2006/relationships" xmlns:p="http://schemas.openxmlformats.org/presentationml/2006/main">
-  <p:cSld>
-    <p:bg>
-      <p:bgPr>
-        <a:solidFill>
-          <a:srgbClr val="1A1D24"/>
-        </a:solidFill>
-        <a:effectLst/>
-      </p:bgPr>
-    </p:bg>
-    <p:spTree>
-      <p:nvGrpSpPr>
-        <p:cNvPr id="1" name=""/>
-        <p:cNvGrpSpPr/>
-        <p:nvPr/>
-      </p:nvGrpSpPr>
-      <p:grpSpPr>
-        <a:xfrm>
-          <a:off x="0" y="0"/>
-          <a:ext cx="0" cy="0"/>
-          <a:chOff x="0" y="0"/>
-          <a:chExt cx="0" cy="0"/>
-        </a:xfrm>
-      </p:grpSpPr>
       <p:pic>
         <p:nvPicPr>
           <p:cNvPr id="2" name="Image 0" descr="https://kimi-web-img.moonshot.cn/img/cdn.pixabay.com/5a26f4d233c1dd0433bb216ad536e3f338fc7b9a.jpg"/>
@@ -29543,7 +23520,2574 @@
 </p:sld>
 </file>
 
-<file path=ppt/slides/slide21.xml><?xml version="1.0" encoding="utf-8"?>
+<file path=ppt/slides/slide2.xml><?xml version="1.0" encoding="utf-8"?>
+<p:sld xmlns:a="http://schemas.openxmlformats.org/drawingml/2006/main" xmlns:r="http://schemas.openxmlformats.org/officeDocument/2006/relationships" xmlns:p="http://schemas.openxmlformats.org/presentationml/2006/main">
+  <p:cSld>
+    <p:bg>
+      <p:bgPr>
+        <a:solidFill>
+          <a:srgbClr val="1A1D24"/>
+        </a:solidFill>
+        <a:effectLst/>
+      </p:bgPr>
+    </p:bg>
+    <p:spTree>
+      <p:nvGrpSpPr>
+        <p:cNvPr id="1" name=""/>
+        <p:cNvGrpSpPr/>
+        <p:nvPr/>
+      </p:nvGrpSpPr>
+      <p:grpSpPr>
+        <a:xfrm>
+          <a:off x="0" y="0"/>
+          <a:ext cx="0" cy="0"/>
+          <a:chOff x="0" y="0"/>
+          <a:chExt cx="0" cy="0"/>
+        </a:xfrm>
+      </p:grpSpPr>
+      <p:sp>
+        <p:nvSpPr>
+          <p:cNvPr id="2" name="Text 0"/>
+          <p:cNvSpPr/>
+          <p:nvPr/>
+        </p:nvSpPr>
+        <p:spPr>
+          <a:xfrm>
+            <a:off x="508000" y="508000"/>
+            <a:ext cx="15341600" cy="304800"/>
+          </a:xfrm>
+          <a:prstGeom prst="rect">
+            <a:avLst/>
+          </a:prstGeom>
+          <a:noFill/>
+        </p:spPr>
+        <p:txBody>
+          <a:bodyPr wrap="square" lIns="0" tIns="0" rIns="0" bIns="0" rtlCol="0" anchor="ctr"/>
+          <a:lstStyle/>
+          <a:p>
+            <a:pPr>
+              <a:lnSpc>
+                <a:spcPct val="130000"/>
+              </a:lnSpc>
+            </a:pPr>
+            <a:r>
+              <a:rPr lang="en-US" sz="1600" b="1" kern="0" spc="80" dirty="0">
+                <a:solidFill>
+                  <a:srgbClr val="E07A5F"/>
+                </a:solidFill>
+                <a:latin typeface="阿里妈妈数黑体" pitchFamily="34" charset="-122"/>
+                <a:ea typeface="阿里妈妈数黑体" pitchFamily="34" charset="-122"/>
+                <a:cs typeface="阿里妈妈数黑体" pitchFamily="34" charset="-120"/>
+              </a:rPr>
+              <a:t>CONTENTS</a:t>
+            </a:r>
+            <a:endParaRPr lang="en-US" sz="1600" dirty="0"/>
+          </a:p>
+        </p:txBody>
+      </p:sp>
+      <p:sp>
+        <p:nvSpPr>
+          <p:cNvPr id="3" name="Text 1"/>
+          <p:cNvSpPr/>
+          <p:nvPr/>
+        </p:nvSpPr>
+        <p:spPr>
+          <a:xfrm>
+            <a:off x="508000" y="914400"/>
+            <a:ext cx="15544800" cy="609600"/>
+          </a:xfrm>
+          <a:prstGeom prst="rect">
+            <a:avLst/>
+          </a:prstGeom>
+          <a:noFill/>
+        </p:spPr>
+        <p:txBody>
+          <a:bodyPr wrap="square" lIns="0" tIns="0" rIns="0" bIns="0" rtlCol="0" anchor="ctr"/>
+          <a:lstStyle/>
+          <a:p>
+            <a:pPr>
+              <a:lnSpc>
+                <a:spcPct val="80000"/>
+              </a:lnSpc>
+            </a:pPr>
+            <a:r>
+              <a:rPr lang="en-US" sz="4800" b="1" dirty="0">
+                <a:solidFill>
+                  <a:srgbClr val="F0F2F5"/>
+                </a:solidFill>
+                <a:latin typeface="阿里妈妈数黑体" pitchFamily="34" charset="-122"/>
+                <a:ea typeface="阿里妈妈数黑体" pitchFamily="34" charset="-122"/>
+                <a:cs typeface="阿里妈妈数黑体" pitchFamily="34" charset="-120"/>
+              </a:rPr>
+              <a:t>汇报提纲</a:t>
+            </a:r>
+            <a:endParaRPr lang="en-US" sz="1600" dirty="0"/>
+          </a:p>
+        </p:txBody>
+      </p:sp>
+      <p:sp>
+        <p:nvSpPr>
+          <p:cNvPr id="4" name="Shape 2"/>
+          <p:cNvSpPr/>
+          <p:nvPr/>
+        </p:nvSpPr>
+        <p:spPr>
+          <a:xfrm>
+            <a:off x="508000" y="1727200"/>
+            <a:ext cx="1219200" cy="50800"/>
+          </a:xfrm>
+          <a:custGeom>
+            <a:avLst/>
+            <a:gdLst/>
+            <a:ahLst/>
+            <a:cxnLst/>
+            <a:rect l="l" t="t" r="r" b="b"/>
+            <a:pathLst>
+              <a:path w="1219200" h="50800">
+                <a:moveTo>
+                  <a:pt x="0" y="0"/>
+                </a:moveTo>
+                <a:lnTo>
+                  <a:pt x="1219200" y="0"/>
+                </a:lnTo>
+                <a:lnTo>
+                  <a:pt x="1219200" y="50800"/>
+                </a:lnTo>
+                <a:lnTo>
+                  <a:pt x="0" y="50800"/>
+                </a:lnTo>
+                <a:lnTo>
+                  <a:pt x="0" y="0"/>
+                </a:lnTo>
+                <a:close/>
+              </a:path>
+            </a:pathLst>
+          </a:custGeom>
+          <a:solidFill>
+            <a:srgbClr val="E07A5F"/>
+          </a:solidFill>
+        </p:spPr>
+      </p:sp>
+      <p:sp>
+        <p:nvSpPr>
+          <p:cNvPr id="5" name="Shape 3"/>
+          <p:cNvSpPr/>
+          <p:nvPr/>
+        </p:nvSpPr>
+        <p:spPr>
+          <a:xfrm>
+            <a:off x="533400" y="2286000"/>
+            <a:ext cx="7442200" cy="1625600"/>
+          </a:xfrm>
+          <a:custGeom>
+            <a:avLst/>
+            <a:gdLst/>
+            <a:ahLst/>
+            <a:cxnLst/>
+            <a:rect l="l" t="t" r="r" b="b"/>
+            <a:pathLst>
+              <a:path w="7442200" h="1625600">
+                <a:moveTo>
+                  <a:pt x="50800" y="0"/>
+                </a:moveTo>
+                <a:lnTo>
+                  <a:pt x="7340600" y="0"/>
+                </a:lnTo>
+                <a:cubicBezTo>
+                  <a:pt x="7396675" y="0"/>
+                  <a:pt x="7442200" y="45525"/>
+                  <a:pt x="7442200" y="101600"/>
+                </a:cubicBezTo>
+                <a:lnTo>
+                  <a:pt x="7442200" y="1524000"/>
+                </a:lnTo>
+                <a:cubicBezTo>
+                  <a:pt x="7442200" y="1580075"/>
+                  <a:pt x="7396675" y="1625600"/>
+                  <a:pt x="7340600" y="1625600"/>
+                </a:cubicBezTo>
+                <a:lnTo>
+                  <a:pt x="50800" y="1625600"/>
+                </a:lnTo>
+                <a:cubicBezTo>
+                  <a:pt x="22763" y="1625600"/>
+                  <a:pt x="0" y="1602837"/>
+                  <a:pt x="0" y="1574800"/>
+                </a:cubicBezTo>
+                <a:lnTo>
+                  <a:pt x="0" y="50800"/>
+                </a:lnTo>
+                <a:cubicBezTo>
+                  <a:pt x="0" y="22763"/>
+                  <a:pt x="22763" y="0"/>
+                  <a:pt x="50800" y="0"/>
+                </a:cubicBezTo>
+                <a:close/>
+              </a:path>
+            </a:pathLst>
+          </a:custGeom>
+          <a:solidFill>
+            <a:srgbClr val="5F7A8D">
+              <a:alpha val="10196"/>
+            </a:srgbClr>
+          </a:solidFill>
+        </p:spPr>
+      </p:sp>
+      <p:sp>
+        <p:nvSpPr>
+          <p:cNvPr id="6" name="Shape 4"/>
+          <p:cNvSpPr/>
+          <p:nvPr/>
+        </p:nvSpPr>
+        <p:spPr>
+          <a:xfrm>
+            <a:off x="533400" y="2286000"/>
+            <a:ext cx="50800" cy="1625600"/>
+          </a:xfrm>
+          <a:custGeom>
+            <a:avLst/>
+            <a:gdLst/>
+            <a:ahLst/>
+            <a:cxnLst/>
+            <a:rect l="l" t="t" r="r" b="b"/>
+            <a:pathLst>
+              <a:path w="50800" h="1625600">
+                <a:moveTo>
+                  <a:pt x="50800" y="0"/>
+                </a:moveTo>
+                <a:lnTo>
+                  <a:pt x="50800" y="0"/>
+                </a:lnTo>
+                <a:lnTo>
+                  <a:pt x="50800" y="1625600"/>
+                </a:lnTo>
+                <a:lnTo>
+                  <a:pt x="50800" y="1625600"/>
+                </a:lnTo>
+                <a:cubicBezTo>
+                  <a:pt x="22763" y="1625600"/>
+                  <a:pt x="0" y="1602837"/>
+                  <a:pt x="0" y="1574800"/>
+                </a:cubicBezTo>
+                <a:lnTo>
+                  <a:pt x="0" y="50800"/>
+                </a:lnTo>
+                <a:cubicBezTo>
+                  <a:pt x="0" y="22763"/>
+                  <a:pt x="22763" y="0"/>
+                  <a:pt x="50800" y="0"/>
+                </a:cubicBezTo>
+                <a:close/>
+              </a:path>
+            </a:pathLst>
+          </a:custGeom>
+          <a:solidFill>
+            <a:srgbClr val="E07A5F"/>
+          </a:solidFill>
+        </p:spPr>
+      </p:sp>
+      <p:sp>
+        <p:nvSpPr>
+          <p:cNvPr id="7" name="Shape 5"/>
+          <p:cNvSpPr/>
+          <p:nvPr/>
+        </p:nvSpPr>
+        <p:spPr>
+          <a:xfrm>
+            <a:off x="812800" y="2540000"/>
+            <a:ext cx="711200" cy="711200"/>
+          </a:xfrm>
+          <a:custGeom>
+            <a:avLst/>
+            <a:gdLst/>
+            <a:ahLst/>
+            <a:cxnLst/>
+            <a:rect l="l" t="t" r="r" b="b"/>
+            <a:pathLst>
+              <a:path w="711200" h="711200">
+                <a:moveTo>
+                  <a:pt x="101602" y="0"/>
+                </a:moveTo>
+                <a:lnTo>
+                  <a:pt x="609598" y="0"/>
+                </a:lnTo>
+                <a:cubicBezTo>
+                  <a:pt x="665711" y="0"/>
+                  <a:pt x="711200" y="45489"/>
+                  <a:pt x="711200" y="101602"/>
+                </a:cubicBezTo>
+                <a:lnTo>
+                  <a:pt x="711200" y="609598"/>
+                </a:lnTo>
+                <a:cubicBezTo>
+                  <a:pt x="711200" y="665711"/>
+                  <a:pt x="665711" y="711200"/>
+                  <a:pt x="609598" y="711200"/>
+                </a:cubicBezTo>
+                <a:lnTo>
+                  <a:pt x="101602" y="711200"/>
+                </a:lnTo>
+                <a:cubicBezTo>
+                  <a:pt x="45489" y="711200"/>
+                  <a:pt x="0" y="665711"/>
+                  <a:pt x="0" y="609598"/>
+                </a:cubicBezTo>
+                <a:lnTo>
+                  <a:pt x="0" y="101602"/>
+                </a:lnTo>
+                <a:cubicBezTo>
+                  <a:pt x="0" y="45526"/>
+                  <a:pt x="45526" y="0"/>
+                  <a:pt x="101602" y="0"/>
+                </a:cubicBezTo>
+                <a:close/>
+              </a:path>
+            </a:pathLst>
+          </a:custGeom>
+          <a:solidFill>
+            <a:srgbClr val="E07A5F"/>
+          </a:solidFill>
+        </p:spPr>
+      </p:sp>
+      <p:sp>
+        <p:nvSpPr>
+          <p:cNvPr id="8" name="Text 6"/>
+          <p:cNvSpPr/>
+          <p:nvPr/>
+        </p:nvSpPr>
+        <p:spPr>
+          <a:xfrm>
+            <a:off x="988417" y="2692400"/>
+            <a:ext cx="508000" cy="406400"/>
+          </a:xfrm>
+          <a:prstGeom prst="rect">
+            <a:avLst/>
+          </a:prstGeom>
+          <a:noFill/>
+        </p:spPr>
+        <p:txBody>
+          <a:bodyPr wrap="square" lIns="0" tIns="0" rIns="0" bIns="0" rtlCol="0" anchor="ctr"/>
+          <a:lstStyle/>
+          <a:p>
+            <a:pPr>
+              <a:lnSpc>
+                <a:spcPct val="110000"/>
+              </a:lnSpc>
+            </a:pPr>
+            <a:r>
+              <a:rPr lang="en-US" sz="2400" b="1" dirty="0">
+                <a:solidFill>
+                  <a:srgbClr val="1A1D24"/>
+                </a:solidFill>
+                <a:latin typeface="阿里妈妈数黑体" pitchFamily="34" charset="-122"/>
+                <a:ea typeface="阿里妈妈数黑体" pitchFamily="34" charset="-122"/>
+                <a:cs typeface="阿里妈妈数黑体" pitchFamily="34" charset="-120"/>
+              </a:rPr>
+              <a:t>01</a:t>
+            </a:r>
+            <a:endParaRPr lang="en-US" sz="1600" dirty="0"/>
+          </a:p>
+        </p:txBody>
+      </p:sp>
+      <p:sp>
+        <p:nvSpPr>
+          <p:cNvPr id="9" name="Text 7"/>
+          <p:cNvSpPr/>
+          <p:nvPr/>
+        </p:nvSpPr>
+        <p:spPr>
+          <a:xfrm>
+            <a:off x="1727200" y="2540000"/>
+            <a:ext cx="6121400" cy="355600"/>
+          </a:xfrm>
+          <a:prstGeom prst="rect">
+            <a:avLst/>
+          </a:prstGeom>
+          <a:noFill/>
+        </p:spPr>
+        <p:txBody>
+          <a:bodyPr wrap="square" lIns="0" tIns="0" rIns="0" bIns="0" rtlCol="0" anchor="ctr"/>
+          <a:lstStyle/>
+          <a:p>
+            <a:pPr>
+              <a:lnSpc>
+                <a:spcPct val="120000"/>
+              </a:lnSpc>
+            </a:pPr>
+            <a:r>
+              <a:rPr lang="en-US" sz="2000" b="1" dirty="0">
+                <a:solidFill>
+                  <a:srgbClr val="F0F2F5"/>
+                </a:solidFill>
+                <a:latin typeface="阿里妈妈数黑体" pitchFamily="34" charset="-122"/>
+                <a:ea typeface="阿里妈妈数黑体" pitchFamily="34" charset="-122"/>
+                <a:cs typeface="阿里妈妈数黑体" pitchFamily="34" charset="-120"/>
+              </a:rPr>
+              <a:t>研究背景与意义</a:t>
+            </a:r>
+            <a:endParaRPr lang="en-US" sz="1600" dirty="0"/>
+          </a:p>
+        </p:txBody>
+      </p:sp>
+      <p:sp>
+        <p:nvSpPr>
+          <p:cNvPr id="10" name="Text 8"/>
+          <p:cNvSpPr/>
+          <p:nvPr/>
+        </p:nvSpPr>
+        <p:spPr>
+          <a:xfrm>
+            <a:off x="1727200" y="2997200"/>
+            <a:ext cx="6096000" cy="660400"/>
+          </a:xfrm>
+          <a:prstGeom prst="rect">
+            <a:avLst/>
+          </a:prstGeom>
+          <a:noFill/>
+        </p:spPr>
+        <p:txBody>
+          <a:bodyPr wrap="square" lIns="0" tIns="0" rIns="0" bIns="0" rtlCol="0" anchor="ctr"/>
+          <a:lstStyle/>
+          <a:p>
+            <a:pPr>
+              <a:lnSpc>
+                <a:spcPct val="140000"/>
+              </a:lnSpc>
+            </a:pPr>
+            <a:r>
+              <a:rPr lang="en-US" sz="1600" dirty="0">
+                <a:solidFill>
+                  <a:srgbClr val="8D99AE"/>
+                </a:solidFill>
+                <a:latin typeface="MiSans" pitchFamily="34" charset="-122"/>
+                <a:ea typeface="MiSans" pitchFamily="34" charset="-122"/>
+                <a:cs typeface="MiSans" pitchFamily="34" charset="-120"/>
+              </a:rPr>
+              <a:t>分析互联网+音乐节的行业趋势，阐述沈阳音乐节的文化价值与系统建设的必要性</a:t>
+            </a:r>
+            <a:endParaRPr lang="en-US" sz="1600" dirty="0"/>
+          </a:p>
+        </p:txBody>
+      </p:sp>
+      <p:sp>
+        <p:nvSpPr>
+          <p:cNvPr id="11" name="Shape 9"/>
+          <p:cNvSpPr/>
+          <p:nvPr/>
+        </p:nvSpPr>
+        <p:spPr>
+          <a:xfrm>
+            <a:off x="8305800" y="2286000"/>
+            <a:ext cx="7442200" cy="1625600"/>
+          </a:xfrm>
+          <a:custGeom>
+            <a:avLst/>
+            <a:gdLst/>
+            <a:ahLst/>
+            <a:cxnLst/>
+            <a:rect l="l" t="t" r="r" b="b"/>
+            <a:pathLst>
+              <a:path w="7442200" h="1625600">
+                <a:moveTo>
+                  <a:pt x="50800" y="0"/>
+                </a:moveTo>
+                <a:lnTo>
+                  <a:pt x="7340600" y="0"/>
+                </a:lnTo>
+                <a:cubicBezTo>
+                  <a:pt x="7396675" y="0"/>
+                  <a:pt x="7442200" y="45525"/>
+                  <a:pt x="7442200" y="101600"/>
+                </a:cubicBezTo>
+                <a:lnTo>
+                  <a:pt x="7442200" y="1524000"/>
+                </a:lnTo>
+                <a:cubicBezTo>
+                  <a:pt x="7442200" y="1580075"/>
+                  <a:pt x="7396675" y="1625600"/>
+                  <a:pt x="7340600" y="1625600"/>
+                </a:cubicBezTo>
+                <a:lnTo>
+                  <a:pt x="50800" y="1625600"/>
+                </a:lnTo>
+                <a:cubicBezTo>
+                  <a:pt x="22763" y="1625600"/>
+                  <a:pt x="0" y="1602837"/>
+                  <a:pt x="0" y="1574800"/>
+                </a:cubicBezTo>
+                <a:lnTo>
+                  <a:pt x="0" y="50800"/>
+                </a:lnTo>
+                <a:cubicBezTo>
+                  <a:pt x="0" y="22763"/>
+                  <a:pt x="22763" y="0"/>
+                  <a:pt x="50800" y="0"/>
+                </a:cubicBezTo>
+                <a:close/>
+              </a:path>
+            </a:pathLst>
+          </a:custGeom>
+          <a:solidFill>
+            <a:srgbClr val="5F7A8D">
+              <a:alpha val="10196"/>
+            </a:srgbClr>
+          </a:solidFill>
+        </p:spPr>
+      </p:sp>
+      <p:sp>
+        <p:nvSpPr>
+          <p:cNvPr id="12" name="Shape 10"/>
+          <p:cNvSpPr/>
+          <p:nvPr/>
+        </p:nvSpPr>
+        <p:spPr>
+          <a:xfrm>
+            <a:off x="8305800" y="2286000"/>
+            <a:ext cx="50800" cy="1625600"/>
+          </a:xfrm>
+          <a:custGeom>
+            <a:avLst/>
+            <a:gdLst/>
+            <a:ahLst/>
+            <a:cxnLst/>
+            <a:rect l="l" t="t" r="r" b="b"/>
+            <a:pathLst>
+              <a:path w="50800" h="1625600">
+                <a:moveTo>
+                  <a:pt x="50800" y="0"/>
+                </a:moveTo>
+                <a:lnTo>
+                  <a:pt x="50800" y="0"/>
+                </a:lnTo>
+                <a:lnTo>
+                  <a:pt x="50800" y="1625600"/>
+                </a:lnTo>
+                <a:lnTo>
+                  <a:pt x="50800" y="1625600"/>
+                </a:lnTo>
+                <a:cubicBezTo>
+                  <a:pt x="22763" y="1625600"/>
+                  <a:pt x="0" y="1602837"/>
+                  <a:pt x="0" y="1574800"/>
+                </a:cubicBezTo>
+                <a:lnTo>
+                  <a:pt x="0" y="50800"/>
+                </a:lnTo>
+                <a:cubicBezTo>
+                  <a:pt x="0" y="22763"/>
+                  <a:pt x="22763" y="0"/>
+                  <a:pt x="50800" y="0"/>
+                </a:cubicBezTo>
+                <a:close/>
+              </a:path>
+            </a:pathLst>
+          </a:custGeom>
+          <a:solidFill>
+            <a:srgbClr val="5F7A8D"/>
+          </a:solidFill>
+        </p:spPr>
+      </p:sp>
+      <p:sp>
+        <p:nvSpPr>
+          <p:cNvPr id="13" name="Shape 11"/>
+          <p:cNvSpPr/>
+          <p:nvPr/>
+        </p:nvSpPr>
+        <p:spPr>
+          <a:xfrm>
+            <a:off x="8585200" y="2540000"/>
+            <a:ext cx="711200" cy="711200"/>
+          </a:xfrm>
+          <a:custGeom>
+            <a:avLst/>
+            <a:gdLst/>
+            <a:ahLst/>
+            <a:cxnLst/>
+            <a:rect l="l" t="t" r="r" b="b"/>
+            <a:pathLst>
+              <a:path w="711200" h="711200">
+                <a:moveTo>
+                  <a:pt x="101602" y="0"/>
+                </a:moveTo>
+                <a:lnTo>
+                  <a:pt x="609598" y="0"/>
+                </a:lnTo>
+                <a:cubicBezTo>
+                  <a:pt x="665711" y="0"/>
+                  <a:pt x="711200" y="45489"/>
+                  <a:pt x="711200" y="101602"/>
+                </a:cubicBezTo>
+                <a:lnTo>
+                  <a:pt x="711200" y="609598"/>
+                </a:lnTo>
+                <a:cubicBezTo>
+                  <a:pt x="711200" y="665711"/>
+                  <a:pt x="665711" y="711200"/>
+                  <a:pt x="609598" y="711200"/>
+                </a:cubicBezTo>
+                <a:lnTo>
+                  <a:pt x="101602" y="711200"/>
+                </a:lnTo>
+                <a:cubicBezTo>
+                  <a:pt x="45489" y="711200"/>
+                  <a:pt x="0" y="665711"/>
+                  <a:pt x="0" y="609598"/>
+                </a:cubicBezTo>
+                <a:lnTo>
+                  <a:pt x="0" y="101602"/>
+                </a:lnTo>
+                <a:cubicBezTo>
+                  <a:pt x="0" y="45526"/>
+                  <a:pt x="45526" y="0"/>
+                  <a:pt x="101602" y="0"/>
+                </a:cubicBezTo>
+                <a:close/>
+              </a:path>
+            </a:pathLst>
+          </a:custGeom>
+          <a:solidFill>
+            <a:srgbClr val="5F7A8D"/>
+          </a:solidFill>
+        </p:spPr>
+      </p:sp>
+      <p:sp>
+        <p:nvSpPr>
+          <p:cNvPr id="14" name="Text 12"/>
+          <p:cNvSpPr/>
+          <p:nvPr/>
+        </p:nvSpPr>
+        <p:spPr>
+          <a:xfrm>
+            <a:off x="8760817" y="2692400"/>
+            <a:ext cx="508000" cy="406400"/>
+          </a:xfrm>
+          <a:prstGeom prst="rect">
+            <a:avLst/>
+          </a:prstGeom>
+          <a:noFill/>
+        </p:spPr>
+        <p:txBody>
+          <a:bodyPr wrap="square" lIns="0" tIns="0" rIns="0" bIns="0" rtlCol="0" anchor="ctr"/>
+          <a:lstStyle/>
+          <a:p>
+            <a:pPr>
+              <a:lnSpc>
+                <a:spcPct val="110000"/>
+              </a:lnSpc>
+            </a:pPr>
+            <a:r>
+              <a:rPr lang="en-US" sz="2400" b="1" dirty="0">
+                <a:solidFill>
+                  <a:srgbClr val="F0F2F5"/>
+                </a:solidFill>
+                <a:latin typeface="阿里妈妈数黑体" pitchFamily="34" charset="-122"/>
+                <a:ea typeface="阿里妈妈数黑体" pitchFamily="34" charset="-122"/>
+                <a:cs typeface="阿里妈妈数黑体" pitchFamily="34" charset="-120"/>
+              </a:rPr>
+              <a:t>02</a:t>
+            </a:r>
+            <a:endParaRPr lang="en-US" sz="1600" dirty="0"/>
+          </a:p>
+        </p:txBody>
+      </p:sp>
+      <p:sp>
+        <p:nvSpPr>
+          <p:cNvPr id="15" name="Text 13"/>
+          <p:cNvSpPr/>
+          <p:nvPr/>
+        </p:nvSpPr>
+        <p:spPr>
+          <a:xfrm>
+            <a:off x="9499600" y="2540000"/>
+            <a:ext cx="5867400" cy="355600"/>
+          </a:xfrm>
+          <a:prstGeom prst="rect">
+            <a:avLst/>
+          </a:prstGeom>
+          <a:noFill/>
+        </p:spPr>
+        <p:txBody>
+          <a:bodyPr wrap="square" lIns="0" tIns="0" rIns="0" bIns="0" rtlCol="0" anchor="ctr"/>
+          <a:lstStyle/>
+          <a:p>
+            <a:pPr>
+              <a:lnSpc>
+                <a:spcPct val="120000"/>
+              </a:lnSpc>
+            </a:pPr>
+            <a:r>
+              <a:rPr lang="en-US" sz="2000" b="1" dirty="0">
+                <a:solidFill>
+                  <a:srgbClr val="F0F2F5"/>
+                </a:solidFill>
+                <a:latin typeface="阿里妈妈数黑体" pitchFamily="34" charset="-122"/>
+                <a:ea typeface="阿里妈妈数黑体" pitchFamily="34" charset="-122"/>
+                <a:cs typeface="阿里妈妈数黑体" pitchFamily="34" charset="-120"/>
+              </a:rPr>
+              <a:t>国内外研究现状</a:t>
+            </a:r>
+            <a:endParaRPr lang="en-US" sz="1600" dirty="0"/>
+          </a:p>
+        </p:txBody>
+      </p:sp>
+      <p:sp>
+        <p:nvSpPr>
+          <p:cNvPr id="16" name="Text 14"/>
+          <p:cNvSpPr/>
+          <p:nvPr/>
+        </p:nvSpPr>
+        <p:spPr>
+          <a:xfrm>
+            <a:off x="9499600" y="2997200"/>
+            <a:ext cx="5842000" cy="330200"/>
+          </a:xfrm>
+          <a:prstGeom prst="rect">
+            <a:avLst/>
+          </a:prstGeom>
+          <a:noFill/>
+        </p:spPr>
+        <p:txBody>
+          <a:bodyPr wrap="square" lIns="0" tIns="0" rIns="0" bIns="0" rtlCol="0" anchor="ctr"/>
+          <a:lstStyle/>
+          <a:p>
+            <a:pPr>
+              <a:lnSpc>
+                <a:spcPct val="140000"/>
+              </a:lnSpc>
+            </a:pPr>
+            <a:r>
+              <a:rPr lang="en-US" sz="1600" dirty="0">
+                <a:solidFill>
+                  <a:srgbClr val="8D99AE"/>
+                </a:solidFill>
+                <a:latin typeface="MiSans" pitchFamily="34" charset="-122"/>
+                <a:ea typeface="MiSans" pitchFamily="34" charset="-122"/>
+                <a:cs typeface="MiSans" pitchFamily="34" charset="-120"/>
+              </a:rPr>
+              <a:t>梳理音乐节管理系统、Spring Boot与Vue技术的研究成果与进展</a:t>
+            </a:r>
+            <a:endParaRPr lang="en-US" sz="1600" dirty="0"/>
+          </a:p>
+        </p:txBody>
+      </p:sp>
+      <p:sp>
+        <p:nvSpPr>
+          <p:cNvPr id="17" name="Shape 15"/>
+          <p:cNvSpPr/>
+          <p:nvPr/>
+        </p:nvSpPr>
+        <p:spPr>
+          <a:xfrm>
+            <a:off x="533400" y="4165600"/>
+            <a:ext cx="7442200" cy="1295400"/>
+          </a:xfrm>
+          <a:custGeom>
+            <a:avLst/>
+            <a:gdLst/>
+            <a:ahLst/>
+            <a:cxnLst/>
+            <a:rect l="l" t="t" r="r" b="b"/>
+            <a:pathLst>
+              <a:path w="7442200" h="1295400">
+                <a:moveTo>
+                  <a:pt x="50800" y="0"/>
+                </a:moveTo>
+                <a:lnTo>
+                  <a:pt x="7340602" y="0"/>
+                </a:lnTo>
+                <a:cubicBezTo>
+                  <a:pt x="7396713" y="0"/>
+                  <a:pt x="7442200" y="45487"/>
+                  <a:pt x="7442200" y="101598"/>
+                </a:cubicBezTo>
+                <a:lnTo>
+                  <a:pt x="7442200" y="1193802"/>
+                </a:lnTo>
+                <a:cubicBezTo>
+                  <a:pt x="7442200" y="1249913"/>
+                  <a:pt x="7396713" y="1295400"/>
+                  <a:pt x="7340602" y="1295400"/>
+                </a:cubicBezTo>
+                <a:lnTo>
+                  <a:pt x="50800" y="1295400"/>
+                </a:lnTo>
+                <a:cubicBezTo>
+                  <a:pt x="22763" y="1295400"/>
+                  <a:pt x="0" y="1272637"/>
+                  <a:pt x="0" y="1244600"/>
+                </a:cubicBezTo>
+                <a:lnTo>
+                  <a:pt x="0" y="50800"/>
+                </a:lnTo>
+                <a:cubicBezTo>
+                  <a:pt x="0" y="22763"/>
+                  <a:pt x="22763" y="0"/>
+                  <a:pt x="50800" y="0"/>
+                </a:cubicBezTo>
+                <a:close/>
+              </a:path>
+            </a:pathLst>
+          </a:custGeom>
+          <a:solidFill>
+            <a:srgbClr val="5F7A8D">
+              <a:alpha val="10196"/>
+            </a:srgbClr>
+          </a:solidFill>
+        </p:spPr>
+      </p:sp>
+      <p:sp>
+        <p:nvSpPr>
+          <p:cNvPr id="18" name="Shape 16"/>
+          <p:cNvSpPr/>
+          <p:nvPr/>
+        </p:nvSpPr>
+        <p:spPr>
+          <a:xfrm>
+            <a:off x="533400" y="4165600"/>
+            <a:ext cx="50800" cy="1295400"/>
+          </a:xfrm>
+          <a:custGeom>
+            <a:avLst/>
+            <a:gdLst/>
+            <a:ahLst/>
+            <a:cxnLst/>
+            <a:rect l="l" t="t" r="r" b="b"/>
+            <a:pathLst>
+              <a:path w="50800" h="1295400">
+                <a:moveTo>
+                  <a:pt x="50800" y="0"/>
+                </a:moveTo>
+                <a:lnTo>
+                  <a:pt x="50800" y="0"/>
+                </a:lnTo>
+                <a:lnTo>
+                  <a:pt x="50800" y="1295400"/>
+                </a:lnTo>
+                <a:lnTo>
+                  <a:pt x="50800" y="1295400"/>
+                </a:lnTo>
+                <a:cubicBezTo>
+                  <a:pt x="22763" y="1295400"/>
+                  <a:pt x="0" y="1272637"/>
+                  <a:pt x="0" y="1244600"/>
+                </a:cubicBezTo>
+                <a:lnTo>
+                  <a:pt x="0" y="50800"/>
+                </a:lnTo>
+                <a:cubicBezTo>
+                  <a:pt x="0" y="22763"/>
+                  <a:pt x="22763" y="0"/>
+                  <a:pt x="50800" y="0"/>
+                </a:cubicBezTo>
+                <a:close/>
+              </a:path>
+            </a:pathLst>
+          </a:custGeom>
+          <a:solidFill>
+            <a:srgbClr val="8D99AE"/>
+          </a:solidFill>
+        </p:spPr>
+      </p:sp>
+      <p:sp>
+        <p:nvSpPr>
+          <p:cNvPr id="19" name="Shape 17"/>
+          <p:cNvSpPr/>
+          <p:nvPr/>
+        </p:nvSpPr>
+        <p:spPr>
+          <a:xfrm>
+            <a:off x="812800" y="4419600"/>
+            <a:ext cx="711200" cy="711200"/>
+          </a:xfrm>
+          <a:custGeom>
+            <a:avLst/>
+            <a:gdLst/>
+            <a:ahLst/>
+            <a:cxnLst/>
+            <a:rect l="l" t="t" r="r" b="b"/>
+            <a:pathLst>
+              <a:path w="711200" h="711200">
+                <a:moveTo>
+                  <a:pt x="101602" y="0"/>
+                </a:moveTo>
+                <a:lnTo>
+                  <a:pt x="609598" y="0"/>
+                </a:lnTo>
+                <a:cubicBezTo>
+                  <a:pt x="665711" y="0"/>
+                  <a:pt x="711200" y="45489"/>
+                  <a:pt x="711200" y="101602"/>
+                </a:cubicBezTo>
+                <a:lnTo>
+                  <a:pt x="711200" y="609598"/>
+                </a:lnTo>
+                <a:cubicBezTo>
+                  <a:pt x="711200" y="665711"/>
+                  <a:pt x="665711" y="711200"/>
+                  <a:pt x="609598" y="711200"/>
+                </a:cubicBezTo>
+                <a:lnTo>
+                  <a:pt x="101602" y="711200"/>
+                </a:lnTo>
+                <a:cubicBezTo>
+                  <a:pt x="45489" y="711200"/>
+                  <a:pt x="0" y="665711"/>
+                  <a:pt x="0" y="609598"/>
+                </a:cubicBezTo>
+                <a:lnTo>
+                  <a:pt x="0" y="101602"/>
+                </a:lnTo>
+                <a:cubicBezTo>
+                  <a:pt x="0" y="45526"/>
+                  <a:pt x="45526" y="0"/>
+                  <a:pt x="101602" y="0"/>
+                </a:cubicBezTo>
+                <a:close/>
+              </a:path>
+            </a:pathLst>
+          </a:custGeom>
+          <a:solidFill>
+            <a:srgbClr val="8D99AE"/>
+          </a:solidFill>
+        </p:spPr>
+      </p:sp>
+      <p:sp>
+        <p:nvSpPr>
+          <p:cNvPr id="20" name="Text 18"/>
+          <p:cNvSpPr/>
+          <p:nvPr/>
+        </p:nvSpPr>
+        <p:spPr>
+          <a:xfrm>
+            <a:off x="988417" y="4572000"/>
+            <a:ext cx="508000" cy="406400"/>
+          </a:xfrm>
+          <a:prstGeom prst="rect">
+            <a:avLst/>
+          </a:prstGeom>
+          <a:noFill/>
+        </p:spPr>
+        <p:txBody>
+          <a:bodyPr wrap="square" lIns="0" tIns="0" rIns="0" bIns="0" rtlCol="0" anchor="ctr"/>
+          <a:lstStyle/>
+          <a:p>
+            <a:pPr>
+              <a:lnSpc>
+                <a:spcPct val="110000"/>
+              </a:lnSpc>
+            </a:pPr>
+            <a:r>
+              <a:rPr lang="en-US" sz="2400" b="1" dirty="0">
+                <a:solidFill>
+                  <a:srgbClr val="1A1D24"/>
+                </a:solidFill>
+                <a:latin typeface="阿里妈妈数黑体" pitchFamily="34" charset="-122"/>
+                <a:ea typeface="阿里妈妈数黑体" pitchFamily="34" charset="-122"/>
+                <a:cs typeface="阿里妈妈数黑体" pitchFamily="34" charset="-120"/>
+              </a:rPr>
+              <a:t>03</a:t>
+            </a:r>
+            <a:endParaRPr lang="en-US" sz="1600" dirty="0"/>
+          </a:p>
+        </p:txBody>
+      </p:sp>
+      <p:sp>
+        <p:nvSpPr>
+          <p:cNvPr id="21" name="Text 19"/>
+          <p:cNvSpPr/>
+          <p:nvPr/>
+        </p:nvSpPr>
+        <p:spPr>
+          <a:xfrm>
+            <a:off x="1727200" y="4419600"/>
+            <a:ext cx="5207000" cy="355600"/>
+          </a:xfrm>
+          <a:prstGeom prst="rect">
+            <a:avLst/>
+          </a:prstGeom>
+          <a:noFill/>
+        </p:spPr>
+        <p:txBody>
+          <a:bodyPr wrap="square" lIns="0" tIns="0" rIns="0" bIns="0" rtlCol="0" anchor="ctr"/>
+          <a:lstStyle/>
+          <a:p>
+            <a:pPr>
+              <a:lnSpc>
+                <a:spcPct val="120000"/>
+              </a:lnSpc>
+            </a:pPr>
+            <a:r>
+              <a:rPr lang="en-US" sz="2000" b="1" dirty="0">
+                <a:solidFill>
+                  <a:srgbClr val="F0F2F5"/>
+                </a:solidFill>
+                <a:latin typeface="阿里妈妈数黑体" pitchFamily="34" charset="-122"/>
+                <a:ea typeface="阿里妈妈数黑体" pitchFamily="34" charset="-122"/>
+                <a:cs typeface="阿里妈妈数黑体" pitchFamily="34" charset="-120"/>
+              </a:rPr>
+              <a:t>研究内容与目标</a:t>
+            </a:r>
+            <a:endParaRPr lang="en-US" sz="1600" dirty="0"/>
+          </a:p>
+        </p:txBody>
+      </p:sp>
+      <p:sp>
+        <p:nvSpPr>
+          <p:cNvPr id="22" name="Text 20"/>
+          <p:cNvSpPr/>
+          <p:nvPr/>
+        </p:nvSpPr>
+        <p:spPr>
+          <a:xfrm>
+            <a:off x="1727200" y="4876800"/>
+            <a:ext cx="5181600" cy="330200"/>
+          </a:xfrm>
+          <a:prstGeom prst="rect">
+            <a:avLst/>
+          </a:prstGeom>
+          <a:noFill/>
+        </p:spPr>
+        <p:txBody>
+          <a:bodyPr wrap="square" lIns="0" tIns="0" rIns="0" bIns="0" rtlCol="0" anchor="ctr"/>
+          <a:lstStyle/>
+          <a:p>
+            <a:pPr>
+              <a:lnSpc>
+                <a:spcPct val="140000"/>
+              </a:lnSpc>
+            </a:pPr>
+            <a:r>
+              <a:rPr lang="en-US" sz="1600" dirty="0">
+                <a:solidFill>
+                  <a:srgbClr val="8D99AE"/>
+                </a:solidFill>
+                <a:latin typeface="MiSans" pitchFamily="34" charset="-122"/>
+                <a:ea typeface="MiSans" pitchFamily="34" charset="-122"/>
+                <a:cs typeface="MiSans" pitchFamily="34" charset="-120"/>
+              </a:rPr>
+              <a:t>明确系统功能模块、性能需求与设计目标，界定研究边界</a:t>
+            </a:r>
+            <a:endParaRPr lang="en-US" sz="1600" dirty="0"/>
+          </a:p>
+        </p:txBody>
+      </p:sp>
+      <p:sp>
+        <p:nvSpPr>
+          <p:cNvPr id="23" name="Shape 21"/>
+          <p:cNvSpPr/>
+          <p:nvPr/>
+        </p:nvSpPr>
+        <p:spPr>
+          <a:xfrm>
+            <a:off x="8305800" y="4165600"/>
+            <a:ext cx="7442200" cy="1295400"/>
+          </a:xfrm>
+          <a:custGeom>
+            <a:avLst/>
+            <a:gdLst/>
+            <a:ahLst/>
+            <a:cxnLst/>
+            <a:rect l="l" t="t" r="r" b="b"/>
+            <a:pathLst>
+              <a:path w="7442200" h="1295400">
+                <a:moveTo>
+                  <a:pt x="50800" y="0"/>
+                </a:moveTo>
+                <a:lnTo>
+                  <a:pt x="7340602" y="0"/>
+                </a:lnTo>
+                <a:cubicBezTo>
+                  <a:pt x="7396713" y="0"/>
+                  <a:pt x="7442200" y="45487"/>
+                  <a:pt x="7442200" y="101598"/>
+                </a:cubicBezTo>
+                <a:lnTo>
+                  <a:pt x="7442200" y="1193802"/>
+                </a:lnTo>
+                <a:cubicBezTo>
+                  <a:pt x="7442200" y="1249913"/>
+                  <a:pt x="7396713" y="1295400"/>
+                  <a:pt x="7340602" y="1295400"/>
+                </a:cubicBezTo>
+                <a:lnTo>
+                  <a:pt x="50800" y="1295400"/>
+                </a:lnTo>
+                <a:cubicBezTo>
+                  <a:pt x="22763" y="1295400"/>
+                  <a:pt x="0" y="1272637"/>
+                  <a:pt x="0" y="1244600"/>
+                </a:cubicBezTo>
+                <a:lnTo>
+                  <a:pt x="0" y="50800"/>
+                </a:lnTo>
+                <a:cubicBezTo>
+                  <a:pt x="0" y="22763"/>
+                  <a:pt x="22763" y="0"/>
+                  <a:pt x="50800" y="0"/>
+                </a:cubicBezTo>
+                <a:close/>
+              </a:path>
+            </a:pathLst>
+          </a:custGeom>
+          <a:solidFill>
+            <a:srgbClr val="5F7A8D">
+              <a:alpha val="10196"/>
+            </a:srgbClr>
+          </a:solidFill>
+        </p:spPr>
+      </p:sp>
+      <p:sp>
+        <p:nvSpPr>
+          <p:cNvPr id="24" name="Shape 22"/>
+          <p:cNvSpPr/>
+          <p:nvPr/>
+        </p:nvSpPr>
+        <p:spPr>
+          <a:xfrm>
+            <a:off x="8305800" y="4165600"/>
+            <a:ext cx="50800" cy="1295400"/>
+          </a:xfrm>
+          <a:custGeom>
+            <a:avLst/>
+            <a:gdLst/>
+            <a:ahLst/>
+            <a:cxnLst/>
+            <a:rect l="l" t="t" r="r" b="b"/>
+            <a:pathLst>
+              <a:path w="50800" h="1295400">
+                <a:moveTo>
+                  <a:pt x="50800" y="0"/>
+                </a:moveTo>
+                <a:lnTo>
+                  <a:pt x="50800" y="0"/>
+                </a:lnTo>
+                <a:lnTo>
+                  <a:pt x="50800" y="1295400"/>
+                </a:lnTo>
+                <a:lnTo>
+                  <a:pt x="50800" y="1295400"/>
+                </a:lnTo>
+                <a:cubicBezTo>
+                  <a:pt x="22763" y="1295400"/>
+                  <a:pt x="0" y="1272637"/>
+                  <a:pt x="0" y="1244600"/>
+                </a:cubicBezTo>
+                <a:lnTo>
+                  <a:pt x="0" y="50800"/>
+                </a:lnTo>
+                <a:cubicBezTo>
+                  <a:pt x="0" y="22763"/>
+                  <a:pt x="22763" y="0"/>
+                  <a:pt x="50800" y="0"/>
+                </a:cubicBezTo>
+                <a:close/>
+              </a:path>
+            </a:pathLst>
+          </a:custGeom>
+          <a:solidFill>
+            <a:srgbClr val="E07A5F"/>
+          </a:solidFill>
+        </p:spPr>
+      </p:sp>
+      <p:sp>
+        <p:nvSpPr>
+          <p:cNvPr id="25" name="Shape 23"/>
+          <p:cNvSpPr/>
+          <p:nvPr/>
+        </p:nvSpPr>
+        <p:spPr>
+          <a:xfrm>
+            <a:off x="8585200" y="4419600"/>
+            <a:ext cx="711200" cy="711200"/>
+          </a:xfrm>
+          <a:custGeom>
+            <a:avLst/>
+            <a:gdLst/>
+            <a:ahLst/>
+            <a:cxnLst/>
+            <a:rect l="l" t="t" r="r" b="b"/>
+            <a:pathLst>
+              <a:path w="711200" h="711200">
+                <a:moveTo>
+                  <a:pt x="101602" y="0"/>
+                </a:moveTo>
+                <a:lnTo>
+                  <a:pt x="609598" y="0"/>
+                </a:lnTo>
+                <a:cubicBezTo>
+                  <a:pt x="665711" y="0"/>
+                  <a:pt x="711200" y="45489"/>
+                  <a:pt x="711200" y="101602"/>
+                </a:cubicBezTo>
+                <a:lnTo>
+                  <a:pt x="711200" y="609598"/>
+                </a:lnTo>
+                <a:cubicBezTo>
+                  <a:pt x="711200" y="665711"/>
+                  <a:pt x="665711" y="711200"/>
+                  <a:pt x="609598" y="711200"/>
+                </a:cubicBezTo>
+                <a:lnTo>
+                  <a:pt x="101602" y="711200"/>
+                </a:lnTo>
+                <a:cubicBezTo>
+                  <a:pt x="45489" y="711200"/>
+                  <a:pt x="0" y="665711"/>
+                  <a:pt x="0" y="609598"/>
+                </a:cubicBezTo>
+                <a:lnTo>
+                  <a:pt x="0" y="101602"/>
+                </a:lnTo>
+                <a:cubicBezTo>
+                  <a:pt x="0" y="45526"/>
+                  <a:pt x="45526" y="0"/>
+                  <a:pt x="101602" y="0"/>
+                </a:cubicBezTo>
+                <a:close/>
+              </a:path>
+            </a:pathLst>
+          </a:custGeom>
+          <a:solidFill>
+            <a:srgbClr val="E07A5F"/>
+          </a:solidFill>
+        </p:spPr>
+      </p:sp>
+      <p:sp>
+        <p:nvSpPr>
+          <p:cNvPr id="26" name="Text 24"/>
+          <p:cNvSpPr/>
+          <p:nvPr/>
+        </p:nvSpPr>
+        <p:spPr>
+          <a:xfrm>
+            <a:off x="8760817" y="4572000"/>
+            <a:ext cx="508000" cy="406400"/>
+          </a:xfrm>
+          <a:prstGeom prst="rect">
+            <a:avLst/>
+          </a:prstGeom>
+          <a:noFill/>
+        </p:spPr>
+        <p:txBody>
+          <a:bodyPr wrap="square" lIns="0" tIns="0" rIns="0" bIns="0" rtlCol="0" anchor="ctr"/>
+          <a:lstStyle/>
+          <a:p>
+            <a:pPr>
+              <a:lnSpc>
+                <a:spcPct val="110000"/>
+              </a:lnSpc>
+            </a:pPr>
+            <a:r>
+              <a:rPr lang="en-US" sz="2400" b="1" dirty="0">
+                <a:solidFill>
+                  <a:srgbClr val="1A1D24"/>
+                </a:solidFill>
+                <a:latin typeface="阿里妈妈数黑体" pitchFamily="34" charset="-122"/>
+                <a:ea typeface="阿里妈妈数黑体" pitchFamily="34" charset="-122"/>
+                <a:cs typeface="阿里妈妈数黑体" pitchFamily="34" charset="-120"/>
+              </a:rPr>
+              <a:t>04</a:t>
+            </a:r>
+            <a:endParaRPr lang="en-US" sz="1600" dirty="0"/>
+          </a:p>
+        </p:txBody>
+      </p:sp>
+      <p:sp>
+        <p:nvSpPr>
+          <p:cNvPr id="27" name="Text 25"/>
+          <p:cNvSpPr/>
+          <p:nvPr/>
+        </p:nvSpPr>
+        <p:spPr>
+          <a:xfrm>
+            <a:off x="9499600" y="4419600"/>
+            <a:ext cx="4800600" cy="355600"/>
+          </a:xfrm>
+          <a:prstGeom prst="rect">
+            <a:avLst/>
+          </a:prstGeom>
+          <a:noFill/>
+        </p:spPr>
+        <p:txBody>
+          <a:bodyPr wrap="square" lIns="0" tIns="0" rIns="0" bIns="0" rtlCol="0" anchor="ctr"/>
+          <a:lstStyle/>
+          <a:p>
+            <a:pPr>
+              <a:lnSpc>
+                <a:spcPct val="120000"/>
+              </a:lnSpc>
+            </a:pPr>
+            <a:r>
+              <a:rPr lang="en-US" sz="2000" b="1" dirty="0">
+                <a:solidFill>
+                  <a:srgbClr val="F0F2F5"/>
+                </a:solidFill>
+                <a:latin typeface="阿里妈妈数黑体" pitchFamily="34" charset="-122"/>
+                <a:ea typeface="阿里妈妈数黑体" pitchFamily="34" charset="-122"/>
+                <a:cs typeface="阿里妈妈数黑体" pitchFamily="34" charset="-120"/>
+              </a:rPr>
+              <a:t>关键技术路线</a:t>
+            </a:r>
+            <a:endParaRPr lang="en-US" sz="1600" dirty="0"/>
+          </a:p>
+        </p:txBody>
+      </p:sp>
+      <p:sp>
+        <p:nvSpPr>
+          <p:cNvPr id="28" name="Text 26"/>
+          <p:cNvSpPr/>
+          <p:nvPr/>
+        </p:nvSpPr>
+        <p:spPr>
+          <a:xfrm>
+            <a:off x="9499600" y="4876800"/>
+            <a:ext cx="4775200" cy="330200"/>
+          </a:xfrm>
+          <a:prstGeom prst="rect">
+            <a:avLst/>
+          </a:prstGeom>
+          <a:noFill/>
+        </p:spPr>
+        <p:txBody>
+          <a:bodyPr wrap="square" lIns="0" tIns="0" rIns="0" bIns="0" rtlCol="0" anchor="ctr"/>
+          <a:lstStyle/>
+          <a:p>
+            <a:pPr>
+              <a:lnSpc>
+                <a:spcPct val="140000"/>
+              </a:lnSpc>
+            </a:pPr>
+            <a:r>
+              <a:rPr lang="en-US" sz="1600" dirty="0">
+                <a:solidFill>
+                  <a:srgbClr val="8D99AE"/>
+                </a:solidFill>
+                <a:latin typeface="MiSans" pitchFamily="34" charset="-122"/>
+                <a:ea typeface="MiSans" pitchFamily="34" charset="-122"/>
+                <a:cs typeface="MiSans" pitchFamily="34" charset="-120"/>
+              </a:rPr>
+              <a:t>说明后端、前端及第三方服务的技术选型与集成方案</a:t>
+            </a:r>
+            <a:endParaRPr lang="en-US" sz="1600" dirty="0"/>
+          </a:p>
+        </p:txBody>
+      </p:sp>
+      <p:sp>
+        <p:nvSpPr>
+          <p:cNvPr id="29" name="Shape 27"/>
+          <p:cNvSpPr/>
+          <p:nvPr/>
+        </p:nvSpPr>
+        <p:spPr>
+          <a:xfrm>
+            <a:off x="533400" y="5715000"/>
+            <a:ext cx="7442200" cy="1295400"/>
+          </a:xfrm>
+          <a:custGeom>
+            <a:avLst/>
+            <a:gdLst/>
+            <a:ahLst/>
+            <a:cxnLst/>
+            <a:rect l="l" t="t" r="r" b="b"/>
+            <a:pathLst>
+              <a:path w="7442200" h="1295400">
+                <a:moveTo>
+                  <a:pt x="50800" y="0"/>
+                </a:moveTo>
+                <a:lnTo>
+                  <a:pt x="7340602" y="0"/>
+                </a:lnTo>
+                <a:cubicBezTo>
+                  <a:pt x="7396713" y="0"/>
+                  <a:pt x="7442200" y="45487"/>
+                  <a:pt x="7442200" y="101598"/>
+                </a:cubicBezTo>
+                <a:lnTo>
+                  <a:pt x="7442200" y="1193802"/>
+                </a:lnTo>
+                <a:cubicBezTo>
+                  <a:pt x="7442200" y="1249913"/>
+                  <a:pt x="7396713" y="1295400"/>
+                  <a:pt x="7340602" y="1295400"/>
+                </a:cubicBezTo>
+                <a:lnTo>
+                  <a:pt x="50800" y="1295400"/>
+                </a:lnTo>
+                <a:cubicBezTo>
+                  <a:pt x="22763" y="1295400"/>
+                  <a:pt x="0" y="1272637"/>
+                  <a:pt x="0" y="1244600"/>
+                </a:cubicBezTo>
+                <a:lnTo>
+                  <a:pt x="0" y="50800"/>
+                </a:lnTo>
+                <a:cubicBezTo>
+                  <a:pt x="0" y="22763"/>
+                  <a:pt x="22763" y="0"/>
+                  <a:pt x="50800" y="0"/>
+                </a:cubicBezTo>
+                <a:close/>
+              </a:path>
+            </a:pathLst>
+          </a:custGeom>
+          <a:solidFill>
+            <a:srgbClr val="5F7A8D">
+              <a:alpha val="10196"/>
+            </a:srgbClr>
+          </a:solidFill>
+        </p:spPr>
+      </p:sp>
+      <p:sp>
+        <p:nvSpPr>
+          <p:cNvPr id="30" name="Shape 28"/>
+          <p:cNvSpPr/>
+          <p:nvPr/>
+        </p:nvSpPr>
+        <p:spPr>
+          <a:xfrm>
+            <a:off x="533400" y="5715000"/>
+            <a:ext cx="50800" cy="1295400"/>
+          </a:xfrm>
+          <a:custGeom>
+            <a:avLst/>
+            <a:gdLst/>
+            <a:ahLst/>
+            <a:cxnLst/>
+            <a:rect l="l" t="t" r="r" b="b"/>
+            <a:pathLst>
+              <a:path w="50800" h="1295400">
+                <a:moveTo>
+                  <a:pt x="50800" y="0"/>
+                </a:moveTo>
+                <a:lnTo>
+                  <a:pt x="50800" y="0"/>
+                </a:lnTo>
+                <a:lnTo>
+                  <a:pt x="50800" y="1295400"/>
+                </a:lnTo>
+                <a:lnTo>
+                  <a:pt x="50800" y="1295400"/>
+                </a:lnTo>
+                <a:cubicBezTo>
+                  <a:pt x="22763" y="1295400"/>
+                  <a:pt x="0" y="1272637"/>
+                  <a:pt x="0" y="1244600"/>
+                </a:cubicBezTo>
+                <a:lnTo>
+                  <a:pt x="0" y="50800"/>
+                </a:lnTo>
+                <a:cubicBezTo>
+                  <a:pt x="0" y="22763"/>
+                  <a:pt x="22763" y="0"/>
+                  <a:pt x="50800" y="0"/>
+                </a:cubicBezTo>
+                <a:close/>
+              </a:path>
+            </a:pathLst>
+          </a:custGeom>
+          <a:solidFill>
+            <a:srgbClr val="5F7A8D"/>
+          </a:solidFill>
+        </p:spPr>
+      </p:sp>
+      <p:sp>
+        <p:nvSpPr>
+          <p:cNvPr id="31" name="Shape 29"/>
+          <p:cNvSpPr/>
+          <p:nvPr/>
+        </p:nvSpPr>
+        <p:spPr>
+          <a:xfrm>
+            <a:off x="812800" y="5969000"/>
+            <a:ext cx="711200" cy="711200"/>
+          </a:xfrm>
+          <a:custGeom>
+            <a:avLst/>
+            <a:gdLst/>
+            <a:ahLst/>
+            <a:cxnLst/>
+            <a:rect l="l" t="t" r="r" b="b"/>
+            <a:pathLst>
+              <a:path w="711200" h="711200">
+                <a:moveTo>
+                  <a:pt x="101602" y="0"/>
+                </a:moveTo>
+                <a:lnTo>
+                  <a:pt x="609598" y="0"/>
+                </a:lnTo>
+                <a:cubicBezTo>
+                  <a:pt x="665711" y="0"/>
+                  <a:pt x="711200" y="45489"/>
+                  <a:pt x="711200" y="101602"/>
+                </a:cubicBezTo>
+                <a:lnTo>
+                  <a:pt x="711200" y="609598"/>
+                </a:lnTo>
+                <a:cubicBezTo>
+                  <a:pt x="711200" y="665711"/>
+                  <a:pt x="665711" y="711200"/>
+                  <a:pt x="609598" y="711200"/>
+                </a:cubicBezTo>
+                <a:lnTo>
+                  <a:pt x="101602" y="711200"/>
+                </a:lnTo>
+                <a:cubicBezTo>
+                  <a:pt x="45489" y="711200"/>
+                  <a:pt x="0" y="665711"/>
+                  <a:pt x="0" y="609598"/>
+                </a:cubicBezTo>
+                <a:lnTo>
+                  <a:pt x="0" y="101602"/>
+                </a:lnTo>
+                <a:cubicBezTo>
+                  <a:pt x="0" y="45526"/>
+                  <a:pt x="45526" y="0"/>
+                  <a:pt x="101602" y="0"/>
+                </a:cubicBezTo>
+                <a:close/>
+              </a:path>
+            </a:pathLst>
+          </a:custGeom>
+          <a:solidFill>
+            <a:srgbClr val="5F7A8D"/>
+          </a:solidFill>
+        </p:spPr>
+      </p:sp>
+      <p:sp>
+        <p:nvSpPr>
+          <p:cNvPr id="32" name="Text 30"/>
+          <p:cNvSpPr/>
+          <p:nvPr/>
+        </p:nvSpPr>
+        <p:spPr>
+          <a:xfrm>
+            <a:off x="988417" y="6121400"/>
+            <a:ext cx="508000" cy="406400"/>
+          </a:xfrm>
+          <a:prstGeom prst="rect">
+            <a:avLst/>
+          </a:prstGeom>
+          <a:noFill/>
+        </p:spPr>
+        <p:txBody>
+          <a:bodyPr wrap="square" lIns="0" tIns="0" rIns="0" bIns="0" rtlCol="0" anchor="ctr"/>
+          <a:lstStyle/>
+          <a:p>
+            <a:pPr>
+              <a:lnSpc>
+                <a:spcPct val="110000"/>
+              </a:lnSpc>
+            </a:pPr>
+            <a:r>
+              <a:rPr lang="en-US" sz="2400" b="1" dirty="0">
+                <a:solidFill>
+                  <a:srgbClr val="F0F2F5"/>
+                </a:solidFill>
+                <a:latin typeface="阿里妈妈数黑体" pitchFamily="34" charset="-122"/>
+                <a:ea typeface="阿里妈妈数黑体" pitchFamily="34" charset="-122"/>
+                <a:cs typeface="阿里妈妈数黑体" pitchFamily="34" charset="-120"/>
+              </a:rPr>
+              <a:t>05</a:t>
+            </a:r>
+            <a:endParaRPr lang="en-US" sz="1600" dirty="0"/>
+          </a:p>
+        </p:txBody>
+      </p:sp>
+      <p:sp>
+        <p:nvSpPr>
+          <p:cNvPr id="33" name="Text 31"/>
+          <p:cNvSpPr/>
+          <p:nvPr/>
+        </p:nvSpPr>
+        <p:spPr>
+          <a:xfrm>
+            <a:off x="1727200" y="5969000"/>
+            <a:ext cx="5143500" cy="355600"/>
+          </a:xfrm>
+          <a:prstGeom prst="rect">
+            <a:avLst/>
+          </a:prstGeom>
+          <a:noFill/>
+        </p:spPr>
+        <p:txBody>
+          <a:bodyPr wrap="square" lIns="0" tIns="0" rIns="0" bIns="0" rtlCol="0" anchor="ctr"/>
+          <a:lstStyle/>
+          <a:p>
+            <a:pPr>
+              <a:lnSpc>
+                <a:spcPct val="120000"/>
+              </a:lnSpc>
+            </a:pPr>
+            <a:r>
+              <a:rPr lang="en-US" sz="2000" b="1" dirty="0">
+                <a:solidFill>
+                  <a:srgbClr val="F0F2F5"/>
+                </a:solidFill>
+                <a:latin typeface="阿里妈妈数黑体" pitchFamily="34" charset="-122"/>
+                <a:ea typeface="阿里妈妈数黑体" pitchFamily="34" charset="-122"/>
+                <a:cs typeface="阿里妈妈数黑体" pitchFamily="34" charset="-120"/>
+              </a:rPr>
+              <a:t>系统架构设计</a:t>
+            </a:r>
+            <a:endParaRPr lang="en-US" sz="1600" dirty="0"/>
+          </a:p>
+        </p:txBody>
+      </p:sp>
+      <p:sp>
+        <p:nvSpPr>
+          <p:cNvPr id="34" name="Text 32"/>
+          <p:cNvSpPr/>
+          <p:nvPr/>
+        </p:nvSpPr>
+        <p:spPr>
+          <a:xfrm>
+            <a:off x="1727200" y="6426200"/>
+            <a:ext cx="5118100" cy="330200"/>
+          </a:xfrm>
+          <a:prstGeom prst="rect">
+            <a:avLst/>
+          </a:prstGeom>
+          <a:noFill/>
+        </p:spPr>
+        <p:txBody>
+          <a:bodyPr wrap="square" lIns="0" tIns="0" rIns="0" bIns="0" rtlCol="0" anchor="ctr"/>
+          <a:lstStyle/>
+          <a:p>
+            <a:pPr>
+              <a:lnSpc>
+                <a:spcPct val="140000"/>
+              </a:lnSpc>
+            </a:pPr>
+            <a:r>
+              <a:rPr lang="en-US" sz="1600" dirty="0">
+                <a:solidFill>
+                  <a:srgbClr val="8D99AE"/>
+                </a:solidFill>
+                <a:latin typeface="MiSans" pitchFamily="34" charset="-122"/>
+                <a:ea typeface="MiSans" pitchFamily="34" charset="-122"/>
+                <a:cs typeface="MiSans" pitchFamily="34" charset="-120"/>
+              </a:rPr>
+              <a:t>展示系统总体架构、功能模块划分与数据库E-R模型设计</a:t>
+            </a:r>
+            <a:endParaRPr lang="en-US" sz="1600" dirty="0"/>
+          </a:p>
+        </p:txBody>
+      </p:sp>
+      <p:sp>
+        <p:nvSpPr>
+          <p:cNvPr id="35" name="Shape 33"/>
+          <p:cNvSpPr/>
+          <p:nvPr/>
+        </p:nvSpPr>
+        <p:spPr>
+          <a:xfrm>
+            <a:off x="8305800" y="5715000"/>
+            <a:ext cx="7442200" cy="1295400"/>
+          </a:xfrm>
+          <a:custGeom>
+            <a:avLst/>
+            <a:gdLst/>
+            <a:ahLst/>
+            <a:cxnLst/>
+            <a:rect l="l" t="t" r="r" b="b"/>
+            <a:pathLst>
+              <a:path w="7442200" h="1295400">
+                <a:moveTo>
+                  <a:pt x="50800" y="0"/>
+                </a:moveTo>
+                <a:lnTo>
+                  <a:pt x="7340602" y="0"/>
+                </a:lnTo>
+                <a:cubicBezTo>
+                  <a:pt x="7396713" y="0"/>
+                  <a:pt x="7442200" y="45487"/>
+                  <a:pt x="7442200" y="101598"/>
+                </a:cubicBezTo>
+                <a:lnTo>
+                  <a:pt x="7442200" y="1193802"/>
+                </a:lnTo>
+                <a:cubicBezTo>
+                  <a:pt x="7442200" y="1249913"/>
+                  <a:pt x="7396713" y="1295400"/>
+                  <a:pt x="7340602" y="1295400"/>
+                </a:cubicBezTo>
+                <a:lnTo>
+                  <a:pt x="50800" y="1295400"/>
+                </a:lnTo>
+                <a:cubicBezTo>
+                  <a:pt x="22763" y="1295400"/>
+                  <a:pt x="0" y="1272637"/>
+                  <a:pt x="0" y="1244600"/>
+                </a:cubicBezTo>
+                <a:lnTo>
+                  <a:pt x="0" y="50800"/>
+                </a:lnTo>
+                <a:cubicBezTo>
+                  <a:pt x="0" y="22763"/>
+                  <a:pt x="22763" y="0"/>
+                  <a:pt x="50800" y="0"/>
+                </a:cubicBezTo>
+                <a:close/>
+              </a:path>
+            </a:pathLst>
+          </a:custGeom>
+          <a:solidFill>
+            <a:srgbClr val="5F7A8D">
+              <a:alpha val="10196"/>
+            </a:srgbClr>
+          </a:solidFill>
+        </p:spPr>
+      </p:sp>
+      <p:sp>
+        <p:nvSpPr>
+          <p:cNvPr id="36" name="Shape 34"/>
+          <p:cNvSpPr/>
+          <p:nvPr/>
+        </p:nvSpPr>
+        <p:spPr>
+          <a:xfrm>
+            <a:off x="8305800" y="5715000"/>
+            <a:ext cx="50800" cy="1295400"/>
+          </a:xfrm>
+          <a:custGeom>
+            <a:avLst/>
+            <a:gdLst/>
+            <a:ahLst/>
+            <a:cxnLst/>
+            <a:rect l="l" t="t" r="r" b="b"/>
+            <a:pathLst>
+              <a:path w="50800" h="1295400">
+                <a:moveTo>
+                  <a:pt x="50800" y="0"/>
+                </a:moveTo>
+                <a:lnTo>
+                  <a:pt x="50800" y="0"/>
+                </a:lnTo>
+                <a:lnTo>
+                  <a:pt x="50800" y="1295400"/>
+                </a:lnTo>
+                <a:lnTo>
+                  <a:pt x="50800" y="1295400"/>
+                </a:lnTo>
+                <a:cubicBezTo>
+                  <a:pt x="22763" y="1295400"/>
+                  <a:pt x="0" y="1272637"/>
+                  <a:pt x="0" y="1244600"/>
+                </a:cubicBezTo>
+                <a:lnTo>
+                  <a:pt x="0" y="50800"/>
+                </a:lnTo>
+                <a:cubicBezTo>
+                  <a:pt x="0" y="22763"/>
+                  <a:pt x="22763" y="0"/>
+                  <a:pt x="50800" y="0"/>
+                </a:cubicBezTo>
+                <a:close/>
+              </a:path>
+            </a:pathLst>
+          </a:custGeom>
+          <a:solidFill>
+            <a:srgbClr val="8D99AE"/>
+          </a:solidFill>
+        </p:spPr>
+      </p:sp>
+      <p:sp>
+        <p:nvSpPr>
+          <p:cNvPr id="37" name="Shape 35"/>
+          <p:cNvSpPr/>
+          <p:nvPr/>
+        </p:nvSpPr>
+        <p:spPr>
+          <a:xfrm>
+            <a:off x="8585200" y="5969000"/>
+            <a:ext cx="711200" cy="711200"/>
+          </a:xfrm>
+          <a:custGeom>
+            <a:avLst/>
+            <a:gdLst/>
+            <a:ahLst/>
+            <a:cxnLst/>
+            <a:rect l="l" t="t" r="r" b="b"/>
+            <a:pathLst>
+              <a:path w="711200" h="711200">
+                <a:moveTo>
+                  <a:pt x="101602" y="0"/>
+                </a:moveTo>
+                <a:lnTo>
+                  <a:pt x="609598" y="0"/>
+                </a:lnTo>
+                <a:cubicBezTo>
+                  <a:pt x="665711" y="0"/>
+                  <a:pt x="711200" y="45489"/>
+                  <a:pt x="711200" y="101602"/>
+                </a:cubicBezTo>
+                <a:lnTo>
+                  <a:pt x="711200" y="609598"/>
+                </a:lnTo>
+                <a:cubicBezTo>
+                  <a:pt x="711200" y="665711"/>
+                  <a:pt x="665711" y="711200"/>
+                  <a:pt x="609598" y="711200"/>
+                </a:cubicBezTo>
+                <a:lnTo>
+                  <a:pt x="101602" y="711200"/>
+                </a:lnTo>
+                <a:cubicBezTo>
+                  <a:pt x="45489" y="711200"/>
+                  <a:pt x="0" y="665711"/>
+                  <a:pt x="0" y="609598"/>
+                </a:cubicBezTo>
+                <a:lnTo>
+                  <a:pt x="0" y="101602"/>
+                </a:lnTo>
+                <a:cubicBezTo>
+                  <a:pt x="0" y="45526"/>
+                  <a:pt x="45526" y="0"/>
+                  <a:pt x="101602" y="0"/>
+                </a:cubicBezTo>
+                <a:close/>
+              </a:path>
+            </a:pathLst>
+          </a:custGeom>
+          <a:solidFill>
+            <a:srgbClr val="8D99AE"/>
+          </a:solidFill>
+        </p:spPr>
+      </p:sp>
+      <p:sp>
+        <p:nvSpPr>
+          <p:cNvPr id="38" name="Text 36"/>
+          <p:cNvSpPr/>
+          <p:nvPr/>
+        </p:nvSpPr>
+        <p:spPr>
+          <a:xfrm>
+            <a:off x="8760817" y="6121400"/>
+            <a:ext cx="508000" cy="406400"/>
+          </a:xfrm>
+          <a:prstGeom prst="rect">
+            <a:avLst/>
+          </a:prstGeom>
+          <a:noFill/>
+        </p:spPr>
+        <p:txBody>
+          <a:bodyPr wrap="square" lIns="0" tIns="0" rIns="0" bIns="0" rtlCol="0" anchor="ctr"/>
+          <a:lstStyle/>
+          <a:p>
+            <a:pPr>
+              <a:lnSpc>
+                <a:spcPct val="110000"/>
+              </a:lnSpc>
+            </a:pPr>
+            <a:r>
+              <a:rPr lang="en-US" sz="2400" b="1" dirty="0">
+                <a:solidFill>
+                  <a:srgbClr val="1A1D24"/>
+                </a:solidFill>
+                <a:latin typeface="阿里妈妈数黑体" pitchFamily="34" charset="-122"/>
+                <a:ea typeface="阿里妈妈数黑体" pitchFamily="34" charset="-122"/>
+                <a:cs typeface="阿里妈妈数黑体" pitchFamily="34" charset="-120"/>
+              </a:rPr>
+              <a:t>06</a:t>
+            </a:r>
+            <a:endParaRPr lang="en-US" sz="1600" dirty="0"/>
+          </a:p>
+        </p:txBody>
+      </p:sp>
+      <p:sp>
+        <p:nvSpPr>
+          <p:cNvPr id="39" name="Text 37"/>
+          <p:cNvSpPr/>
+          <p:nvPr/>
+        </p:nvSpPr>
+        <p:spPr>
+          <a:xfrm>
+            <a:off x="9499600" y="5969000"/>
+            <a:ext cx="5613400" cy="355600"/>
+          </a:xfrm>
+          <a:prstGeom prst="rect">
+            <a:avLst/>
+          </a:prstGeom>
+          <a:noFill/>
+        </p:spPr>
+        <p:txBody>
+          <a:bodyPr wrap="square" lIns="0" tIns="0" rIns="0" bIns="0" rtlCol="0" anchor="ctr"/>
+          <a:lstStyle/>
+          <a:p>
+            <a:pPr>
+              <a:lnSpc>
+                <a:spcPct val="120000"/>
+              </a:lnSpc>
+            </a:pPr>
+            <a:r>
+              <a:rPr lang="en-US" sz="2000" b="1" dirty="0">
+                <a:solidFill>
+                  <a:srgbClr val="F0F2F5"/>
+                </a:solidFill>
+                <a:latin typeface="阿里妈妈数黑体" pitchFamily="34" charset="-122"/>
+                <a:ea typeface="阿里妈妈数黑体" pitchFamily="34" charset="-122"/>
+                <a:cs typeface="阿里妈妈数黑体" pitchFamily="34" charset="-120"/>
+              </a:rPr>
+              <a:t>重点难点分析</a:t>
+            </a:r>
+            <a:endParaRPr lang="en-US" sz="1600" dirty="0"/>
+          </a:p>
+        </p:txBody>
+      </p:sp>
+      <p:sp>
+        <p:nvSpPr>
+          <p:cNvPr id="40" name="Text 38"/>
+          <p:cNvSpPr/>
+          <p:nvPr/>
+        </p:nvSpPr>
+        <p:spPr>
+          <a:xfrm>
+            <a:off x="9499600" y="6426200"/>
+            <a:ext cx="5588000" cy="330200"/>
+          </a:xfrm>
+          <a:prstGeom prst="rect">
+            <a:avLst/>
+          </a:prstGeom>
+          <a:noFill/>
+        </p:spPr>
+        <p:txBody>
+          <a:bodyPr wrap="square" lIns="0" tIns="0" rIns="0" bIns="0" rtlCol="0" anchor="ctr"/>
+          <a:lstStyle/>
+          <a:p>
+            <a:pPr>
+              <a:lnSpc>
+                <a:spcPct val="140000"/>
+              </a:lnSpc>
+            </a:pPr>
+            <a:r>
+              <a:rPr lang="en-US" sz="1600" dirty="0">
+                <a:solidFill>
+                  <a:srgbClr val="8D99AE"/>
+                </a:solidFill>
+                <a:latin typeface="MiSans" pitchFamily="34" charset="-122"/>
+                <a:ea typeface="MiSans" pitchFamily="34" charset="-122"/>
+                <a:cs typeface="MiSans" pitchFamily="34" charset="-120"/>
+              </a:rPr>
+              <a:t>剖析实名制购票、分区票务、文化打卡等核心功能的技术挑战</a:t>
+            </a:r>
+            <a:endParaRPr lang="en-US" sz="1600" dirty="0"/>
+          </a:p>
+        </p:txBody>
+      </p:sp>
+      <p:sp>
+        <p:nvSpPr>
+          <p:cNvPr id="41" name="Shape 39"/>
+          <p:cNvSpPr/>
+          <p:nvPr/>
+        </p:nvSpPr>
+        <p:spPr>
+          <a:xfrm>
+            <a:off x="533400" y="7264400"/>
+            <a:ext cx="7442200" cy="1295400"/>
+          </a:xfrm>
+          <a:custGeom>
+            <a:avLst/>
+            <a:gdLst/>
+            <a:ahLst/>
+            <a:cxnLst/>
+            <a:rect l="l" t="t" r="r" b="b"/>
+            <a:pathLst>
+              <a:path w="7442200" h="1295400">
+                <a:moveTo>
+                  <a:pt x="50800" y="0"/>
+                </a:moveTo>
+                <a:lnTo>
+                  <a:pt x="7340602" y="0"/>
+                </a:lnTo>
+                <a:cubicBezTo>
+                  <a:pt x="7396713" y="0"/>
+                  <a:pt x="7442200" y="45487"/>
+                  <a:pt x="7442200" y="101598"/>
+                </a:cubicBezTo>
+                <a:lnTo>
+                  <a:pt x="7442200" y="1193802"/>
+                </a:lnTo>
+                <a:cubicBezTo>
+                  <a:pt x="7442200" y="1249913"/>
+                  <a:pt x="7396713" y="1295400"/>
+                  <a:pt x="7340602" y="1295400"/>
+                </a:cubicBezTo>
+                <a:lnTo>
+                  <a:pt x="50800" y="1295400"/>
+                </a:lnTo>
+                <a:cubicBezTo>
+                  <a:pt x="22763" y="1295400"/>
+                  <a:pt x="0" y="1272637"/>
+                  <a:pt x="0" y="1244600"/>
+                </a:cubicBezTo>
+                <a:lnTo>
+                  <a:pt x="0" y="50800"/>
+                </a:lnTo>
+                <a:cubicBezTo>
+                  <a:pt x="0" y="22763"/>
+                  <a:pt x="22763" y="0"/>
+                  <a:pt x="50800" y="0"/>
+                </a:cubicBezTo>
+                <a:close/>
+              </a:path>
+            </a:pathLst>
+          </a:custGeom>
+          <a:solidFill>
+            <a:srgbClr val="5F7A8D">
+              <a:alpha val="10196"/>
+            </a:srgbClr>
+          </a:solidFill>
+        </p:spPr>
+      </p:sp>
+      <p:sp>
+        <p:nvSpPr>
+          <p:cNvPr id="42" name="Shape 40"/>
+          <p:cNvSpPr/>
+          <p:nvPr/>
+        </p:nvSpPr>
+        <p:spPr>
+          <a:xfrm>
+            <a:off x="533400" y="7264400"/>
+            <a:ext cx="50800" cy="1295400"/>
+          </a:xfrm>
+          <a:custGeom>
+            <a:avLst/>
+            <a:gdLst/>
+            <a:ahLst/>
+            <a:cxnLst/>
+            <a:rect l="l" t="t" r="r" b="b"/>
+            <a:pathLst>
+              <a:path w="50800" h="1295400">
+                <a:moveTo>
+                  <a:pt x="50800" y="0"/>
+                </a:moveTo>
+                <a:lnTo>
+                  <a:pt x="50800" y="0"/>
+                </a:lnTo>
+                <a:lnTo>
+                  <a:pt x="50800" y="1295400"/>
+                </a:lnTo>
+                <a:lnTo>
+                  <a:pt x="50800" y="1295400"/>
+                </a:lnTo>
+                <a:cubicBezTo>
+                  <a:pt x="22763" y="1295400"/>
+                  <a:pt x="0" y="1272637"/>
+                  <a:pt x="0" y="1244600"/>
+                </a:cubicBezTo>
+                <a:lnTo>
+                  <a:pt x="0" y="50800"/>
+                </a:lnTo>
+                <a:cubicBezTo>
+                  <a:pt x="0" y="22763"/>
+                  <a:pt x="22763" y="0"/>
+                  <a:pt x="50800" y="0"/>
+                </a:cubicBezTo>
+                <a:close/>
+              </a:path>
+            </a:pathLst>
+          </a:custGeom>
+          <a:solidFill>
+            <a:srgbClr val="E07A5F"/>
+          </a:solidFill>
+        </p:spPr>
+      </p:sp>
+      <p:sp>
+        <p:nvSpPr>
+          <p:cNvPr id="43" name="Shape 41"/>
+          <p:cNvSpPr/>
+          <p:nvPr/>
+        </p:nvSpPr>
+        <p:spPr>
+          <a:xfrm>
+            <a:off x="812800" y="7518400"/>
+            <a:ext cx="711200" cy="711200"/>
+          </a:xfrm>
+          <a:custGeom>
+            <a:avLst/>
+            <a:gdLst/>
+            <a:ahLst/>
+            <a:cxnLst/>
+            <a:rect l="l" t="t" r="r" b="b"/>
+            <a:pathLst>
+              <a:path w="711200" h="711200">
+                <a:moveTo>
+                  <a:pt x="101602" y="0"/>
+                </a:moveTo>
+                <a:lnTo>
+                  <a:pt x="609598" y="0"/>
+                </a:lnTo>
+                <a:cubicBezTo>
+                  <a:pt x="665711" y="0"/>
+                  <a:pt x="711200" y="45489"/>
+                  <a:pt x="711200" y="101602"/>
+                </a:cubicBezTo>
+                <a:lnTo>
+                  <a:pt x="711200" y="609598"/>
+                </a:lnTo>
+                <a:cubicBezTo>
+                  <a:pt x="711200" y="665711"/>
+                  <a:pt x="665711" y="711200"/>
+                  <a:pt x="609598" y="711200"/>
+                </a:cubicBezTo>
+                <a:lnTo>
+                  <a:pt x="101602" y="711200"/>
+                </a:lnTo>
+                <a:cubicBezTo>
+                  <a:pt x="45489" y="711200"/>
+                  <a:pt x="0" y="665711"/>
+                  <a:pt x="0" y="609598"/>
+                </a:cubicBezTo>
+                <a:lnTo>
+                  <a:pt x="0" y="101602"/>
+                </a:lnTo>
+                <a:cubicBezTo>
+                  <a:pt x="0" y="45526"/>
+                  <a:pt x="45526" y="0"/>
+                  <a:pt x="101602" y="0"/>
+                </a:cubicBezTo>
+                <a:close/>
+              </a:path>
+            </a:pathLst>
+          </a:custGeom>
+          <a:solidFill>
+            <a:srgbClr val="E07A5F"/>
+          </a:solidFill>
+        </p:spPr>
+      </p:sp>
+      <p:sp>
+        <p:nvSpPr>
+          <p:cNvPr id="44" name="Text 42"/>
+          <p:cNvSpPr/>
+          <p:nvPr/>
+        </p:nvSpPr>
+        <p:spPr>
+          <a:xfrm>
+            <a:off x="988417" y="7670800"/>
+            <a:ext cx="508000" cy="406400"/>
+          </a:xfrm>
+          <a:prstGeom prst="rect">
+            <a:avLst/>
+          </a:prstGeom>
+          <a:noFill/>
+        </p:spPr>
+        <p:txBody>
+          <a:bodyPr wrap="square" lIns="0" tIns="0" rIns="0" bIns="0" rtlCol="0" anchor="ctr"/>
+          <a:lstStyle/>
+          <a:p>
+            <a:pPr>
+              <a:lnSpc>
+                <a:spcPct val="110000"/>
+              </a:lnSpc>
+            </a:pPr>
+            <a:r>
+              <a:rPr lang="en-US" sz="2400" b="1" dirty="0">
+                <a:solidFill>
+                  <a:srgbClr val="1A1D24"/>
+                </a:solidFill>
+                <a:latin typeface="阿里妈妈数黑体" pitchFamily="34" charset="-122"/>
+                <a:ea typeface="阿里妈妈数黑体" pitchFamily="34" charset="-122"/>
+                <a:cs typeface="阿里妈妈数黑体" pitchFamily="34" charset="-120"/>
+              </a:rPr>
+              <a:t>07</a:t>
+            </a:r>
+            <a:endParaRPr lang="en-US" sz="1600" dirty="0"/>
+          </a:p>
+        </p:txBody>
+      </p:sp>
+      <p:sp>
+        <p:nvSpPr>
+          <p:cNvPr id="45" name="Text 43"/>
+          <p:cNvSpPr/>
+          <p:nvPr/>
+        </p:nvSpPr>
+        <p:spPr>
+          <a:xfrm>
+            <a:off x="1727200" y="7518400"/>
+            <a:ext cx="4800600" cy="355600"/>
+          </a:xfrm>
+          <a:prstGeom prst="rect">
+            <a:avLst/>
+          </a:prstGeom>
+          <a:noFill/>
+        </p:spPr>
+        <p:txBody>
+          <a:bodyPr wrap="square" lIns="0" tIns="0" rIns="0" bIns="0" rtlCol="0" anchor="ctr"/>
+          <a:lstStyle/>
+          <a:p>
+            <a:pPr>
+              <a:lnSpc>
+                <a:spcPct val="120000"/>
+              </a:lnSpc>
+            </a:pPr>
+            <a:r>
+              <a:rPr lang="en-US" sz="2000" b="1" dirty="0">
+                <a:solidFill>
+                  <a:srgbClr val="F0F2F5"/>
+                </a:solidFill>
+                <a:latin typeface="阿里妈妈数黑体" pitchFamily="34" charset="-122"/>
+                <a:ea typeface="阿里妈妈数黑体" pitchFamily="34" charset="-122"/>
+                <a:cs typeface="阿里妈妈数黑体" pitchFamily="34" charset="-120"/>
+              </a:rPr>
+              <a:t>预期成果与创新</a:t>
+            </a:r>
+            <a:endParaRPr lang="en-US" sz="1600" dirty="0"/>
+          </a:p>
+        </p:txBody>
+      </p:sp>
+      <p:sp>
+        <p:nvSpPr>
+          <p:cNvPr id="46" name="Text 44"/>
+          <p:cNvSpPr/>
+          <p:nvPr/>
+        </p:nvSpPr>
+        <p:spPr>
+          <a:xfrm>
+            <a:off x="1727200" y="7975600"/>
+            <a:ext cx="4775200" cy="330200"/>
+          </a:xfrm>
+          <a:prstGeom prst="rect">
+            <a:avLst/>
+          </a:prstGeom>
+          <a:noFill/>
+        </p:spPr>
+        <p:txBody>
+          <a:bodyPr wrap="square" lIns="0" tIns="0" rIns="0" bIns="0" rtlCol="0" anchor="ctr"/>
+          <a:lstStyle/>
+          <a:p>
+            <a:pPr>
+              <a:lnSpc>
+                <a:spcPct val="140000"/>
+              </a:lnSpc>
+            </a:pPr>
+            <a:r>
+              <a:rPr lang="en-US" sz="1600" dirty="0">
+                <a:solidFill>
+                  <a:srgbClr val="8D99AE"/>
+                </a:solidFill>
+                <a:latin typeface="MiSans" pitchFamily="34" charset="-122"/>
+                <a:ea typeface="MiSans" pitchFamily="34" charset="-122"/>
+                <a:cs typeface="MiSans" pitchFamily="34" charset="-120"/>
+              </a:rPr>
+              <a:t>总结系统产出、技术整合与地域文化融合的特色亮点</a:t>
+            </a:r>
+            <a:endParaRPr lang="en-US" sz="1600" dirty="0"/>
+          </a:p>
+        </p:txBody>
+      </p:sp>
+      <p:sp>
+        <p:nvSpPr>
+          <p:cNvPr id="47" name="Shape 45"/>
+          <p:cNvSpPr/>
+          <p:nvPr/>
+        </p:nvSpPr>
+        <p:spPr>
+          <a:xfrm>
+            <a:off x="8305800" y="7264400"/>
+            <a:ext cx="7442200" cy="1295400"/>
+          </a:xfrm>
+          <a:custGeom>
+            <a:avLst/>
+            <a:gdLst/>
+            <a:ahLst/>
+            <a:cxnLst/>
+            <a:rect l="l" t="t" r="r" b="b"/>
+            <a:pathLst>
+              <a:path w="7442200" h="1295400">
+                <a:moveTo>
+                  <a:pt x="50800" y="0"/>
+                </a:moveTo>
+                <a:lnTo>
+                  <a:pt x="7340602" y="0"/>
+                </a:lnTo>
+                <a:cubicBezTo>
+                  <a:pt x="7396713" y="0"/>
+                  <a:pt x="7442200" y="45487"/>
+                  <a:pt x="7442200" y="101598"/>
+                </a:cubicBezTo>
+                <a:lnTo>
+                  <a:pt x="7442200" y="1193802"/>
+                </a:lnTo>
+                <a:cubicBezTo>
+                  <a:pt x="7442200" y="1249913"/>
+                  <a:pt x="7396713" y="1295400"/>
+                  <a:pt x="7340602" y="1295400"/>
+                </a:cubicBezTo>
+                <a:lnTo>
+                  <a:pt x="50800" y="1295400"/>
+                </a:lnTo>
+                <a:cubicBezTo>
+                  <a:pt x="22763" y="1295400"/>
+                  <a:pt x="0" y="1272637"/>
+                  <a:pt x="0" y="1244600"/>
+                </a:cubicBezTo>
+                <a:lnTo>
+                  <a:pt x="0" y="50800"/>
+                </a:lnTo>
+                <a:cubicBezTo>
+                  <a:pt x="0" y="22763"/>
+                  <a:pt x="22763" y="0"/>
+                  <a:pt x="50800" y="0"/>
+                </a:cubicBezTo>
+                <a:close/>
+              </a:path>
+            </a:pathLst>
+          </a:custGeom>
+          <a:solidFill>
+            <a:srgbClr val="5F7A8D">
+              <a:alpha val="10196"/>
+            </a:srgbClr>
+          </a:solidFill>
+        </p:spPr>
+      </p:sp>
+      <p:sp>
+        <p:nvSpPr>
+          <p:cNvPr id="48" name="Shape 46"/>
+          <p:cNvSpPr/>
+          <p:nvPr/>
+        </p:nvSpPr>
+        <p:spPr>
+          <a:xfrm>
+            <a:off x="8305800" y="7264400"/>
+            <a:ext cx="50800" cy="1295400"/>
+          </a:xfrm>
+          <a:custGeom>
+            <a:avLst/>
+            <a:gdLst/>
+            <a:ahLst/>
+            <a:cxnLst/>
+            <a:rect l="l" t="t" r="r" b="b"/>
+            <a:pathLst>
+              <a:path w="50800" h="1295400">
+                <a:moveTo>
+                  <a:pt x="50800" y="0"/>
+                </a:moveTo>
+                <a:lnTo>
+                  <a:pt x="50800" y="0"/>
+                </a:lnTo>
+                <a:lnTo>
+                  <a:pt x="50800" y="1295400"/>
+                </a:lnTo>
+                <a:lnTo>
+                  <a:pt x="50800" y="1295400"/>
+                </a:lnTo>
+                <a:cubicBezTo>
+                  <a:pt x="22763" y="1295400"/>
+                  <a:pt x="0" y="1272637"/>
+                  <a:pt x="0" y="1244600"/>
+                </a:cubicBezTo>
+                <a:lnTo>
+                  <a:pt x="0" y="50800"/>
+                </a:lnTo>
+                <a:cubicBezTo>
+                  <a:pt x="0" y="22763"/>
+                  <a:pt x="22763" y="0"/>
+                  <a:pt x="50800" y="0"/>
+                </a:cubicBezTo>
+                <a:close/>
+              </a:path>
+            </a:pathLst>
+          </a:custGeom>
+          <a:solidFill>
+            <a:srgbClr val="5F7A8D"/>
+          </a:solidFill>
+        </p:spPr>
+      </p:sp>
+      <p:sp>
+        <p:nvSpPr>
+          <p:cNvPr id="49" name="Shape 47"/>
+          <p:cNvSpPr/>
+          <p:nvPr/>
+        </p:nvSpPr>
+        <p:spPr>
+          <a:xfrm>
+            <a:off x="8585200" y="7518400"/>
+            <a:ext cx="711200" cy="711200"/>
+          </a:xfrm>
+          <a:custGeom>
+            <a:avLst/>
+            <a:gdLst/>
+            <a:ahLst/>
+            <a:cxnLst/>
+            <a:rect l="l" t="t" r="r" b="b"/>
+            <a:pathLst>
+              <a:path w="711200" h="711200">
+                <a:moveTo>
+                  <a:pt x="101602" y="0"/>
+                </a:moveTo>
+                <a:lnTo>
+                  <a:pt x="609598" y="0"/>
+                </a:lnTo>
+                <a:cubicBezTo>
+                  <a:pt x="665711" y="0"/>
+                  <a:pt x="711200" y="45489"/>
+                  <a:pt x="711200" y="101602"/>
+                </a:cubicBezTo>
+                <a:lnTo>
+                  <a:pt x="711200" y="609598"/>
+                </a:lnTo>
+                <a:cubicBezTo>
+                  <a:pt x="711200" y="665711"/>
+                  <a:pt x="665711" y="711200"/>
+                  <a:pt x="609598" y="711200"/>
+                </a:cubicBezTo>
+                <a:lnTo>
+                  <a:pt x="101602" y="711200"/>
+                </a:lnTo>
+                <a:cubicBezTo>
+                  <a:pt x="45489" y="711200"/>
+                  <a:pt x="0" y="665711"/>
+                  <a:pt x="0" y="609598"/>
+                </a:cubicBezTo>
+                <a:lnTo>
+                  <a:pt x="0" y="101602"/>
+                </a:lnTo>
+                <a:cubicBezTo>
+                  <a:pt x="0" y="45526"/>
+                  <a:pt x="45526" y="0"/>
+                  <a:pt x="101602" y="0"/>
+                </a:cubicBezTo>
+                <a:close/>
+              </a:path>
+            </a:pathLst>
+          </a:custGeom>
+          <a:solidFill>
+            <a:srgbClr val="5F7A8D"/>
+          </a:solidFill>
+        </p:spPr>
+      </p:sp>
+      <p:sp>
+        <p:nvSpPr>
+          <p:cNvPr id="50" name="Text 48"/>
+          <p:cNvSpPr/>
+          <p:nvPr/>
+        </p:nvSpPr>
+        <p:spPr>
+          <a:xfrm>
+            <a:off x="8760817" y="7670800"/>
+            <a:ext cx="508000" cy="406400"/>
+          </a:xfrm>
+          <a:prstGeom prst="rect">
+            <a:avLst/>
+          </a:prstGeom>
+          <a:noFill/>
+        </p:spPr>
+        <p:txBody>
+          <a:bodyPr wrap="square" lIns="0" tIns="0" rIns="0" bIns="0" rtlCol="0" anchor="ctr"/>
+          <a:lstStyle/>
+          <a:p>
+            <a:pPr>
+              <a:lnSpc>
+                <a:spcPct val="110000"/>
+              </a:lnSpc>
+            </a:pPr>
+            <a:r>
+              <a:rPr lang="en-US" sz="2400" b="1" dirty="0">
+                <a:solidFill>
+                  <a:srgbClr val="F0F2F5"/>
+                </a:solidFill>
+                <a:latin typeface="阿里妈妈数黑体" pitchFamily="34" charset="-122"/>
+                <a:ea typeface="阿里妈妈数黑体" pitchFamily="34" charset="-122"/>
+                <a:cs typeface="阿里妈妈数黑体" pitchFamily="34" charset="-120"/>
+              </a:rPr>
+              <a:t>08</a:t>
+            </a:r>
+            <a:endParaRPr lang="en-US" sz="1600" dirty="0"/>
+          </a:p>
+        </p:txBody>
+      </p:sp>
+      <p:sp>
+        <p:nvSpPr>
+          <p:cNvPr id="51" name="Text 49"/>
+          <p:cNvSpPr/>
+          <p:nvPr/>
+        </p:nvSpPr>
+        <p:spPr>
+          <a:xfrm>
+            <a:off x="9499600" y="7518400"/>
+            <a:ext cx="4394200" cy="355600"/>
+          </a:xfrm>
+          <a:prstGeom prst="rect">
+            <a:avLst/>
+          </a:prstGeom>
+          <a:noFill/>
+        </p:spPr>
+        <p:txBody>
+          <a:bodyPr wrap="square" lIns="0" tIns="0" rIns="0" bIns="0" rtlCol="0" anchor="ctr"/>
+          <a:lstStyle/>
+          <a:p>
+            <a:pPr>
+              <a:lnSpc>
+                <a:spcPct val="120000"/>
+              </a:lnSpc>
+            </a:pPr>
+            <a:r>
+              <a:rPr lang="en-US" sz="2000" b="1" dirty="0">
+                <a:solidFill>
+                  <a:srgbClr val="F0F2F5"/>
+                </a:solidFill>
+                <a:latin typeface="阿里妈妈数黑体" pitchFamily="34" charset="-122"/>
+                <a:ea typeface="阿里妈妈数黑体" pitchFamily="34" charset="-122"/>
+                <a:cs typeface="阿里妈妈数黑体" pitchFamily="34" charset="-120"/>
+              </a:rPr>
+              <a:t>进度安排与参考文献</a:t>
+            </a:r>
+            <a:endParaRPr lang="en-US" sz="1600" dirty="0"/>
+          </a:p>
+        </p:txBody>
+      </p:sp>
+      <p:sp>
+        <p:nvSpPr>
+          <p:cNvPr id="52" name="Text 50"/>
+          <p:cNvSpPr/>
+          <p:nvPr/>
+        </p:nvSpPr>
+        <p:spPr>
+          <a:xfrm>
+            <a:off x="9499600" y="7975600"/>
+            <a:ext cx="4368800" cy="330200"/>
+          </a:xfrm>
+          <a:prstGeom prst="rect">
+            <a:avLst/>
+          </a:prstGeom>
+          <a:noFill/>
+        </p:spPr>
+        <p:txBody>
+          <a:bodyPr wrap="square" lIns="0" tIns="0" rIns="0" bIns="0" rtlCol="0" anchor="ctr"/>
+          <a:lstStyle/>
+          <a:p>
+            <a:pPr>
+              <a:lnSpc>
+                <a:spcPct val="140000"/>
+              </a:lnSpc>
+            </a:pPr>
+            <a:r>
+              <a:rPr lang="en-US" sz="1600" dirty="0">
+                <a:solidFill>
+                  <a:srgbClr val="8D99AE"/>
+                </a:solidFill>
+                <a:latin typeface="MiSans" pitchFamily="34" charset="-122"/>
+                <a:ea typeface="MiSans" pitchFamily="34" charset="-122"/>
+                <a:cs typeface="MiSans" pitchFamily="34" charset="-120"/>
+              </a:rPr>
+              <a:t>明确项目时间规划与学术支撑，确保研究规范性</a:t>
+            </a:r>
+            <a:endParaRPr lang="en-US" sz="1600" dirty="0"/>
+          </a:p>
+        </p:txBody>
+      </p:sp>
+    </p:spTree>
+  </p:cSld>
+  <p:clrMapOvr>
+    <a:masterClrMapping/>
+  </p:clrMapOvr>
+  <p:transition>
+    <p:fade/>
+  </p:transition>
+</p:sld>
+</file>
+
+<file path=ppt/slides/slide20.xml><?xml version="1.0" encoding="utf-8"?>
 <p:sld xmlns:a="http://schemas.openxmlformats.org/drawingml/2006/main" xmlns:r="http://schemas.openxmlformats.org/officeDocument/2006/relationships" xmlns:p="http://schemas.openxmlformats.org/presentationml/2006/main">
   <p:cSld>
     <p:bg>
@@ -32376,7 +28920,29 @@
                 <a:ea typeface="MiSans" pitchFamily="34" charset="-122"/>
                 <a:cs typeface="MiSans" pitchFamily="34" charset="-120"/>
               </a:rPr>
-              <a:t>系统架构文档</a:t>
+              <a:t>系统</a:t>
+            </a:r>
+            <a:r>
+              <a:rPr lang="zh-CN" altLang="en-US" sz="1400" b="1" dirty="0">
+                <a:solidFill>
+                  <a:srgbClr val="F0F2F5"/>
+                </a:solidFill>
+                <a:latin typeface="MiSans" pitchFamily="34" charset="-122"/>
+                <a:ea typeface="MiSans" pitchFamily="34" charset="-122"/>
+                <a:cs typeface="MiSans" pitchFamily="34" charset="-120"/>
+              </a:rPr>
+              <a:t>开题报告</a:t>
+            </a:r>
+            <a:r>
+              <a:rPr lang="en-US" sz="1400" b="1" dirty="0">
+                <a:solidFill>
+                  <a:srgbClr val="F0F2F5"/>
+                </a:solidFill>
+                <a:latin typeface="MiSans" pitchFamily="34" charset="-122"/>
+                <a:ea typeface="MiSans" pitchFamily="34" charset="-122"/>
+                <a:cs typeface="MiSans" pitchFamily="34" charset="-120"/>
+              </a:rPr>
+              <a:t>文档</a:t>
             </a:r>
             <a:endParaRPr lang="en-US" sz="1600" dirty="0"/>
           </a:p>
@@ -32407,17 +28973,6 @@
                 <a:spcPct val="110000"/>
               </a:lnSpc>
             </a:pPr>
-            <a:r>
-              <a:rPr lang="en-US" sz="1200" dirty="0">
-                <a:solidFill>
-                  <a:srgbClr val="8D99AE"/>
-                </a:solidFill>
-                <a:latin typeface="MiSans" pitchFamily="34" charset="-122"/>
-                <a:ea typeface="MiSans" pitchFamily="34" charset="-122"/>
-                <a:cs typeface="MiSans" pitchFamily="34" charset="-120"/>
-              </a:rPr>
-              <a:t>架构图、技术选型、模块划分</a:t>
-            </a:r>
             <a:endParaRPr lang="en-US" sz="1600" dirty="0"/>
           </a:p>
         </p:txBody>
@@ -33250,6 +29805,17 @@
               </a:lnSpc>
             </a:pPr>
             <a:r>
+              <a:rPr lang="zh-CN" altLang="en-US" sz="1400" b="1" dirty="0">
+                <a:solidFill>
+                  <a:srgbClr val="F0F2F5"/>
+                </a:solidFill>
+                <a:latin typeface="MiSans" pitchFamily="34" charset="-122"/>
+                <a:ea typeface="MiSans" pitchFamily="34" charset="-122"/>
+                <a:cs typeface="MiSans" pitchFamily="34" charset="-120"/>
+              </a:rPr>
+              <a:t>毕业设计</a:t>
+            </a:r>
+            <a:r>
               <a:rPr lang="en-US" sz="1400" b="1" dirty="0">
                 <a:solidFill>
                   <a:srgbClr val="F0F2F5"/>
@@ -33258,7 +29824,7 @@
                 <a:ea typeface="MiSans" pitchFamily="34" charset="-122"/>
                 <a:cs typeface="MiSans" pitchFamily="34" charset="-120"/>
               </a:rPr>
-              <a:t>部署运维文档</a:t>
+              <a:t>文档</a:t>
             </a:r>
             <a:endParaRPr lang="en-US" sz="1600" dirty="0"/>
           </a:p>
@@ -33289,17 +29855,6 @@
                 <a:spcPct val="110000"/>
               </a:lnSpc>
             </a:pPr>
-            <a:r>
-              <a:rPr lang="en-US" sz="1200" dirty="0">
-                <a:solidFill>
-                  <a:srgbClr val="8D99AE"/>
-                </a:solidFill>
-                <a:latin typeface="MiSans" pitchFamily="34" charset="-122"/>
-                <a:ea typeface="MiSans" pitchFamily="34" charset="-122"/>
-                <a:cs typeface="MiSans" pitchFamily="34" charset="-120"/>
-              </a:rPr>
-              <a:t>环境配置、部署步骤、运维指南</a:t>
-            </a:r>
             <a:endParaRPr lang="en-US" sz="1600" dirty="0"/>
           </a:p>
         </p:txBody>
@@ -33431,7 +29986,7 @@
 </p:sld>
 </file>
 
-<file path=ppt/slides/slide22.xml><?xml version="1.0" encoding="utf-8"?>
+<file path=ppt/slides/slide21.xml><?xml version="1.0" encoding="utf-8"?>
 <p:sld xmlns:a="http://schemas.openxmlformats.org/drawingml/2006/main" xmlns:r="http://schemas.openxmlformats.org/officeDocument/2006/relationships" xmlns:p="http://schemas.openxmlformats.org/presentationml/2006/main">
   <p:cSld>
     <p:bg>
@@ -35760,7 +32315,7 @@
 </p:sld>
 </file>
 
-<file path=ppt/slides/slide23.xml><?xml version="1.0" encoding="utf-8"?>
+<file path=ppt/slides/slide22.xml><?xml version="1.0" encoding="utf-8"?>
 <p:sld xmlns:a="http://schemas.openxmlformats.org/drawingml/2006/main" xmlns:r="http://schemas.openxmlformats.org/officeDocument/2006/relationships" xmlns:p="http://schemas.openxmlformats.org/presentationml/2006/main">
   <p:cSld>
     <p:bg>
@@ -36153,7 +32708,7 @@
 </p:sld>
 </file>
 
-<file path=ppt/slides/slide24.xml><?xml version="1.0" encoding="utf-8"?>
+<file path=ppt/slides/slide23.xml><?xml version="1.0" encoding="utf-8"?>
 <p:sld xmlns:a="http://schemas.openxmlformats.org/drawingml/2006/main" xmlns:r="http://schemas.openxmlformats.org/officeDocument/2006/relationships" xmlns:p="http://schemas.openxmlformats.org/presentationml/2006/main">
   <p:cSld>
     <p:bg>
@@ -40419,7 +36974,7 @@
                 <a:ea typeface="MiSans" pitchFamily="34" charset="-122"/>
                 <a:cs typeface="MiSans" pitchFamily="34" charset="-120"/>
               </a:rPr>
-              <a:t>刘鹏、李晨(2022)基于Vue设计了大型活动票务系统，实现了在线购票、座位选择、支付结算等核心功能。</a:t>
+              <a:t>基于Vue设计了大型活动票务系统，实现了在线购票、座位选择、等核心功能。</a:t>
             </a:r>
             <a:endParaRPr lang="en-US" sz="1600" dirty="0"/>
           </a:p>
@@ -40957,7 +37512,7 @@
                 <a:ea typeface="MiSans" pitchFamily="34" charset="-122"/>
                 <a:cs typeface="MiSans" pitchFamily="34" charset="-120"/>
               </a:rPr>
-              <a:t>张伟、李强(2023)基于Vue和SpringBoot构建了健身俱乐部管理系统，验证了技术栈的通用性。</a:t>
+              <a:t>基于Vue和SpringBoot构建了健身俱乐部管理系统，验证了技术栈的通用性。</a:t>
             </a:r>
             <a:endParaRPr lang="en-US" sz="1600" dirty="0"/>
           </a:p>
@@ -41366,7 +37921,7 @@
                 <a:ea typeface="MiSans" pitchFamily="34" charset="-122"/>
                 <a:cs typeface="MiSans" pitchFamily="34" charset="-120"/>
               </a:rPr>
-              <a:t>Zmaranda等(2021)分析了MySQL与Elasticsearch在数据安全方面的优劣。</a:t>
+              <a:t>分析了MySQL与Elasticsearch在数据安全方面的优劣。</a:t>
             </a:r>
             <a:endParaRPr lang="en-US" sz="1600" dirty="0"/>
           </a:p>
@@ -43841,7 +40396,7 @@
                 <a:ea typeface="MiSans" pitchFamily="34" charset="-122"/>
                 <a:cs typeface="MiSans" pitchFamily="34" charset="-120"/>
               </a:rPr>
-              <a:t>刘汀(2023)指出Spring Boot简化了Spring应用的初始搭建和开发过程，通过自动配置功能大大减少了开发者的工作量。</a:t>
+              <a:t>Spring Boot简化了Spring应用的初始搭建和开发过程，通过自动配置功能大大减少了开发者的工作量。</a:t>
             </a:r>
             <a:endParaRPr lang="en-US" sz="1600" dirty="0"/>
           </a:p>
@@ -44236,7 +40791,7 @@
                 <a:ea typeface="MiSans" pitchFamily="34" charset="-122"/>
                 <a:cs typeface="MiSans" pitchFamily="34" charset="-120"/>
               </a:rPr>
-              <a:t>王志亮、纪松波(2023)基于SpringBoot设计了Web前端与数据库的接口，验证了RESTful API设计的最佳实践。</a:t>
+              <a:t>基于SpringBoot设计了Web前端与数据库的接口，验证了RESTful API设计的最佳实践。</a:t>
             </a:r>
             <a:endParaRPr lang="en-US" sz="1600" dirty="0"/>
           </a:p>
@@ -44514,7 +41069,7 @@
                 <a:ea typeface="MiSans" pitchFamily="34" charset="-122"/>
                 <a:cs typeface="MiSans" pitchFamily="34" charset="-120"/>
               </a:rPr>
-              <a:t>陈蓓蕾、洪年松(2023)基于SpringBoot设计了数据库接口，展示了JPA与MyBatis的整合应用。</a:t>
+              <a:t>基于SpringBoot设计了数据库接口，展示了JPA与MyBatis的整合应用。</a:t>
             </a:r>
             <a:endParaRPr lang="en-US" sz="1600" dirty="0"/>
           </a:p>
